--- a/HomebrewAPI.pptx
+++ b/HomebrewAPI.pptx
@@ -14,29 +14,32 @@
     <p:sldId id="320" r:id="rId8"/>
     <p:sldId id="266" r:id="rId9"/>
     <p:sldId id="308" r:id="rId10"/>
-    <p:sldId id="334" r:id="rId11"/>
-    <p:sldId id="309" r:id="rId12"/>
-    <p:sldId id="257" r:id="rId13"/>
-    <p:sldId id="310" r:id="rId14"/>
-    <p:sldId id="311" r:id="rId15"/>
-    <p:sldId id="313" r:id="rId16"/>
-    <p:sldId id="316" r:id="rId17"/>
-    <p:sldId id="317" r:id="rId18"/>
-    <p:sldId id="318" r:id="rId19"/>
-    <p:sldId id="321" r:id="rId20"/>
-    <p:sldId id="319" r:id="rId21"/>
-    <p:sldId id="323" r:id="rId22"/>
-    <p:sldId id="322" r:id="rId23"/>
-    <p:sldId id="327" r:id="rId24"/>
-    <p:sldId id="330" r:id="rId25"/>
-    <p:sldId id="328" r:id="rId26"/>
-    <p:sldId id="329" r:id="rId27"/>
-    <p:sldId id="331" r:id="rId28"/>
-    <p:sldId id="333" r:id="rId29"/>
+    <p:sldId id="337" r:id="rId11"/>
+    <p:sldId id="334" r:id="rId12"/>
+    <p:sldId id="309" r:id="rId13"/>
+    <p:sldId id="257" r:id="rId14"/>
+    <p:sldId id="310" r:id="rId15"/>
+    <p:sldId id="311" r:id="rId16"/>
+    <p:sldId id="313" r:id="rId17"/>
+    <p:sldId id="316" r:id="rId18"/>
+    <p:sldId id="317" r:id="rId19"/>
+    <p:sldId id="318" r:id="rId20"/>
+    <p:sldId id="321" r:id="rId21"/>
+    <p:sldId id="319" r:id="rId22"/>
+    <p:sldId id="323" r:id="rId23"/>
+    <p:sldId id="322" r:id="rId24"/>
+    <p:sldId id="327" r:id="rId25"/>
+    <p:sldId id="330" r:id="rId26"/>
+    <p:sldId id="328" r:id="rId27"/>
+    <p:sldId id="329" r:id="rId28"/>
+    <p:sldId id="331" r:id="rId29"/>
     <p:sldId id="332" r:id="rId30"/>
-    <p:sldId id="325" r:id="rId31"/>
-    <p:sldId id="326" r:id="rId32"/>
-    <p:sldId id="324" r:id="rId33"/>
+    <p:sldId id="333" r:id="rId31"/>
+    <p:sldId id="325" r:id="rId32"/>
+    <p:sldId id="326" r:id="rId33"/>
+    <p:sldId id="324" r:id="rId34"/>
+    <p:sldId id="335" r:id="rId35"/>
+    <p:sldId id="336" r:id="rId36"/>
   </p:sldIdLst>
   <p:sldSz cx="12192000" cy="6858000"/>
   <p:notesSz cx="6858000" cy="9144000"/>
@@ -867,7 +870,7 @@
           <a:p>
             <a:fld id="{9CFF22E6-19F5-4E3A-A99F-367E5927EEEF}" type="datetimeFigureOut">
               <a:rPr lang="en-US" smtClean="0"/>
-              <a:t>4/1/2022</a:t>
+              <a:t>4/14/2022</a:t>
             </a:fld>
             <a:endParaRPr lang="en-US"/>
           </a:p>
@@ -1118,7 +1121,7 @@
           <a:p>
             <a:fld id="{9CFF22E6-19F5-4E3A-A99F-367E5927EEEF}" type="datetimeFigureOut">
               <a:rPr lang="en-US" smtClean="0"/>
-              <a:t>4/1/2022</a:t>
+              <a:t>4/14/2022</a:t>
             </a:fld>
             <a:endParaRPr lang="en-US"/>
           </a:p>
@@ -1432,7 +1435,7 @@
           <a:p>
             <a:fld id="{9CFF22E6-19F5-4E3A-A99F-367E5927EEEF}" type="datetimeFigureOut">
               <a:rPr lang="en-US" smtClean="0"/>
-              <a:t>4/1/2022</a:t>
+              <a:t>4/14/2022</a:t>
             </a:fld>
             <a:endParaRPr lang="en-US"/>
           </a:p>
@@ -1759,7 +1762,7 @@
           <a:p>
             <a:fld id="{9CFF22E6-19F5-4E3A-A99F-367E5927EEEF}" type="datetimeFigureOut">
               <a:rPr lang="en-US" smtClean="0"/>
-              <a:t>4/1/2022</a:t>
+              <a:t>4/14/2022</a:t>
             </a:fld>
             <a:endParaRPr lang="en-US"/>
           </a:p>
@@ -2073,7 +2076,7 @@
           <a:p>
             <a:fld id="{9CFF22E6-19F5-4E3A-A99F-367E5927EEEF}" type="datetimeFigureOut">
               <a:rPr lang="en-US" smtClean="0"/>
-              <a:t>4/1/2022</a:t>
+              <a:t>4/14/2022</a:t>
             </a:fld>
             <a:endParaRPr lang="en-US"/>
           </a:p>
@@ -2460,7 +2463,7 @@
           <a:p>
             <a:fld id="{9CFF22E6-19F5-4E3A-A99F-367E5927EEEF}" type="datetimeFigureOut">
               <a:rPr lang="en-US" smtClean="0"/>
-              <a:t>4/1/2022</a:t>
+              <a:t>4/14/2022</a:t>
             </a:fld>
             <a:endParaRPr lang="en-US"/>
           </a:p>
@@ -2630,7 +2633,7 @@
           <a:p>
             <a:fld id="{9CFF22E6-19F5-4E3A-A99F-367E5927EEEF}" type="datetimeFigureOut">
               <a:rPr lang="en-US" smtClean="0"/>
-              <a:t>4/1/2022</a:t>
+              <a:t>4/14/2022</a:t>
             </a:fld>
             <a:endParaRPr lang="en-US"/>
           </a:p>
@@ -2810,7 +2813,7 @@
           <a:p>
             <a:fld id="{9CFF22E6-19F5-4E3A-A99F-367E5927EEEF}" type="datetimeFigureOut">
               <a:rPr lang="en-US" smtClean="0"/>
-              <a:t>4/1/2022</a:t>
+              <a:t>4/14/2022</a:t>
             </a:fld>
             <a:endParaRPr lang="en-US"/>
           </a:p>
@@ -2986,7 +2989,7 @@
           <a:p>
             <a:fld id="{9CFF22E6-19F5-4E3A-A99F-367E5927EEEF}" type="datetimeFigureOut">
               <a:rPr lang="en-US" smtClean="0"/>
-              <a:t>4/1/2022</a:t>
+              <a:t>4/14/2022</a:t>
             </a:fld>
             <a:endParaRPr lang="en-US"/>
           </a:p>
@@ -3233,7 +3236,7 @@
           <a:p>
             <a:fld id="{9CFF22E6-19F5-4E3A-A99F-367E5927EEEF}" type="datetimeFigureOut">
               <a:rPr lang="en-US" smtClean="0"/>
-              <a:t>4/1/2022</a:t>
+              <a:t>4/14/2022</a:t>
             </a:fld>
             <a:endParaRPr lang="en-US"/>
           </a:p>
@@ -3465,7 +3468,7 @@
           <a:p>
             <a:fld id="{9CFF22E6-19F5-4E3A-A99F-367E5927EEEF}" type="datetimeFigureOut">
               <a:rPr lang="en-US" smtClean="0"/>
-              <a:t>4/1/2022</a:t>
+              <a:t>4/14/2022</a:t>
             </a:fld>
             <a:endParaRPr lang="en-US"/>
           </a:p>
@@ -3839,7 +3842,7 @@
           <a:p>
             <a:fld id="{9CFF22E6-19F5-4E3A-A99F-367E5927EEEF}" type="datetimeFigureOut">
               <a:rPr lang="en-US" smtClean="0"/>
-              <a:t>4/1/2022</a:t>
+              <a:t>4/14/2022</a:t>
             </a:fld>
             <a:endParaRPr lang="en-US"/>
           </a:p>
@@ -3962,7 +3965,7 @@
           <a:p>
             <a:fld id="{9CFF22E6-19F5-4E3A-A99F-367E5927EEEF}" type="datetimeFigureOut">
               <a:rPr lang="en-US" smtClean="0"/>
-              <a:t>4/1/2022</a:t>
+              <a:t>4/14/2022</a:t>
             </a:fld>
             <a:endParaRPr lang="en-US"/>
           </a:p>
@@ -4057,7 +4060,7 @@
           <a:p>
             <a:fld id="{9CFF22E6-19F5-4E3A-A99F-367E5927EEEF}" type="datetimeFigureOut">
               <a:rPr lang="en-US" smtClean="0"/>
-              <a:t>4/1/2022</a:t>
+              <a:t>4/14/2022</a:t>
             </a:fld>
             <a:endParaRPr lang="en-US"/>
           </a:p>
@@ -4312,7 +4315,7 @@
           <a:p>
             <a:fld id="{9CFF22E6-19F5-4E3A-A99F-367E5927EEEF}" type="datetimeFigureOut">
               <a:rPr lang="en-US" smtClean="0"/>
-              <a:t>4/1/2022</a:t>
+              <a:t>4/14/2022</a:t>
             </a:fld>
             <a:endParaRPr lang="en-US"/>
           </a:p>
@@ -4575,7 +4578,7 @@
           <a:p>
             <a:fld id="{9CFF22E6-19F5-4E3A-A99F-367E5927EEEF}" type="datetimeFigureOut">
               <a:rPr lang="en-US" smtClean="0"/>
-              <a:t>4/1/2022</a:t>
+              <a:t>4/14/2022</a:t>
             </a:fld>
             <a:endParaRPr lang="en-US"/>
           </a:p>
@@ -5320,7 +5323,7 @@
           <a:p>
             <a:fld id="{9CFF22E6-19F5-4E3A-A99F-367E5927EEEF}" type="datetimeFigureOut">
               <a:rPr lang="en-US" smtClean="0"/>
-              <a:t>4/1/2022</a:t>
+              <a:t>4/14/2022</a:t>
             </a:fld>
             <a:endParaRPr lang="en-US"/>
           </a:p>
@@ -5941,7 +5944,7 @@
           <a:p>
             <a:r>
               <a:rPr lang="en-US" dirty="0" smtClean="0"/>
-              <a:t>Development Tools (Recommended)</a:t>
+              <a:t>Server Organization*</a:t>
             </a:r>
             <a:endParaRPr lang="en-US" dirty="0"/>
           </a:p>
@@ -5949,12 +5952,12 @@
       </p:sp>
       <p:sp>
         <p:nvSpPr>
-          <p:cNvPr id="3" name="Content Placeholder 2"/>
-          <p:cNvSpPr>
-            <a:spLocks noGrp="1"/>
-          </p:cNvSpPr>
-          <p:nvPr>
-            <p:ph idx="1"/>
+          <p:cNvPr id="4" name="Text Placeholder 3"/>
+          <p:cNvSpPr>
+            <a:spLocks noGrp="1"/>
+          </p:cNvSpPr>
+          <p:nvPr>
+            <p:ph type="body" idx="1"/>
           </p:nvPr>
         </p:nvSpPr>
         <p:spPr/>
@@ -5963,16 +5966,64 @@
           <a:lstStyle/>
           <a:p>
             <a:r>
+              <a:rPr lang="en-US" i="1" dirty="0" err="1" smtClean="0">
+                <a:solidFill>
+                  <a:schemeClr val="accent1"/>
+                </a:solidFill>
+              </a:rPr>
+              <a:t>diy</a:t>
+            </a:r>
+            <a:r>
+              <a:rPr lang="en-US" dirty="0" smtClean="0"/>
+              <a:t> user:</a:t>
+            </a:r>
+            <a:endParaRPr lang="en-US" dirty="0"/>
+          </a:p>
+        </p:txBody>
+      </p:sp>
+      <p:sp>
+        <p:nvSpPr>
+          <p:cNvPr id="5" name="Content Placeholder 4"/>
+          <p:cNvSpPr>
+            <a:spLocks noGrp="1"/>
+          </p:cNvSpPr>
+          <p:nvPr>
+            <p:ph sz="half" idx="2"/>
+          </p:nvPr>
+        </p:nvSpPr>
+        <p:spPr/>
+        <p:txBody>
+          <a:bodyPr>
+            <a:normAutofit fontScale="92500" lnSpcReduction="20000"/>
+          </a:bodyPr>
+          <a:lstStyle/>
+          <a:p>
+            <a:r>
               <a:rPr lang="en-US" dirty="0" smtClean="0">
                 <a:solidFill>
                   <a:schemeClr val="accent1"/>
                 </a:solidFill>
               </a:rPr>
-              <a:t>Visual Code Studio</a:t>
-            </a:r>
-            <a:r>
-              <a:rPr lang="en-US" dirty="0" smtClean="0"/>
-              <a:t>: Free (Microsoft) syntax highlighting and extendable code development environment suitable for all languages.</a:t>
+              <a:t>bin</a:t>
+            </a:r>
+            <a:r>
+              <a:rPr lang="en-US" dirty="0" smtClean="0"/>
+              <a:t>: Location of node code.</a:t>
+            </a:r>
+          </a:p>
+          <a:p>
+            <a:pPr lvl="1"/>
+            <a:r>
+              <a:rPr lang="en-US" dirty="0" err="1" smtClean="0">
+                <a:solidFill>
+                  <a:schemeClr val="accent1"/>
+                </a:solidFill>
+              </a:rPr>
+              <a:t>node_modules</a:t>
+            </a:r>
+            <a:r>
+              <a:rPr lang="en-US" dirty="0" smtClean="0"/>
+              <a:t>: Location of installed node modules.</a:t>
             </a:r>
           </a:p>
           <a:p>
@@ -5982,11 +6033,11 @@
                   <a:schemeClr val="accent1"/>
                 </a:solidFill>
               </a:rPr>
-              <a:t>JavaScript Console</a:t>
-            </a:r>
-            <a:r>
-              <a:rPr lang="en-US" dirty="0" smtClean="0"/>
-              <a:t>: Provides client-side debug environment for JavaScript AND HTML and CSS. Chrome Bowser has best developed JavaScript console accessed by CTRL-SHIFT-J (while viewing the page of interest).</a:t>
+              <a:t>logs</a:t>
+            </a:r>
+            <a:r>
+              <a:rPr lang="en-US" dirty="0" smtClean="0"/>
+              <a:t>: Location of server logs.</a:t>
             </a:r>
           </a:p>
           <a:p>
@@ -5996,30 +6047,419 @@
                   <a:schemeClr val="accent1"/>
                 </a:solidFill>
               </a:rPr>
-              <a:t>Postman</a:t>
-            </a:r>
-            <a:r>
-              <a:rPr lang="en-US" dirty="0" smtClean="0"/>
-              <a:t>: Available as a cross platform app or web page, Postman offers an extensive API testing environment. It allows sending GET, POST, or other requests with authentication, custom headers, body contents, … and then observing the complete response, including headers and errors. Particularly well suited for </a:t>
-            </a:r>
-            <a:r>
-              <a:rPr lang="en-US" smtClean="0"/>
-              <a:t>JSON data.</a:t>
+              <a:t>restricted</a:t>
+            </a:r>
+            <a:r>
+              <a:rPr lang="en-US" dirty="0" smtClean="0"/>
+              <a:t>: Location of protected files, such as the configuration, NEVER linked directly to server requests.</a:t>
+            </a:r>
+          </a:p>
+          <a:p>
+            <a:pPr lvl="1"/>
+            <a:r>
+              <a:rPr lang="en-US" dirty="0" smtClean="0">
+                <a:solidFill>
+                  <a:schemeClr val="accent1"/>
+                </a:solidFill>
+              </a:rPr>
+              <a:t>&lt;</a:t>
+            </a:r>
+            <a:r>
+              <a:rPr lang="en-US" dirty="0" err="1" smtClean="0">
+                <a:solidFill>
+                  <a:schemeClr val="accent1"/>
+                </a:solidFill>
+              </a:rPr>
+              <a:t>domain_name</a:t>
+            </a:r>
+            <a:r>
+              <a:rPr lang="en-US" dirty="0" smtClean="0">
+                <a:solidFill>
+                  <a:schemeClr val="accent1"/>
+                </a:solidFill>
+              </a:rPr>
+              <a:t>&gt;</a:t>
+            </a:r>
+            <a:r>
+              <a:rPr lang="en-US" dirty="0" smtClean="0"/>
+              <a:t>: Location of security certificates.</a:t>
+            </a:r>
+          </a:p>
+          <a:p>
+            <a:r>
+              <a:rPr lang="en-US" dirty="0" smtClean="0">
+                <a:solidFill>
+                  <a:schemeClr val="accent1"/>
+                </a:solidFill>
+              </a:rPr>
+              <a:t>sites</a:t>
+            </a:r>
+            <a:r>
+              <a:rPr lang="en-US" dirty="0" smtClean="0"/>
+              <a:t>: Folder of all sites supported by server, each in its own folder</a:t>
             </a:r>
             <a:endParaRPr lang="en-US" dirty="0"/>
+          </a:p>
+        </p:txBody>
+      </p:sp>
+      <p:sp>
+        <p:nvSpPr>
+          <p:cNvPr id="6" name="Text Placeholder 5"/>
+          <p:cNvSpPr>
+            <a:spLocks noGrp="1"/>
+          </p:cNvSpPr>
+          <p:nvPr>
+            <p:ph type="body" sz="quarter" idx="3"/>
+          </p:nvPr>
+        </p:nvSpPr>
+        <p:spPr/>
+        <p:txBody>
+          <a:bodyPr/>
+          <a:lstStyle/>
+          <a:p>
+            <a:r>
+              <a:rPr lang="en-US" i="1" dirty="0" smtClean="0">
+                <a:solidFill>
+                  <a:schemeClr val="accent1"/>
+                </a:solidFill>
+              </a:rPr>
+              <a:t>sites</a:t>
+            </a:r>
+            <a:r>
+              <a:rPr lang="en-US" dirty="0" smtClean="0"/>
+              <a:t>:</a:t>
+            </a:r>
+            <a:endParaRPr lang="en-US" dirty="0"/>
+          </a:p>
+        </p:txBody>
+      </p:sp>
+      <p:sp>
+        <p:nvSpPr>
+          <p:cNvPr id="7" name="Content Placeholder 6"/>
+          <p:cNvSpPr>
+            <a:spLocks noGrp="1"/>
+          </p:cNvSpPr>
+          <p:nvPr>
+            <p:ph sz="quarter" idx="4"/>
+          </p:nvPr>
+        </p:nvSpPr>
+        <p:spPr/>
+        <p:txBody>
+          <a:bodyPr/>
+          <a:lstStyle/>
+          <a:p>
+            <a:r>
+              <a:rPr lang="en-US" dirty="0" smtClean="0"/>
+              <a:t>acme: Location referenced by Let’s Encrypt </a:t>
+            </a:r>
+            <a:r>
+              <a:rPr lang="en-US" dirty="0" err="1" smtClean="0"/>
+              <a:t>Certbot</a:t>
+            </a:r>
+            <a:r>
+              <a:rPr lang="en-US" dirty="0" smtClean="0"/>
+              <a:t> for server ownership verification. (http)</a:t>
+            </a:r>
+          </a:p>
+          <a:p>
+            <a:r>
+              <a:rPr lang="en-US" dirty="0" err="1" smtClean="0"/>
+              <a:t>cdn</a:t>
+            </a:r>
+            <a:r>
+              <a:rPr lang="en-US" dirty="0" smtClean="0"/>
+              <a:t>: A local content delivery network for maintaining an archive copy of library dependencies.</a:t>
+            </a:r>
+          </a:p>
+          <a:p>
+            <a:r>
+              <a:rPr lang="en-US" dirty="0" smtClean="0"/>
+              <a:t>&lt;site 1&gt;: An individual site.</a:t>
+            </a:r>
+          </a:p>
+          <a:p>
+            <a:r>
+              <a:rPr lang="en-US" dirty="0" smtClean="0"/>
+              <a:t>&lt;site 2&gt;: …</a:t>
+            </a:r>
+            <a:endParaRPr lang="en-US" dirty="0"/>
+          </a:p>
+        </p:txBody>
+      </p:sp>
+      <p:sp>
+        <p:nvSpPr>
+          <p:cNvPr id="8" name="Rectangle 7"/>
+          <p:cNvSpPr/>
+          <p:nvPr/>
+        </p:nvSpPr>
+        <p:spPr>
+          <a:xfrm>
+            <a:off x="9501016" y="2465390"/>
+            <a:ext cx="2341028" cy="2954655"/>
+          </a:xfrm>
+          <a:prstGeom prst="rect">
+            <a:avLst/>
+          </a:prstGeom>
+          <a:solidFill>
+            <a:schemeClr val="accent1"/>
+          </a:solidFill>
+          <a:ln w="28575">
+            <a:solidFill>
+              <a:schemeClr val="bg2"/>
+            </a:solidFill>
+          </a:ln>
+        </p:spPr>
+        <p:txBody>
+          <a:bodyPr wrap="square">
+            <a:spAutoFit/>
+          </a:bodyPr>
+          <a:lstStyle/>
+          <a:p>
+            <a:pPr marL="112713" algn="ctr"/>
+            <a:r>
+              <a:rPr lang="en-US" sz="1400" dirty="0" smtClean="0">
+                <a:solidFill>
+                  <a:schemeClr val="bg1"/>
+                </a:solidFill>
+                <a:latin typeface="Lucida Console" panose="020B0609040504020204" pitchFamily="49" charset="0"/>
+              </a:rPr>
+              <a:t>Recommended </a:t>
+            </a:r>
+            <a:br>
+              <a:rPr lang="en-US" sz="1400" dirty="0" smtClean="0">
+                <a:solidFill>
+                  <a:schemeClr val="bg1"/>
+                </a:solidFill>
+                <a:latin typeface="Lucida Console" panose="020B0609040504020204" pitchFamily="49" charset="0"/>
+              </a:rPr>
+            </a:br>
+            <a:r>
+              <a:rPr lang="en-US" sz="1400" dirty="0" smtClean="0">
+                <a:solidFill>
+                  <a:schemeClr val="bg1"/>
+                </a:solidFill>
+                <a:latin typeface="Lucida Console" panose="020B0609040504020204" pitchFamily="49" charset="0"/>
+              </a:rPr>
+              <a:t>Site Organization</a:t>
+            </a:r>
+          </a:p>
+          <a:p>
+            <a:pPr marL="112713"/>
+            <a:endParaRPr lang="en-US" sz="1400" dirty="0">
+              <a:solidFill>
+                <a:schemeClr val="bg2"/>
+              </a:solidFill>
+              <a:latin typeface="Lucida Console" panose="020B0609040504020204" pitchFamily="49" charset="0"/>
+            </a:endParaRPr>
+          </a:p>
+          <a:p>
+            <a:pPr marL="338138" indent="-225425"/>
+            <a:r>
+              <a:rPr lang="en-US" sz="1200" dirty="0" smtClean="0">
+                <a:latin typeface="Lucida Console" panose="020B0609040504020204" pitchFamily="49" charset="0"/>
+              </a:rPr>
+              <a:t>data</a:t>
+            </a:r>
+            <a:r>
+              <a:rPr lang="en-US" sz="1200" dirty="0" smtClean="0">
+                <a:solidFill>
+                  <a:schemeClr val="bg2"/>
+                </a:solidFill>
+                <a:latin typeface="Lucida Console" panose="020B0609040504020204" pitchFamily="49" charset="0"/>
+              </a:rPr>
+              <a:t>: CMS data files</a:t>
+            </a:r>
+          </a:p>
+          <a:p>
+            <a:pPr marL="338138" indent="-225425"/>
+            <a:r>
+              <a:rPr lang="en-US" sz="1200" dirty="0" smtClean="0">
+                <a:latin typeface="Lucida Console" panose="020B0609040504020204" pitchFamily="49" charset="0"/>
+              </a:rPr>
+              <a:t>images</a:t>
+            </a:r>
+            <a:r>
+              <a:rPr lang="en-US" sz="1200" dirty="0" smtClean="0">
+                <a:solidFill>
+                  <a:schemeClr val="bg2"/>
+                </a:solidFill>
+                <a:latin typeface="Lucida Console" panose="020B0609040504020204" pitchFamily="49" charset="0"/>
+              </a:rPr>
+              <a:t>: Graphics content</a:t>
+            </a:r>
+          </a:p>
+          <a:p>
+            <a:pPr marL="338138" indent="-225425"/>
+            <a:r>
+              <a:rPr lang="en-US" sz="1200" dirty="0" smtClean="0">
+                <a:latin typeface="Lucida Console" panose="020B0609040504020204" pitchFamily="49" charset="0"/>
+              </a:rPr>
+              <a:t>schema</a:t>
+            </a:r>
+            <a:r>
+              <a:rPr lang="en-US" sz="1200" dirty="0" smtClean="0">
+                <a:solidFill>
+                  <a:schemeClr val="bg2"/>
+                </a:solidFill>
+                <a:latin typeface="Lucida Console" panose="020B0609040504020204" pitchFamily="49" charset="0"/>
+              </a:rPr>
+              <a:t>: CMS schema files</a:t>
+            </a:r>
+          </a:p>
+          <a:p>
+            <a:pPr marL="338138" indent="-225425"/>
+            <a:r>
+              <a:rPr lang="en-US" sz="1200" dirty="0" smtClean="0">
+                <a:latin typeface="Lucida Console" panose="020B0609040504020204" pitchFamily="49" charset="0"/>
+              </a:rPr>
+              <a:t>scripts</a:t>
+            </a:r>
+            <a:r>
+              <a:rPr lang="en-US" sz="1200" dirty="0" smtClean="0">
+                <a:solidFill>
+                  <a:schemeClr val="bg2"/>
+                </a:solidFill>
+                <a:latin typeface="Lucida Console" panose="020B0609040504020204" pitchFamily="49" charset="0"/>
+              </a:rPr>
+              <a:t>: JavaScript files</a:t>
+            </a:r>
+          </a:p>
+          <a:p>
+            <a:pPr marL="338138" indent="-225425"/>
+            <a:r>
+              <a:rPr lang="en-US" sz="1200" dirty="0" smtClean="0">
+                <a:latin typeface="Lucida Console" panose="020B0609040504020204" pitchFamily="49" charset="0"/>
+              </a:rPr>
+              <a:t>styles</a:t>
+            </a:r>
+            <a:r>
+              <a:rPr lang="en-US" sz="1200" dirty="0" smtClean="0">
+                <a:solidFill>
+                  <a:schemeClr val="bg2"/>
+                </a:solidFill>
+                <a:latin typeface="Lucida Console" panose="020B0609040504020204" pitchFamily="49" charset="0"/>
+              </a:rPr>
+              <a:t>: CSS files</a:t>
+            </a:r>
+          </a:p>
+          <a:p>
+            <a:pPr marL="338138" indent="-225425"/>
+            <a:endParaRPr lang="en-US" sz="1200" dirty="0">
+              <a:solidFill>
+                <a:schemeClr val="bg2"/>
+              </a:solidFill>
+              <a:latin typeface="Lucida Console" panose="020B0609040504020204" pitchFamily="49" charset="0"/>
+            </a:endParaRPr>
+          </a:p>
+          <a:p>
+            <a:pPr marL="338138" indent="-225425"/>
+            <a:r>
+              <a:rPr lang="en-US" sz="1200" dirty="0" smtClean="0">
+                <a:latin typeface="Lucida Console" panose="020B0609040504020204" pitchFamily="49" charset="0"/>
+              </a:rPr>
+              <a:t>index.html</a:t>
+            </a:r>
+            <a:r>
+              <a:rPr lang="en-US" sz="1200" dirty="0" smtClean="0">
+                <a:solidFill>
+                  <a:schemeClr val="bg2"/>
+                </a:solidFill>
+                <a:latin typeface="Lucida Console" panose="020B0609040504020204" pitchFamily="49" charset="0"/>
+              </a:rPr>
+              <a:t>: main site file</a:t>
+            </a:r>
+          </a:p>
+          <a:p>
+            <a:pPr marL="112713"/>
+            <a:endParaRPr lang="en-US" sz="1200" dirty="0">
+              <a:solidFill>
+                <a:schemeClr val="bg2"/>
+              </a:solidFill>
+              <a:latin typeface="Lucida Console" panose="020B0609040504020204" pitchFamily="49" charset="0"/>
+            </a:endParaRPr>
+          </a:p>
+        </p:txBody>
+      </p:sp>
+      <p:sp>
+        <p:nvSpPr>
+          <p:cNvPr id="9" name="Rectangle 8"/>
+          <p:cNvSpPr/>
+          <p:nvPr/>
+        </p:nvSpPr>
+        <p:spPr>
+          <a:xfrm>
+            <a:off x="677335" y="5875219"/>
+            <a:ext cx="8848502" cy="830997"/>
+          </a:xfrm>
+          <a:prstGeom prst="rect">
+            <a:avLst/>
+          </a:prstGeom>
+          <a:ln w="31750" cmpd="sng">
+            <a:solidFill>
+              <a:srgbClr val="00B0F0"/>
+            </a:solidFill>
+          </a:ln>
+        </p:spPr>
+        <p:style>
+          <a:lnRef idx="0">
+            <a:scrgbClr r="0" g="0" b="0"/>
+          </a:lnRef>
+          <a:fillRef idx="1001">
+            <a:schemeClr val="dk1"/>
+          </a:fillRef>
+          <a:effectRef idx="0">
+            <a:scrgbClr r="0" g="0" b="0"/>
+          </a:effectRef>
+          <a:fontRef idx="major"/>
+        </p:style>
+        <p:txBody>
+          <a:bodyPr wrap="square" lIns="228600" tIns="137160" rIns="228600" bIns="137160">
+            <a:spAutoFit/>
+          </a:bodyPr>
+          <a:lstStyle/>
+          <a:p>
+            <a:pPr marL="0" lvl="1"/>
+            <a:r>
+              <a:rPr lang="en-US" dirty="0">
+                <a:solidFill>
+                  <a:srgbClr val="00B0F0"/>
+                </a:solidFill>
+              </a:rPr>
+              <a:t>*While </a:t>
+            </a:r>
+            <a:r>
+              <a:rPr lang="en-US" dirty="0" smtClean="0">
+                <a:solidFill>
+                  <a:srgbClr val="00B0F0"/>
+                </a:solidFill>
+              </a:rPr>
+              <a:t>not absolute, this represents the expected file/folder organization. Any changes would need to be reflected in the config.js file and possibly elsewhere.</a:t>
+            </a:r>
+            <a:endParaRPr lang="en-US" dirty="0">
+              <a:solidFill>
+                <a:srgbClr val="00B0F0"/>
+              </a:solidFill>
+            </a:endParaRPr>
           </a:p>
         </p:txBody>
       </p:sp>
     </p:spTree>
     <p:extLst>
       <p:ext uri="{BB962C8B-B14F-4D97-AF65-F5344CB8AC3E}">
-        <p14:creationId xmlns:p14="http://schemas.microsoft.com/office/powerpoint/2010/main" val="3276287884"/>
+        <p14:creationId xmlns:p14="http://schemas.microsoft.com/office/powerpoint/2010/main" val="3230193647"/>
       </p:ext>
     </p:extLst>
   </p:cSld>
   <p:clrMapOvr>
     <a:masterClrMapping/>
   </p:clrMapOvr>
+  <p:timing>
+    <p:tnLst>
+      <p:par>
+        <p:cTn id="1" dur="indefinite" restart="never" nodeType="tmRoot"/>
+      </p:par>
+    </p:tnLst>
+  </p:timing>
 </p:sld>
 </file>
 
@@ -6042,7 +6482,7 @@
       </p:grpSpPr>
       <p:sp>
         <p:nvSpPr>
-          <p:cNvPr id="4" name="Title 3"/>
+          <p:cNvPr id="2" name="Title 1"/>
           <p:cNvSpPr>
             <a:spLocks noGrp="1"/>
           </p:cNvSpPr>
@@ -6056,12 +6496,8 @@
           <a:lstStyle/>
           <a:p>
             <a:r>
-              <a:rPr lang="en-US" dirty="0" err="1" smtClean="0"/>
-              <a:t>HomebrewAPI</a:t>
-            </a:r>
-            <a:r>
-              <a:rPr lang="en-US" dirty="0" smtClean="0"/>
-              <a:t> Definition</a:t>
+              <a:rPr lang="en-US" dirty="0" smtClean="0"/>
+              <a:t>Development Tools (Recommended)</a:t>
             </a:r>
             <a:endParaRPr lang="en-US" dirty="0"/>
           </a:p>
@@ -6069,12 +6505,12 @@
       </p:sp>
       <p:sp>
         <p:nvSpPr>
-          <p:cNvPr id="5" name="Text Placeholder 4"/>
-          <p:cNvSpPr>
-            <a:spLocks noGrp="1"/>
-          </p:cNvSpPr>
-          <p:nvPr>
-            <p:ph type="body" idx="1"/>
+          <p:cNvPr id="3" name="Content Placeholder 2"/>
+          <p:cNvSpPr>
+            <a:spLocks noGrp="1"/>
+          </p:cNvSpPr>
+          <p:nvPr>
+            <p:ph idx="1"/>
           </p:nvPr>
         </p:nvSpPr>
         <p:spPr/>
@@ -6083,8 +6519,44 @@
           <a:lstStyle/>
           <a:p>
             <a:r>
-              <a:rPr lang="en-US" dirty="0" smtClean="0"/>
-              <a:t>Transport Data Definition</a:t>
+              <a:rPr lang="en-US" dirty="0" smtClean="0">
+                <a:solidFill>
+                  <a:schemeClr val="accent1"/>
+                </a:solidFill>
+              </a:rPr>
+              <a:t>Visual Code Studio</a:t>
+            </a:r>
+            <a:r>
+              <a:rPr lang="en-US" dirty="0" smtClean="0"/>
+              <a:t>: Free (Microsoft) syntax highlighting and extendable code development environment suitable for all languages.</a:t>
+            </a:r>
+          </a:p>
+          <a:p>
+            <a:r>
+              <a:rPr lang="en-US" dirty="0" smtClean="0">
+                <a:solidFill>
+                  <a:schemeClr val="accent1"/>
+                </a:solidFill>
+              </a:rPr>
+              <a:t>JavaScript Console</a:t>
+            </a:r>
+            <a:r>
+              <a:rPr lang="en-US" dirty="0" smtClean="0"/>
+              <a:t>: Provides client-side debug environment for JavaScript and HTML and CSS. Chrome Bowser has best developed JavaScript console accessed by CTRL-SHIFT-J (while viewing the page of interest).</a:t>
+            </a:r>
+          </a:p>
+          <a:p>
+            <a:r>
+              <a:rPr lang="en-US" dirty="0" smtClean="0">
+                <a:solidFill>
+                  <a:schemeClr val="accent1"/>
+                </a:solidFill>
+              </a:rPr>
+              <a:t>Postman</a:t>
+            </a:r>
+            <a:r>
+              <a:rPr lang="en-US" dirty="0" smtClean="0"/>
+              <a:t>: Available as a cross platform app or web page, Postman offers an extensive API testing environment. It allows sending GET, POST, or other requests with authentication, custom headers, body contents, … and then observing the complete response, including headers and errors. Particularly well suited for JSON data.</a:t>
             </a:r>
             <a:endParaRPr lang="en-US" dirty="0"/>
           </a:p>
@@ -6093,13 +6565,20 @@
     </p:spTree>
     <p:extLst>
       <p:ext uri="{BB962C8B-B14F-4D97-AF65-F5344CB8AC3E}">
-        <p14:creationId xmlns:p14="http://schemas.microsoft.com/office/powerpoint/2010/main" val="4016376449"/>
+        <p14:creationId xmlns:p14="http://schemas.microsoft.com/office/powerpoint/2010/main" val="3276287884"/>
       </p:ext>
     </p:extLst>
   </p:cSld>
   <p:clrMapOvr>
     <a:masterClrMapping/>
   </p:clrMapOvr>
+  <p:timing>
+    <p:tnLst>
+      <p:par>
+        <p:cTn id="1" dur="indefinite" restart="never" nodeType="tmRoot"/>
+      </p:par>
+    </p:tnLst>
+  </p:timing>
 </p:sld>
 </file>
 
@@ -6122,7 +6601,7 @@
       </p:grpSpPr>
       <p:sp>
         <p:nvSpPr>
-          <p:cNvPr id="2" name="Title 1"/>
+          <p:cNvPr id="4" name="Title 3"/>
           <p:cNvSpPr>
             <a:spLocks noGrp="1"/>
           </p:cNvSpPr>
@@ -6136,8 +6615,12 @@
           <a:lstStyle/>
           <a:p>
             <a:r>
-              <a:rPr lang="en-US" dirty="0" smtClean="0"/>
-              <a:t>API Messages</a:t>
+              <a:rPr lang="en-US" dirty="0" err="1" smtClean="0"/>
+              <a:t>HomebrewAPI</a:t>
+            </a:r>
+            <a:r>
+              <a:rPr lang="en-US" dirty="0" smtClean="0"/>
+              <a:t> Definition</a:t>
             </a:r>
             <a:endParaRPr lang="en-US" dirty="0"/>
           </a:p>
@@ -6145,947 +6628,31 @@
       </p:sp>
       <p:sp>
         <p:nvSpPr>
-          <p:cNvPr id="3" name="Content Placeholder 2"/>
-          <p:cNvSpPr>
-            <a:spLocks noGrp="1"/>
-          </p:cNvSpPr>
-          <p:nvPr>
-            <p:ph idx="1"/>
-          </p:nvPr>
-        </p:nvSpPr>
-        <p:spPr>
-          <a:xfrm>
-            <a:off x="677336" y="2160590"/>
-            <a:ext cx="7292622" cy="3880773"/>
-          </a:xfrm>
-        </p:spPr>
-        <p:txBody>
-          <a:bodyPr>
-            <a:normAutofit fontScale="92500" lnSpcReduction="20000"/>
-          </a:bodyPr>
+          <p:cNvPr id="5" name="Text Placeholder 4"/>
+          <p:cNvSpPr>
+            <a:spLocks noGrp="1"/>
+          </p:cNvSpPr>
+          <p:nvPr>
+            <p:ph type="body" idx="1"/>
+          </p:nvPr>
+        </p:nvSpPr>
+        <p:spPr/>
+        <p:txBody>
+          <a:bodyPr/>
           <a:lstStyle/>
           <a:p>
             <a:r>
-              <a:rPr lang="en-US" dirty="0">
-                <a:solidFill>
-                  <a:schemeClr val="tx1"/>
-                </a:solidFill>
-              </a:rPr>
-              <a:t>ALL </a:t>
-            </a:r>
-            <a:r>
-              <a:rPr lang="en-US" dirty="0" smtClean="0">
-                <a:solidFill>
-                  <a:schemeClr val="tx1"/>
-                </a:solidFill>
-              </a:rPr>
-              <a:t>communications implement </a:t>
-            </a:r>
-            <a:r>
-              <a:rPr lang="en-US" dirty="0" smtClean="0">
-                <a:solidFill>
-                  <a:schemeClr val="tx1"/>
-                </a:solidFill>
-              </a:rPr>
-              <a:t>simple </a:t>
-            </a:r>
-            <a:r>
-              <a:rPr lang="en-US" dirty="0">
-                <a:solidFill>
-                  <a:schemeClr val="tx1"/>
-                </a:solidFill>
-              </a:rPr>
-              <a:t>JSON </a:t>
-            </a:r>
-            <a:r>
-              <a:rPr lang="en-US" dirty="0" smtClean="0">
-                <a:solidFill>
-                  <a:schemeClr val="tx1"/>
-                </a:solidFill>
-              </a:rPr>
-              <a:t>(human readable text</a:t>
-            </a:r>
-            <a:r>
-              <a:rPr lang="en-US" dirty="0">
-                <a:solidFill>
-                  <a:schemeClr val="tx1"/>
-                </a:solidFill>
-              </a:rPr>
-              <a:t>) </a:t>
-            </a:r>
-            <a:r>
-              <a:rPr lang="en-US" dirty="0" smtClean="0">
-                <a:solidFill>
-                  <a:schemeClr val="tx1"/>
-                </a:solidFill>
-              </a:rPr>
-              <a:t>based</a:t>
-            </a:r>
-            <a:r>
-              <a:rPr lang="en-US" dirty="0" smtClean="0">
-                <a:solidFill>
-                  <a:schemeClr val="tx1"/>
-                </a:solidFill>
-              </a:rPr>
-              <a:t> messages.</a:t>
-            </a:r>
-            <a:endParaRPr lang="en-US" dirty="0">
-              <a:solidFill>
-                <a:schemeClr val="tx1"/>
-              </a:solidFill>
-            </a:endParaRPr>
-          </a:p>
-          <a:p>
-            <a:pPr lvl="1"/>
-            <a:r>
-              <a:rPr lang="en-US" dirty="0" smtClean="0"/>
-              <a:t>JSON </a:t>
-            </a:r>
-            <a:r>
               <a:rPr lang="en-US" dirty="0"/>
-              <a:t>= </a:t>
-            </a:r>
-            <a:r>
-              <a:rPr lang="en-US" dirty="0">
-                <a:solidFill>
-                  <a:schemeClr val="accent1"/>
-                </a:solidFill>
-              </a:rPr>
-              <a:t>J</a:t>
-            </a:r>
-            <a:r>
-              <a:rPr lang="en-US" dirty="0"/>
-              <a:t>ava</a:t>
-            </a:r>
-            <a:r>
-              <a:rPr lang="en-US" dirty="0">
-                <a:solidFill>
-                  <a:schemeClr val="accent1"/>
-                </a:solidFill>
-              </a:rPr>
-              <a:t>S</a:t>
-            </a:r>
-            <a:r>
-              <a:rPr lang="en-US" dirty="0"/>
-              <a:t>cript </a:t>
-            </a:r>
-            <a:r>
-              <a:rPr lang="en-US" dirty="0">
-                <a:solidFill>
-                  <a:schemeClr val="accent1"/>
-                </a:solidFill>
-              </a:rPr>
-              <a:t>O</a:t>
-            </a:r>
-            <a:r>
-              <a:rPr lang="en-US" dirty="0"/>
-              <a:t>bject </a:t>
-            </a:r>
-            <a:r>
-              <a:rPr lang="en-US" dirty="0">
-                <a:solidFill>
-                  <a:schemeClr val="accent1"/>
-                </a:solidFill>
-              </a:rPr>
-              <a:t>N</a:t>
-            </a:r>
-            <a:r>
-              <a:rPr lang="en-US" dirty="0"/>
-              <a:t>otation</a:t>
-            </a:r>
-          </a:p>
-          <a:p>
-            <a:pPr lvl="2"/>
-            <a:r>
-              <a:rPr lang="en-US" dirty="0"/>
-              <a:t>See </a:t>
-            </a:r>
-            <a:r>
-              <a:rPr lang="en-US" dirty="0">
-                <a:hlinkClick r:id="rId2"/>
-              </a:rPr>
-              <a:t>https://json.org</a:t>
-            </a:r>
-            <a:r>
-              <a:rPr lang="en-US" dirty="0"/>
-              <a:t> for a </a:t>
-            </a:r>
-            <a:r>
-              <a:rPr lang="en-US" dirty="0">
-                <a:solidFill>
-                  <a:schemeClr val="tx1"/>
-                </a:solidFill>
-              </a:rPr>
-              <a:t>one</a:t>
-            </a:r>
-            <a:r>
-              <a:rPr lang="en-US" dirty="0"/>
-              <a:t> page definition</a:t>
-            </a:r>
-            <a:r>
-              <a:rPr lang="en-US" dirty="0" smtClean="0"/>
-              <a:t>.</a:t>
-            </a:r>
-          </a:p>
-          <a:p>
-            <a:r>
-              <a:rPr lang="en-US" dirty="0" smtClean="0"/>
-              <a:t>The client sends a JSON message </a:t>
-            </a:r>
-            <a:r>
-              <a:rPr lang="en-US" dirty="0" smtClean="0">
-                <a:solidFill>
-                  <a:schemeClr val="accent5"/>
-                </a:solidFill>
-              </a:rPr>
-              <a:t>request</a:t>
-            </a:r>
-            <a:r>
-              <a:rPr lang="en-US" dirty="0" smtClean="0"/>
-              <a:t> to a specific server endpoint, for example: https://&lt;domain_name&gt;/login as illustrated to the right.</a:t>
-            </a:r>
-          </a:p>
-          <a:p>
-            <a:r>
-              <a:rPr lang="en-US" dirty="0" smtClean="0"/>
-              <a:t>On success, the server in turn returns a JSON </a:t>
-            </a:r>
-            <a:r>
-              <a:rPr lang="en-US" dirty="0" smtClean="0">
-                <a:solidFill>
-                  <a:schemeClr val="accent5"/>
-                </a:solidFill>
-              </a:rPr>
-              <a:t>response</a:t>
-            </a:r>
-            <a:r>
-              <a:rPr lang="en-US" dirty="0" smtClean="0"/>
-              <a:t> message.</a:t>
-            </a:r>
-          </a:p>
-          <a:p>
-            <a:r>
-              <a:rPr lang="en-US" dirty="0" smtClean="0"/>
-              <a:t>On failure, the server returns a JSON </a:t>
-            </a:r>
-            <a:r>
-              <a:rPr lang="en-US" dirty="0" smtClean="0">
-                <a:solidFill>
-                  <a:schemeClr val="accent5"/>
-                </a:solidFill>
-              </a:rPr>
-              <a:t>error</a:t>
-            </a:r>
-            <a:r>
-              <a:rPr lang="en-US" dirty="0" smtClean="0"/>
-              <a:t> object, versus a traditional HTTP response code header, which allows for more graceful handling of the error by the client. The error object encapsulates the HTTP response code and message as well as other details. Note: except for internal exceptions, the server always responds with a successful HTTP code: HTTP 200 Ok, even for errors.</a:t>
-            </a:r>
-          </a:p>
-          <a:p>
+              <a:t>Data Transport Definition</a:t>
+            </a:r>
             <a:endParaRPr lang="en-US" dirty="0"/>
-          </a:p>
-        </p:txBody>
-      </p:sp>
-      <p:sp>
-        <p:nvSpPr>
-          <p:cNvPr id="4" name="Rectangle 3"/>
-          <p:cNvSpPr/>
-          <p:nvPr/>
-        </p:nvSpPr>
-        <p:spPr>
-          <a:xfrm>
-            <a:off x="7969957" y="614012"/>
-            <a:ext cx="3716828" cy="5940088"/>
-          </a:xfrm>
-          <a:prstGeom prst="rect">
-            <a:avLst/>
-          </a:prstGeom>
-          <a:solidFill>
-            <a:schemeClr val="accent1"/>
-          </a:solidFill>
-          <a:ln w="28575">
-            <a:solidFill>
-              <a:schemeClr val="bg2"/>
-            </a:solidFill>
-          </a:ln>
-        </p:spPr>
-        <p:txBody>
-          <a:bodyPr wrap="square">
-            <a:spAutoFit/>
-          </a:bodyPr>
-          <a:lstStyle/>
-          <a:p>
-            <a:pPr marL="112713"/>
-            <a:r>
-              <a:rPr lang="en-US" sz="1600" dirty="0" smtClean="0">
-                <a:solidFill>
-                  <a:schemeClr val="bg2"/>
-                </a:solidFill>
-                <a:latin typeface="Lucida Console" panose="020B0609040504020204" pitchFamily="49" charset="0"/>
-              </a:rPr>
-              <a:t>EXAMPLE API EXCHANGE</a:t>
-            </a:r>
-          </a:p>
-          <a:p>
-            <a:pPr marL="112713"/>
-            <a:endParaRPr lang="en-US" sz="1600" dirty="0" smtClean="0">
-              <a:solidFill>
-                <a:schemeClr val="bg2"/>
-              </a:solidFill>
-              <a:latin typeface="Lucida Console" panose="020B0609040504020204" pitchFamily="49" charset="0"/>
-            </a:endParaRPr>
-          </a:p>
-          <a:p>
-            <a:pPr marL="112713"/>
-            <a:r>
-              <a:rPr lang="en-US" sz="1200" dirty="0" smtClean="0">
-                <a:solidFill>
-                  <a:schemeClr val="accent5"/>
-                </a:solidFill>
-                <a:latin typeface="Lucida Console" panose="020B0609040504020204" pitchFamily="49" charset="0"/>
-              </a:rPr>
-              <a:t>REQUEST</a:t>
-            </a:r>
-            <a:r>
-              <a:rPr lang="en-US" sz="1200" dirty="0" smtClean="0">
-                <a:solidFill>
-                  <a:schemeClr val="bg2"/>
-                </a:solidFill>
-                <a:latin typeface="Lucida Console" panose="020B0609040504020204" pitchFamily="49" charset="0"/>
-              </a:rPr>
-              <a:t>:</a:t>
-            </a:r>
-          </a:p>
-          <a:p>
-            <a:pPr marL="112713"/>
-            <a:r>
-              <a:rPr lang="en-US" sz="1200" dirty="0" smtClean="0">
-                <a:solidFill>
-                  <a:schemeClr val="bg2"/>
-                </a:solidFill>
-                <a:latin typeface="Lucida Console" panose="020B0609040504020204" pitchFamily="49" charset="0"/>
-              </a:rPr>
-              <a:t>{</a:t>
-            </a:r>
-            <a:endParaRPr lang="en-US" sz="1200" dirty="0">
-              <a:solidFill>
-                <a:schemeClr val="bg2"/>
-              </a:solidFill>
-              <a:latin typeface="Lucida Console" panose="020B0609040504020204" pitchFamily="49" charset="0"/>
-            </a:endParaRPr>
-          </a:p>
-          <a:p>
-            <a:pPr marL="112713"/>
-            <a:r>
-              <a:rPr lang="en-US" sz="1200" dirty="0">
-                <a:solidFill>
-                  <a:schemeClr val="bg2"/>
-                </a:solidFill>
-                <a:latin typeface="Lucida Console" panose="020B0609040504020204" pitchFamily="49" charset="0"/>
-              </a:rPr>
-              <a:t>  </a:t>
-            </a:r>
-            <a:r>
-              <a:rPr lang="en-US" sz="1200" dirty="0" smtClean="0">
-                <a:solidFill>
-                  <a:schemeClr val="bg2"/>
-                </a:solidFill>
-                <a:latin typeface="Lucida Console" panose="020B0609040504020204" pitchFamily="49" charset="0"/>
-              </a:rPr>
-              <a:t>“username": “dvc”,</a:t>
-            </a:r>
-            <a:endParaRPr lang="en-US" sz="1200" dirty="0">
-              <a:solidFill>
-                <a:schemeClr val="bg2"/>
-              </a:solidFill>
-              <a:latin typeface="Lucida Console" panose="020B0609040504020204" pitchFamily="49" charset="0"/>
-            </a:endParaRPr>
-          </a:p>
-          <a:p>
-            <a:pPr marL="112713"/>
-            <a:r>
-              <a:rPr lang="en-US" sz="1200" dirty="0">
-                <a:solidFill>
-                  <a:schemeClr val="bg2"/>
-                </a:solidFill>
-                <a:latin typeface="Lucida Console" panose="020B0609040504020204" pitchFamily="49" charset="0"/>
-              </a:rPr>
-              <a:t>  </a:t>
-            </a:r>
-            <a:r>
-              <a:rPr lang="en-US" sz="1200" dirty="0" smtClean="0">
-                <a:solidFill>
-                  <a:schemeClr val="bg2"/>
-                </a:solidFill>
-                <a:latin typeface="Lucida Console" panose="020B0609040504020204" pitchFamily="49" charset="0"/>
-              </a:rPr>
-              <a:t>“password": “...</a:t>
-            </a:r>
-            <a:r>
-              <a:rPr lang="en-US" sz="1200" dirty="0" smtClean="0">
-                <a:solidFill>
-                  <a:schemeClr val="bg2"/>
-                </a:solidFill>
-                <a:latin typeface="Lucida Console" panose="020B0609040504020204" pitchFamily="49" charset="0"/>
-              </a:rPr>
-              <a:t>”</a:t>
-            </a:r>
-          </a:p>
-          <a:p>
-            <a:pPr marL="112713"/>
-            <a:r>
-              <a:rPr lang="en-US" sz="1200" dirty="0" smtClean="0">
-                <a:solidFill>
-                  <a:schemeClr val="bg2"/>
-                </a:solidFill>
-                <a:latin typeface="Lucida Console" panose="020B0609040504020204" pitchFamily="49" charset="0"/>
-              </a:rPr>
-              <a:t>}</a:t>
-            </a:r>
-          </a:p>
-          <a:p>
-            <a:pPr marL="112713"/>
-            <a:endParaRPr lang="en-US" sz="1200" dirty="0">
-              <a:solidFill>
-                <a:schemeClr val="bg2"/>
-              </a:solidFill>
-              <a:latin typeface="Lucida Console" panose="020B0609040504020204" pitchFamily="49" charset="0"/>
-            </a:endParaRPr>
-          </a:p>
-          <a:p>
-            <a:pPr marL="112713"/>
-            <a:r>
-              <a:rPr lang="en-US" sz="1200" dirty="0" smtClean="0">
-                <a:solidFill>
-                  <a:schemeClr val="accent5"/>
-                </a:solidFill>
-                <a:latin typeface="Lucida Console" panose="020B0609040504020204" pitchFamily="49" charset="0"/>
-              </a:rPr>
-              <a:t>RESPONSE</a:t>
-            </a:r>
-            <a:r>
-              <a:rPr lang="en-US" sz="1200" dirty="0" smtClean="0">
-                <a:solidFill>
-                  <a:schemeClr val="bg2"/>
-                </a:solidFill>
-                <a:latin typeface="Lucida Console" panose="020B0609040504020204" pitchFamily="49" charset="0"/>
-              </a:rPr>
-              <a:t>:</a:t>
-            </a:r>
-          </a:p>
-          <a:p>
-            <a:pPr marL="112713"/>
-            <a:r>
-              <a:rPr lang="en-US" sz="1200" dirty="0">
-                <a:solidFill>
-                  <a:schemeClr val="bg2"/>
-                </a:solidFill>
-                <a:latin typeface="Lucida Console" panose="020B0609040504020204" pitchFamily="49" charset="0"/>
-              </a:rPr>
-              <a:t>{</a:t>
-            </a:r>
-          </a:p>
-          <a:p>
-            <a:pPr marL="112713"/>
-            <a:r>
-              <a:rPr lang="en-US" sz="1200" dirty="0">
-                <a:solidFill>
-                  <a:schemeClr val="bg2"/>
-                </a:solidFill>
-                <a:latin typeface="Lucida Console" panose="020B0609040504020204" pitchFamily="49" charset="0"/>
-              </a:rPr>
-              <a:t>  </a:t>
-            </a:r>
-            <a:r>
-              <a:rPr lang="en-US" sz="1200" dirty="0" smtClean="0">
-                <a:solidFill>
-                  <a:schemeClr val="bg2"/>
-                </a:solidFill>
-                <a:latin typeface="Lucida Console" panose="020B0609040504020204" pitchFamily="49" charset="0"/>
-              </a:rPr>
-              <a:t>"</a:t>
-            </a:r>
-            <a:r>
-              <a:rPr lang="en-US" sz="1200" dirty="0">
-                <a:solidFill>
-                  <a:schemeClr val="bg2"/>
-                </a:solidFill>
-                <a:latin typeface="Lucida Console" panose="020B0609040504020204" pitchFamily="49" charset="0"/>
-              </a:rPr>
-              <a:t>token": "</a:t>
-            </a:r>
-            <a:r>
-              <a:rPr lang="en-US" sz="1200" dirty="0" err="1" smtClean="0">
-                <a:solidFill>
-                  <a:schemeClr val="bg2"/>
-                </a:solidFill>
-                <a:latin typeface="Lucida Console" panose="020B0609040504020204" pitchFamily="49" charset="0"/>
-              </a:rPr>
-              <a:t>eyJhbGciOJ</a:t>
-            </a:r>
-            <a:r>
-              <a:rPr lang="en-US" sz="1200" dirty="0" smtClean="0">
-                <a:solidFill>
-                  <a:schemeClr val="bg2"/>
-                </a:solidFill>
-                <a:latin typeface="Lucida Console" panose="020B0609040504020204" pitchFamily="49" charset="0"/>
-              </a:rPr>
-              <a:t>...”,</a:t>
-            </a:r>
-            <a:endParaRPr lang="en-US" sz="1200" dirty="0">
-              <a:solidFill>
-                <a:schemeClr val="bg2"/>
-              </a:solidFill>
-              <a:latin typeface="Lucida Console" panose="020B0609040504020204" pitchFamily="49" charset="0"/>
-            </a:endParaRPr>
-          </a:p>
-          <a:p>
-            <a:pPr marL="112713"/>
-            <a:r>
-              <a:rPr lang="en-US" sz="1200" dirty="0">
-                <a:solidFill>
-                  <a:schemeClr val="bg2"/>
-                </a:solidFill>
-                <a:latin typeface="Lucida Console" panose="020B0609040504020204" pitchFamily="49" charset="0"/>
-              </a:rPr>
-              <a:t>  </a:t>
-            </a:r>
-            <a:r>
-              <a:rPr lang="en-US" sz="1200" dirty="0" smtClean="0">
-                <a:solidFill>
-                  <a:schemeClr val="bg2"/>
-                </a:solidFill>
-                <a:latin typeface="Lucida Console" panose="020B0609040504020204" pitchFamily="49" charset="0"/>
-              </a:rPr>
-              <a:t>"</a:t>
-            </a:r>
-            <a:r>
-              <a:rPr lang="en-US" sz="1200" dirty="0">
-                <a:solidFill>
-                  <a:schemeClr val="bg2"/>
-                </a:solidFill>
-                <a:latin typeface="Lucida Console" panose="020B0609040504020204" pitchFamily="49" charset="0"/>
-              </a:rPr>
-              <a:t>payload": {</a:t>
-            </a:r>
-          </a:p>
-          <a:p>
-            <a:pPr marL="112713"/>
-            <a:r>
-              <a:rPr lang="en-US" sz="1200" dirty="0">
-                <a:solidFill>
-                  <a:schemeClr val="bg2"/>
-                </a:solidFill>
-                <a:latin typeface="Lucida Console" panose="020B0609040504020204" pitchFamily="49" charset="0"/>
-              </a:rPr>
-              <a:t>    </a:t>
-            </a:r>
-            <a:r>
-              <a:rPr lang="en-US" sz="1200" dirty="0" smtClean="0">
-                <a:solidFill>
-                  <a:schemeClr val="bg2"/>
-                </a:solidFill>
-                <a:latin typeface="Lucida Console" panose="020B0609040504020204" pitchFamily="49" charset="0"/>
-              </a:rPr>
-              <a:t> </a:t>
-            </a:r>
-            <a:r>
-              <a:rPr lang="en-US" sz="1200" dirty="0">
-                <a:solidFill>
-                  <a:schemeClr val="bg2"/>
-                </a:solidFill>
-                <a:latin typeface="Lucida Console" panose="020B0609040504020204" pitchFamily="49" charset="0"/>
-              </a:rPr>
-              <a:t>"username": "dvc",</a:t>
-            </a:r>
-          </a:p>
-          <a:p>
-            <a:pPr marL="112713"/>
-            <a:r>
-              <a:rPr lang="en-US" sz="1200" dirty="0">
-                <a:solidFill>
-                  <a:schemeClr val="bg2"/>
-                </a:solidFill>
-                <a:latin typeface="Lucida Console" panose="020B0609040504020204" pitchFamily="49" charset="0"/>
-              </a:rPr>
-              <a:t>    </a:t>
-            </a:r>
-            <a:r>
-              <a:rPr lang="en-US" sz="1200" dirty="0" smtClean="0">
-                <a:solidFill>
-                  <a:schemeClr val="bg2"/>
-                </a:solidFill>
-                <a:latin typeface="Lucida Console" panose="020B0609040504020204" pitchFamily="49" charset="0"/>
-              </a:rPr>
-              <a:t> </a:t>
-            </a:r>
-            <a:r>
-              <a:rPr lang="en-US" sz="1200" dirty="0">
-                <a:solidFill>
-                  <a:schemeClr val="bg2"/>
-                </a:solidFill>
-                <a:latin typeface="Lucida Console" panose="020B0609040504020204" pitchFamily="49" charset="0"/>
-              </a:rPr>
-              <a:t>"member": </a:t>
-            </a:r>
-            <a:r>
-              <a:rPr lang="en-US" sz="1200" dirty="0" smtClean="0">
-                <a:solidFill>
-                  <a:schemeClr val="bg2"/>
-                </a:solidFill>
-                <a:latin typeface="Lucida Console" panose="020B0609040504020204" pitchFamily="49" charset="0"/>
-              </a:rPr>
-              <a:t>...,</a:t>
-            </a:r>
-          </a:p>
-          <a:p>
-            <a:pPr marL="112713"/>
-            <a:r>
-              <a:rPr lang="en-US" sz="1200" dirty="0" smtClean="0">
-                <a:solidFill>
-                  <a:schemeClr val="bg2"/>
-                </a:solidFill>
-                <a:latin typeface="Lucida Console" panose="020B0609040504020204" pitchFamily="49" charset="0"/>
-              </a:rPr>
-              <a:t>     "</a:t>
-            </a:r>
-            <a:r>
-              <a:rPr lang="en-US" sz="1200" dirty="0" err="1">
-                <a:solidFill>
-                  <a:schemeClr val="bg2"/>
-                </a:solidFill>
-                <a:latin typeface="Lucida Console" panose="020B0609040504020204" pitchFamily="49" charset="0"/>
-              </a:rPr>
-              <a:t>iat</a:t>
-            </a:r>
-            <a:r>
-              <a:rPr lang="en-US" sz="1200" dirty="0">
-                <a:solidFill>
-                  <a:schemeClr val="bg2"/>
-                </a:solidFill>
-                <a:latin typeface="Lucida Console" panose="020B0609040504020204" pitchFamily="49" charset="0"/>
-              </a:rPr>
-              <a:t>": 1648994425,</a:t>
-            </a:r>
-          </a:p>
-          <a:p>
-            <a:pPr marL="112713"/>
-            <a:r>
-              <a:rPr lang="en-US" sz="1200" dirty="0">
-                <a:solidFill>
-                  <a:schemeClr val="bg2"/>
-                </a:solidFill>
-                <a:latin typeface="Lucida Console" panose="020B0609040504020204" pitchFamily="49" charset="0"/>
-              </a:rPr>
-              <a:t>     </a:t>
-            </a:r>
-            <a:r>
-              <a:rPr lang="en-US" sz="1200" dirty="0" smtClean="0">
-                <a:solidFill>
-                  <a:schemeClr val="bg2"/>
-                </a:solidFill>
-                <a:latin typeface="Lucida Console" panose="020B0609040504020204" pitchFamily="49" charset="0"/>
-              </a:rPr>
-              <a:t>"</a:t>
-            </a:r>
-            <a:r>
-              <a:rPr lang="en-US" sz="1200" dirty="0" err="1">
-                <a:solidFill>
-                  <a:schemeClr val="bg2"/>
-                </a:solidFill>
-                <a:latin typeface="Lucida Console" panose="020B0609040504020204" pitchFamily="49" charset="0"/>
-              </a:rPr>
-              <a:t>exp</a:t>
-            </a:r>
-            <a:r>
-              <a:rPr lang="en-US" sz="1200" dirty="0">
-                <a:solidFill>
-                  <a:schemeClr val="bg2"/>
-                </a:solidFill>
-                <a:latin typeface="Lucida Console" panose="020B0609040504020204" pitchFamily="49" charset="0"/>
-              </a:rPr>
-              <a:t>": 604800,</a:t>
-            </a:r>
-          </a:p>
-          <a:p>
-            <a:pPr marL="112713"/>
-            <a:r>
-              <a:rPr lang="en-US" sz="1200" dirty="0">
-                <a:solidFill>
-                  <a:schemeClr val="bg2"/>
-                </a:solidFill>
-                <a:latin typeface="Lucida Console" panose="020B0609040504020204" pitchFamily="49" charset="0"/>
-              </a:rPr>
-              <a:t>     </a:t>
-            </a:r>
-            <a:r>
-              <a:rPr lang="en-US" sz="1200" dirty="0" smtClean="0">
-                <a:solidFill>
-                  <a:schemeClr val="bg2"/>
-                </a:solidFill>
-                <a:latin typeface="Lucida Console" panose="020B0609040504020204" pitchFamily="49" charset="0"/>
-              </a:rPr>
-              <a:t>"</a:t>
-            </a:r>
-            <a:r>
-              <a:rPr lang="en-US" sz="1200" dirty="0" err="1">
-                <a:solidFill>
-                  <a:schemeClr val="bg2"/>
-                </a:solidFill>
-                <a:latin typeface="Lucida Console" panose="020B0609040504020204" pitchFamily="49" charset="0"/>
-              </a:rPr>
-              <a:t>ext</a:t>
-            </a:r>
-            <a:r>
-              <a:rPr lang="en-US" sz="1200" dirty="0">
-                <a:solidFill>
-                  <a:schemeClr val="bg2"/>
-                </a:solidFill>
-                <a:latin typeface="Lucida Console" panose="020B0609040504020204" pitchFamily="49" charset="0"/>
-              </a:rPr>
-              <a:t>": true</a:t>
-            </a:r>
-          </a:p>
-          <a:p>
-            <a:pPr marL="112713"/>
-            <a:r>
-              <a:rPr lang="en-US" sz="1200" dirty="0">
-                <a:solidFill>
-                  <a:schemeClr val="bg2"/>
-                </a:solidFill>
-                <a:latin typeface="Lucida Console" panose="020B0609040504020204" pitchFamily="49" charset="0"/>
-              </a:rPr>
-              <a:t>    }</a:t>
-            </a:r>
-          </a:p>
-          <a:p>
-            <a:pPr marL="112713"/>
-            <a:r>
-              <a:rPr lang="en-US" sz="1200" dirty="0" smtClean="0">
-                <a:solidFill>
-                  <a:schemeClr val="bg2"/>
-                </a:solidFill>
-                <a:latin typeface="Lucida Console" panose="020B0609040504020204" pitchFamily="49" charset="0"/>
-              </a:rPr>
-              <a:t>}</a:t>
-            </a:r>
-          </a:p>
-          <a:p>
-            <a:pPr marL="112713"/>
-            <a:endParaRPr lang="en-US" sz="1200" dirty="0">
-              <a:solidFill>
-                <a:schemeClr val="bg2"/>
-              </a:solidFill>
-              <a:latin typeface="Lucida Console" panose="020B0609040504020204" pitchFamily="49" charset="0"/>
-            </a:endParaRPr>
-          </a:p>
-          <a:p>
-            <a:pPr marL="112713"/>
-            <a:r>
-              <a:rPr lang="en-US" sz="1200" dirty="0" smtClean="0">
-                <a:solidFill>
-                  <a:schemeClr val="accent5"/>
-                </a:solidFill>
-                <a:latin typeface="Lucida Console" panose="020B0609040504020204" pitchFamily="49" charset="0"/>
-              </a:rPr>
-              <a:t>ERROR</a:t>
-            </a:r>
-            <a:r>
-              <a:rPr lang="en-US" sz="1200" dirty="0" smtClean="0">
-                <a:solidFill>
-                  <a:schemeClr val="bg2"/>
-                </a:solidFill>
-                <a:latin typeface="Lucida Console" panose="020B0609040504020204" pitchFamily="49" charset="0"/>
-              </a:rPr>
-              <a:t>: </a:t>
-            </a:r>
-          </a:p>
-          <a:p>
-            <a:pPr marL="112713"/>
-            <a:r>
-              <a:rPr lang="en-US" sz="1200" dirty="0">
-                <a:solidFill>
-                  <a:schemeClr val="bg2"/>
-                </a:solidFill>
-                <a:latin typeface="Lucida Console" panose="020B0609040504020204" pitchFamily="49" charset="0"/>
-              </a:rPr>
-              <a:t>{</a:t>
-            </a:r>
-          </a:p>
-          <a:p>
-            <a:pPr marL="112713"/>
-            <a:r>
-              <a:rPr lang="en-US" sz="1200" dirty="0">
-                <a:solidFill>
-                  <a:schemeClr val="bg2"/>
-                </a:solidFill>
-                <a:latin typeface="Lucida Console" panose="020B0609040504020204" pitchFamily="49" charset="0"/>
-              </a:rPr>
-              <a:t>  </a:t>
-            </a:r>
-            <a:r>
-              <a:rPr lang="en-US" sz="1200" dirty="0" smtClean="0">
-                <a:solidFill>
-                  <a:schemeClr val="bg2"/>
-                </a:solidFill>
-                <a:latin typeface="Lucida Console" panose="020B0609040504020204" pitchFamily="49" charset="0"/>
-              </a:rPr>
-              <a:t>"</a:t>
-            </a:r>
-            <a:r>
-              <a:rPr lang="en-US" sz="1200" dirty="0">
-                <a:solidFill>
-                  <a:schemeClr val="bg2"/>
-                </a:solidFill>
-                <a:latin typeface="Lucida Console" panose="020B0609040504020204" pitchFamily="49" charset="0"/>
-              </a:rPr>
-              <a:t>error": true,</a:t>
-            </a:r>
-          </a:p>
-          <a:p>
-            <a:pPr marL="112713"/>
-            <a:r>
-              <a:rPr lang="en-US" sz="1200" dirty="0">
-                <a:solidFill>
-                  <a:schemeClr val="bg2"/>
-                </a:solidFill>
-                <a:latin typeface="Lucida Console" panose="020B0609040504020204" pitchFamily="49" charset="0"/>
-              </a:rPr>
-              <a:t>  </a:t>
-            </a:r>
-            <a:r>
-              <a:rPr lang="en-US" sz="1200" dirty="0" smtClean="0">
-                <a:solidFill>
-                  <a:schemeClr val="bg2"/>
-                </a:solidFill>
-                <a:latin typeface="Lucida Console" panose="020B0609040504020204" pitchFamily="49" charset="0"/>
-              </a:rPr>
-              <a:t>"</a:t>
-            </a:r>
-            <a:r>
-              <a:rPr lang="en-US" sz="1200" dirty="0">
-                <a:solidFill>
-                  <a:schemeClr val="bg2"/>
-                </a:solidFill>
-                <a:latin typeface="Lucida Console" panose="020B0609040504020204" pitchFamily="49" charset="0"/>
-              </a:rPr>
-              <a:t>code": 401,</a:t>
-            </a:r>
-          </a:p>
-          <a:p>
-            <a:pPr marL="112713"/>
-            <a:r>
-              <a:rPr lang="en-US" sz="1200" dirty="0">
-                <a:solidFill>
-                  <a:schemeClr val="bg2"/>
-                </a:solidFill>
-                <a:latin typeface="Lucida Console" panose="020B0609040504020204" pitchFamily="49" charset="0"/>
-              </a:rPr>
-              <a:t>  </a:t>
-            </a:r>
-            <a:r>
-              <a:rPr lang="en-US" sz="1200" dirty="0" smtClean="0">
-                <a:solidFill>
-                  <a:schemeClr val="bg2"/>
-                </a:solidFill>
-                <a:latin typeface="Lucida Console" panose="020B0609040504020204" pitchFamily="49" charset="0"/>
-              </a:rPr>
-              <a:t>"</a:t>
-            </a:r>
-            <a:r>
-              <a:rPr lang="en-US" sz="1200" dirty="0" err="1">
-                <a:solidFill>
-                  <a:schemeClr val="bg2"/>
-                </a:solidFill>
-                <a:latin typeface="Lucida Console" panose="020B0609040504020204" pitchFamily="49" charset="0"/>
-              </a:rPr>
-              <a:t>msg</a:t>
-            </a:r>
-            <a:r>
-              <a:rPr lang="en-US" sz="1200" dirty="0">
-                <a:solidFill>
-                  <a:schemeClr val="bg2"/>
-                </a:solidFill>
-                <a:latin typeface="Lucida Console" panose="020B0609040504020204" pitchFamily="49" charset="0"/>
-              </a:rPr>
-              <a:t>": "NOT Authorized!",</a:t>
-            </a:r>
-          </a:p>
-          <a:p>
-            <a:pPr marL="112713"/>
-            <a:r>
-              <a:rPr lang="en-US" sz="1200" dirty="0">
-                <a:solidFill>
-                  <a:schemeClr val="bg2"/>
-                </a:solidFill>
-                <a:latin typeface="Lucida Console" panose="020B0609040504020204" pitchFamily="49" charset="0"/>
-              </a:rPr>
-              <a:t>  </a:t>
-            </a:r>
-            <a:r>
-              <a:rPr lang="en-US" sz="1200" dirty="0" smtClean="0">
-                <a:solidFill>
-                  <a:schemeClr val="bg2"/>
-                </a:solidFill>
-                <a:latin typeface="Lucida Console" panose="020B0609040504020204" pitchFamily="49" charset="0"/>
-              </a:rPr>
-              <a:t>"</a:t>
-            </a:r>
-            <a:r>
-              <a:rPr lang="en-US" sz="1200" dirty="0">
-                <a:solidFill>
-                  <a:schemeClr val="bg2"/>
-                </a:solidFill>
-                <a:latin typeface="Lucida Console" panose="020B0609040504020204" pitchFamily="49" charset="0"/>
-              </a:rPr>
-              <a:t>detail": "Authentication failed!"</a:t>
-            </a:r>
-          </a:p>
-          <a:p>
-            <a:pPr marL="112713"/>
-            <a:r>
-              <a:rPr lang="en-US" sz="1200" dirty="0" smtClean="0">
-                <a:solidFill>
-                  <a:schemeClr val="bg2"/>
-                </a:solidFill>
-                <a:latin typeface="Lucida Console" panose="020B0609040504020204" pitchFamily="49" charset="0"/>
-              </a:rPr>
-              <a:t>}</a:t>
-            </a:r>
-          </a:p>
-          <a:p>
-            <a:pPr marL="112713"/>
-            <a:endParaRPr lang="en-US" sz="1200" dirty="0">
-              <a:solidFill>
-                <a:schemeClr val="bg2"/>
-              </a:solidFill>
-              <a:latin typeface="Lucida Console" panose="020B0609040504020204" pitchFamily="49" charset="0"/>
-            </a:endParaRPr>
-          </a:p>
-          <a:p>
-            <a:pPr marL="112713"/>
-            <a:r>
-              <a:rPr lang="en-US" sz="1100" i="1" dirty="0" smtClean="0">
-                <a:solidFill>
-                  <a:schemeClr val="accent5"/>
-                </a:solidFill>
-                <a:latin typeface="Lucida Console" panose="020B0609040504020204" pitchFamily="49" charset="0"/>
-              </a:rPr>
-              <a:t>NOTE: A login request actually occurs through an Authorization header, but used here as an API demonstration only.</a:t>
-            </a:r>
-            <a:endParaRPr lang="en-US" sz="1100" i="1" dirty="0">
-              <a:solidFill>
-                <a:schemeClr val="accent5"/>
-              </a:solidFill>
-              <a:latin typeface="Lucida Console" panose="020B0609040504020204" pitchFamily="49" charset="0"/>
-            </a:endParaRPr>
           </a:p>
         </p:txBody>
       </p:sp>
     </p:spTree>
     <p:extLst>
       <p:ext uri="{BB962C8B-B14F-4D97-AF65-F5344CB8AC3E}">
-        <p14:creationId xmlns:p14="http://schemas.microsoft.com/office/powerpoint/2010/main" val="637398217"/>
+        <p14:creationId xmlns:p14="http://schemas.microsoft.com/office/powerpoint/2010/main" val="4016376449"/>
       </p:ext>
     </p:extLst>
   </p:cSld>
@@ -7129,6 +6696,973 @@
           <a:p>
             <a:r>
               <a:rPr lang="en-US" dirty="0" smtClean="0"/>
+              <a:t>API Messages</a:t>
+            </a:r>
+            <a:endParaRPr lang="en-US" dirty="0"/>
+          </a:p>
+        </p:txBody>
+      </p:sp>
+      <p:sp>
+        <p:nvSpPr>
+          <p:cNvPr id="3" name="Content Placeholder 2"/>
+          <p:cNvSpPr>
+            <a:spLocks noGrp="1"/>
+          </p:cNvSpPr>
+          <p:nvPr>
+            <p:ph idx="1"/>
+          </p:nvPr>
+        </p:nvSpPr>
+        <p:spPr>
+          <a:xfrm>
+            <a:off x="677336" y="2160590"/>
+            <a:ext cx="7292622" cy="3880773"/>
+          </a:xfrm>
+        </p:spPr>
+        <p:txBody>
+          <a:bodyPr>
+            <a:normAutofit fontScale="92500" lnSpcReduction="20000"/>
+          </a:bodyPr>
+          <a:lstStyle/>
+          <a:p>
+            <a:r>
+              <a:rPr lang="en-US" dirty="0">
+                <a:solidFill>
+                  <a:schemeClr val="tx1"/>
+                </a:solidFill>
+              </a:rPr>
+              <a:t>ALL </a:t>
+            </a:r>
+            <a:r>
+              <a:rPr lang="en-US" dirty="0" smtClean="0">
+                <a:solidFill>
+                  <a:schemeClr val="tx1"/>
+                </a:solidFill>
+              </a:rPr>
+              <a:t>communications implement simple </a:t>
+            </a:r>
+            <a:r>
+              <a:rPr lang="en-US" dirty="0">
+                <a:solidFill>
+                  <a:schemeClr val="tx1"/>
+                </a:solidFill>
+              </a:rPr>
+              <a:t>JSON </a:t>
+            </a:r>
+            <a:r>
+              <a:rPr lang="en-US" dirty="0" smtClean="0">
+                <a:solidFill>
+                  <a:schemeClr val="tx1"/>
+                </a:solidFill>
+              </a:rPr>
+              <a:t>(human readable text</a:t>
+            </a:r>
+            <a:r>
+              <a:rPr lang="en-US" dirty="0">
+                <a:solidFill>
+                  <a:schemeClr val="tx1"/>
+                </a:solidFill>
+              </a:rPr>
+              <a:t>) </a:t>
+            </a:r>
+            <a:r>
+              <a:rPr lang="en-US" dirty="0" smtClean="0">
+                <a:solidFill>
+                  <a:schemeClr val="tx1"/>
+                </a:solidFill>
+              </a:rPr>
+              <a:t>based messages.</a:t>
+            </a:r>
+            <a:endParaRPr lang="en-US" dirty="0">
+              <a:solidFill>
+                <a:schemeClr val="tx1"/>
+              </a:solidFill>
+            </a:endParaRPr>
+          </a:p>
+          <a:p>
+            <a:pPr lvl="1"/>
+            <a:r>
+              <a:rPr lang="en-US" dirty="0" smtClean="0"/>
+              <a:t>JSON </a:t>
+            </a:r>
+            <a:r>
+              <a:rPr lang="en-US" dirty="0"/>
+              <a:t>= </a:t>
+            </a:r>
+            <a:r>
+              <a:rPr lang="en-US" dirty="0">
+                <a:solidFill>
+                  <a:schemeClr val="accent1"/>
+                </a:solidFill>
+              </a:rPr>
+              <a:t>J</a:t>
+            </a:r>
+            <a:r>
+              <a:rPr lang="en-US" dirty="0"/>
+              <a:t>ava</a:t>
+            </a:r>
+            <a:r>
+              <a:rPr lang="en-US" dirty="0">
+                <a:solidFill>
+                  <a:schemeClr val="accent1"/>
+                </a:solidFill>
+              </a:rPr>
+              <a:t>S</a:t>
+            </a:r>
+            <a:r>
+              <a:rPr lang="en-US" dirty="0"/>
+              <a:t>cript </a:t>
+            </a:r>
+            <a:r>
+              <a:rPr lang="en-US" dirty="0">
+                <a:solidFill>
+                  <a:schemeClr val="accent1"/>
+                </a:solidFill>
+              </a:rPr>
+              <a:t>O</a:t>
+            </a:r>
+            <a:r>
+              <a:rPr lang="en-US" dirty="0"/>
+              <a:t>bject </a:t>
+            </a:r>
+            <a:r>
+              <a:rPr lang="en-US" dirty="0">
+                <a:solidFill>
+                  <a:schemeClr val="accent1"/>
+                </a:solidFill>
+              </a:rPr>
+              <a:t>N</a:t>
+            </a:r>
+            <a:r>
+              <a:rPr lang="en-US" dirty="0"/>
+              <a:t>otation</a:t>
+            </a:r>
+          </a:p>
+          <a:p>
+            <a:pPr lvl="2"/>
+            <a:r>
+              <a:rPr lang="en-US" dirty="0"/>
+              <a:t>See </a:t>
+            </a:r>
+            <a:r>
+              <a:rPr lang="en-US" dirty="0">
+                <a:hlinkClick r:id="rId2"/>
+              </a:rPr>
+              <a:t>https://json.org</a:t>
+            </a:r>
+            <a:r>
+              <a:rPr lang="en-US" dirty="0"/>
+              <a:t> for a </a:t>
+            </a:r>
+            <a:r>
+              <a:rPr lang="en-US" dirty="0">
+                <a:solidFill>
+                  <a:schemeClr val="tx1"/>
+                </a:solidFill>
+              </a:rPr>
+              <a:t>one</a:t>
+            </a:r>
+            <a:r>
+              <a:rPr lang="en-US" dirty="0"/>
+              <a:t> page definition</a:t>
+            </a:r>
+            <a:r>
+              <a:rPr lang="en-US" dirty="0" smtClean="0"/>
+              <a:t>.</a:t>
+            </a:r>
+          </a:p>
+          <a:p>
+            <a:r>
+              <a:rPr lang="en-US" dirty="0" smtClean="0"/>
+              <a:t>The client sends a JSON message </a:t>
+            </a:r>
+            <a:r>
+              <a:rPr lang="en-US" dirty="0" smtClean="0">
+                <a:solidFill>
+                  <a:schemeClr val="accent5"/>
+                </a:solidFill>
+              </a:rPr>
+              <a:t>request</a:t>
+            </a:r>
+            <a:r>
+              <a:rPr lang="en-US" dirty="0" smtClean="0"/>
+              <a:t> to a specific server endpoint, for example: https://&lt;domain_name&gt;/login as illustrated to the right.</a:t>
+            </a:r>
+          </a:p>
+          <a:p>
+            <a:r>
+              <a:rPr lang="en-US" dirty="0" smtClean="0"/>
+              <a:t>On success, the server in turn returns a JSON </a:t>
+            </a:r>
+            <a:r>
+              <a:rPr lang="en-US" dirty="0" smtClean="0">
+                <a:solidFill>
+                  <a:schemeClr val="accent5"/>
+                </a:solidFill>
+              </a:rPr>
+              <a:t>response</a:t>
+            </a:r>
+            <a:r>
+              <a:rPr lang="en-US" dirty="0" smtClean="0"/>
+              <a:t> message.</a:t>
+            </a:r>
+          </a:p>
+          <a:p>
+            <a:r>
+              <a:rPr lang="en-US" dirty="0" smtClean="0"/>
+              <a:t>On failure, the server returns a JSON </a:t>
+            </a:r>
+            <a:r>
+              <a:rPr lang="en-US" dirty="0" smtClean="0">
+                <a:solidFill>
+                  <a:schemeClr val="accent5"/>
+                </a:solidFill>
+              </a:rPr>
+              <a:t>error</a:t>
+            </a:r>
+            <a:r>
+              <a:rPr lang="en-US" dirty="0" smtClean="0"/>
+              <a:t> object, versus a traditional HTTP response code header, which allows for more graceful handling of the error by the client. The error object encapsulates the HTTP response code and message as well as other details. Note: except for internal exceptions, the server always responds with a successful HTTP code: HTTP 200 Ok, even for errors.</a:t>
+            </a:r>
+          </a:p>
+          <a:p>
+            <a:endParaRPr lang="en-US" dirty="0"/>
+          </a:p>
+        </p:txBody>
+      </p:sp>
+      <p:sp>
+        <p:nvSpPr>
+          <p:cNvPr id="4" name="Rectangle 3"/>
+          <p:cNvSpPr/>
+          <p:nvPr/>
+        </p:nvSpPr>
+        <p:spPr>
+          <a:xfrm>
+            <a:off x="7969957" y="614012"/>
+            <a:ext cx="3716828" cy="5940088"/>
+          </a:xfrm>
+          <a:prstGeom prst="rect">
+            <a:avLst/>
+          </a:prstGeom>
+          <a:solidFill>
+            <a:schemeClr val="accent1"/>
+          </a:solidFill>
+          <a:ln w="28575">
+            <a:solidFill>
+              <a:schemeClr val="bg2"/>
+            </a:solidFill>
+          </a:ln>
+        </p:spPr>
+        <p:txBody>
+          <a:bodyPr wrap="square">
+            <a:spAutoFit/>
+          </a:bodyPr>
+          <a:lstStyle/>
+          <a:p>
+            <a:pPr marL="112713"/>
+            <a:r>
+              <a:rPr lang="en-US" sz="1600" dirty="0" smtClean="0">
+                <a:solidFill>
+                  <a:schemeClr val="bg2"/>
+                </a:solidFill>
+                <a:latin typeface="Lucida Console" panose="020B0609040504020204" pitchFamily="49" charset="0"/>
+              </a:rPr>
+              <a:t>EXAMPLE API EXCHANGE</a:t>
+            </a:r>
+          </a:p>
+          <a:p>
+            <a:pPr marL="112713"/>
+            <a:endParaRPr lang="en-US" sz="1600" dirty="0" smtClean="0">
+              <a:solidFill>
+                <a:schemeClr val="bg2"/>
+              </a:solidFill>
+              <a:latin typeface="Lucida Console" panose="020B0609040504020204" pitchFamily="49" charset="0"/>
+            </a:endParaRPr>
+          </a:p>
+          <a:p>
+            <a:pPr marL="112713"/>
+            <a:r>
+              <a:rPr lang="en-US" sz="1200" dirty="0" smtClean="0">
+                <a:solidFill>
+                  <a:schemeClr val="accent5"/>
+                </a:solidFill>
+                <a:latin typeface="Lucida Console" panose="020B0609040504020204" pitchFamily="49" charset="0"/>
+              </a:rPr>
+              <a:t>REQUEST</a:t>
+            </a:r>
+            <a:r>
+              <a:rPr lang="en-US" sz="1200" dirty="0" smtClean="0">
+                <a:solidFill>
+                  <a:schemeClr val="bg2"/>
+                </a:solidFill>
+                <a:latin typeface="Lucida Console" panose="020B0609040504020204" pitchFamily="49" charset="0"/>
+              </a:rPr>
+              <a:t>:</a:t>
+            </a:r>
+          </a:p>
+          <a:p>
+            <a:pPr marL="112713"/>
+            <a:r>
+              <a:rPr lang="en-US" sz="1200" dirty="0" smtClean="0">
+                <a:solidFill>
+                  <a:schemeClr val="bg2"/>
+                </a:solidFill>
+                <a:latin typeface="Lucida Console" panose="020B0609040504020204" pitchFamily="49" charset="0"/>
+              </a:rPr>
+              <a:t>{</a:t>
+            </a:r>
+            <a:endParaRPr lang="en-US" sz="1200" dirty="0">
+              <a:solidFill>
+                <a:schemeClr val="bg2"/>
+              </a:solidFill>
+              <a:latin typeface="Lucida Console" panose="020B0609040504020204" pitchFamily="49" charset="0"/>
+            </a:endParaRPr>
+          </a:p>
+          <a:p>
+            <a:pPr marL="112713"/>
+            <a:r>
+              <a:rPr lang="en-US" sz="1200" dirty="0">
+                <a:solidFill>
+                  <a:schemeClr val="bg2"/>
+                </a:solidFill>
+                <a:latin typeface="Lucida Console" panose="020B0609040504020204" pitchFamily="49" charset="0"/>
+              </a:rPr>
+              <a:t>  </a:t>
+            </a:r>
+            <a:r>
+              <a:rPr lang="en-US" sz="1200" dirty="0" smtClean="0">
+                <a:solidFill>
+                  <a:schemeClr val="bg2"/>
+                </a:solidFill>
+                <a:latin typeface="Lucida Console" panose="020B0609040504020204" pitchFamily="49" charset="0"/>
+              </a:rPr>
+              <a:t>“username": “dvc”,</a:t>
+            </a:r>
+            <a:endParaRPr lang="en-US" sz="1200" dirty="0">
+              <a:solidFill>
+                <a:schemeClr val="bg2"/>
+              </a:solidFill>
+              <a:latin typeface="Lucida Console" panose="020B0609040504020204" pitchFamily="49" charset="0"/>
+            </a:endParaRPr>
+          </a:p>
+          <a:p>
+            <a:pPr marL="112713"/>
+            <a:r>
+              <a:rPr lang="en-US" sz="1200" dirty="0">
+                <a:solidFill>
+                  <a:schemeClr val="bg2"/>
+                </a:solidFill>
+                <a:latin typeface="Lucida Console" panose="020B0609040504020204" pitchFamily="49" charset="0"/>
+              </a:rPr>
+              <a:t>  </a:t>
+            </a:r>
+            <a:r>
+              <a:rPr lang="en-US" sz="1200" dirty="0" smtClean="0">
+                <a:solidFill>
+                  <a:schemeClr val="bg2"/>
+                </a:solidFill>
+                <a:latin typeface="Lucida Console" panose="020B0609040504020204" pitchFamily="49" charset="0"/>
+              </a:rPr>
+              <a:t>“password": “...”</a:t>
+            </a:r>
+          </a:p>
+          <a:p>
+            <a:pPr marL="112713"/>
+            <a:r>
+              <a:rPr lang="en-US" sz="1200" dirty="0" smtClean="0">
+                <a:solidFill>
+                  <a:schemeClr val="bg2"/>
+                </a:solidFill>
+                <a:latin typeface="Lucida Console" panose="020B0609040504020204" pitchFamily="49" charset="0"/>
+              </a:rPr>
+              <a:t>}</a:t>
+            </a:r>
+          </a:p>
+          <a:p>
+            <a:pPr marL="112713"/>
+            <a:endParaRPr lang="en-US" sz="1200" dirty="0">
+              <a:solidFill>
+                <a:schemeClr val="bg2"/>
+              </a:solidFill>
+              <a:latin typeface="Lucida Console" panose="020B0609040504020204" pitchFamily="49" charset="0"/>
+            </a:endParaRPr>
+          </a:p>
+          <a:p>
+            <a:pPr marL="112713"/>
+            <a:r>
+              <a:rPr lang="en-US" sz="1200" dirty="0" smtClean="0">
+                <a:solidFill>
+                  <a:schemeClr val="accent5"/>
+                </a:solidFill>
+                <a:latin typeface="Lucida Console" panose="020B0609040504020204" pitchFamily="49" charset="0"/>
+              </a:rPr>
+              <a:t>RESPONSE</a:t>
+            </a:r>
+            <a:r>
+              <a:rPr lang="en-US" sz="1200" dirty="0" smtClean="0">
+                <a:solidFill>
+                  <a:schemeClr val="bg2"/>
+                </a:solidFill>
+                <a:latin typeface="Lucida Console" panose="020B0609040504020204" pitchFamily="49" charset="0"/>
+              </a:rPr>
+              <a:t>:</a:t>
+            </a:r>
+          </a:p>
+          <a:p>
+            <a:pPr marL="112713"/>
+            <a:r>
+              <a:rPr lang="en-US" sz="1200" dirty="0">
+                <a:solidFill>
+                  <a:schemeClr val="bg2"/>
+                </a:solidFill>
+                <a:latin typeface="Lucida Console" panose="020B0609040504020204" pitchFamily="49" charset="0"/>
+              </a:rPr>
+              <a:t>{</a:t>
+            </a:r>
+          </a:p>
+          <a:p>
+            <a:pPr marL="112713"/>
+            <a:r>
+              <a:rPr lang="en-US" sz="1200" dirty="0">
+                <a:solidFill>
+                  <a:schemeClr val="bg2"/>
+                </a:solidFill>
+                <a:latin typeface="Lucida Console" panose="020B0609040504020204" pitchFamily="49" charset="0"/>
+              </a:rPr>
+              <a:t>  </a:t>
+            </a:r>
+            <a:r>
+              <a:rPr lang="en-US" sz="1200" dirty="0" smtClean="0">
+                <a:solidFill>
+                  <a:schemeClr val="bg2"/>
+                </a:solidFill>
+                <a:latin typeface="Lucida Console" panose="020B0609040504020204" pitchFamily="49" charset="0"/>
+              </a:rPr>
+              <a:t>"</a:t>
+            </a:r>
+            <a:r>
+              <a:rPr lang="en-US" sz="1200" dirty="0">
+                <a:solidFill>
+                  <a:schemeClr val="bg2"/>
+                </a:solidFill>
+                <a:latin typeface="Lucida Console" panose="020B0609040504020204" pitchFamily="49" charset="0"/>
+              </a:rPr>
+              <a:t>token": "</a:t>
+            </a:r>
+            <a:r>
+              <a:rPr lang="en-US" sz="1200" dirty="0" err="1" smtClean="0">
+                <a:solidFill>
+                  <a:schemeClr val="bg2"/>
+                </a:solidFill>
+                <a:latin typeface="Lucida Console" panose="020B0609040504020204" pitchFamily="49" charset="0"/>
+              </a:rPr>
+              <a:t>eyJhbGciOJ</a:t>
+            </a:r>
+            <a:r>
+              <a:rPr lang="en-US" sz="1200" dirty="0" smtClean="0">
+                <a:solidFill>
+                  <a:schemeClr val="bg2"/>
+                </a:solidFill>
+                <a:latin typeface="Lucida Console" panose="020B0609040504020204" pitchFamily="49" charset="0"/>
+              </a:rPr>
+              <a:t>...”,</a:t>
+            </a:r>
+            <a:endParaRPr lang="en-US" sz="1200" dirty="0">
+              <a:solidFill>
+                <a:schemeClr val="bg2"/>
+              </a:solidFill>
+              <a:latin typeface="Lucida Console" panose="020B0609040504020204" pitchFamily="49" charset="0"/>
+            </a:endParaRPr>
+          </a:p>
+          <a:p>
+            <a:pPr marL="112713"/>
+            <a:r>
+              <a:rPr lang="en-US" sz="1200" dirty="0">
+                <a:solidFill>
+                  <a:schemeClr val="bg2"/>
+                </a:solidFill>
+                <a:latin typeface="Lucida Console" panose="020B0609040504020204" pitchFamily="49" charset="0"/>
+              </a:rPr>
+              <a:t>  </a:t>
+            </a:r>
+            <a:r>
+              <a:rPr lang="en-US" sz="1200" dirty="0" smtClean="0">
+                <a:solidFill>
+                  <a:schemeClr val="bg2"/>
+                </a:solidFill>
+                <a:latin typeface="Lucida Console" panose="020B0609040504020204" pitchFamily="49" charset="0"/>
+              </a:rPr>
+              <a:t>"</a:t>
+            </a:r>
+            <a:r>
+              <a:rPr lang="en-US" sz="1200" dirty="0">
+                <a:solidFill>
+                  <a:schemeClr val="bg2"/>
+                </a:solidFill>
+                <a:latin typeface="Lucida Console" panose="020B0609040504020204" pitchFamily="49" charset="0"/>
+              </a:rPr>
+              <a:t>payload": {</a:t>
+            </a:r>
+          </a:p>
+          <a:p>
+            <a:pPr marL="112713"/>
+            <a:r>
+              <a:rPr lang="en-US" sz="1200" dirty="0">
+                <a:solidFill>
+                  <a:schemeClr val="bg2"/>
+                </a:solidFill>
+                <a:latin typeface="Lucida Console" panose="020B0609040504020204" pitchFamily="49" charset="0"/>
+              </a:rPr>
+              <a:t>    </a:t>
+            </a:r>
+            <a:r>
+              <a:rPr lang="en-US" sz="1200" dirty="0" smtClean="0">
+                <a:solidFill>
+                  <a:schemeClr val="bg2"/>
+                </a:solidFill>
+                <a:latin typeface="Lucida Console" panose="020B0609040504020204" pitchFamily="49" charset="0"/>
+              </a:rPr>
+              <a:t> </a:t>
+            </a:r>
+            <a:r>
+              <a:rPr lang="en-US" sz="1200" dirty="0">
+                <a:solidFill>
+                  <a:schemeClr val="bg2"/>
+                </a:solidFill>
+                <a:latin typeface="Lucida Console" panose="020B0609040504020204" pitchFamily="49" charset="0"/>
+              </a:rPr>
+              <a:t>"username": "dvc",</a:t>
+            </a:r>
+          </a:p>
+          <a:p>
+            <a:pPr marL="112713"/>
+            <a:r>
+              <a:rPr lang="en-US" sz="1200" dirty="0">
+                <a:solidFill>
+                  <a:schemeClr val="bg2"/>
+                </a:solidFill>
+                <a:latin typeface="Lucida Console" panose="020B0609040504020204" pitchFamily="49" charset="0"/>
+              </a:rPr>
+              <a:t>    </a:t>
+            </a:r>
+            <a:r>
+              <a:rPr lang="en-US" sz="1200" dirty="0" smtClean="0">
+                <a:solidFill>
+                  <a:schemeClr val="bg2"/>
+                </a:solidFill>
+                <a:latin typeface="Lucida Console" panose="020B0609040504020204" pitchFamily="49" charset="0"/>
+              </a:rPr>
+              <a:t> </a:t>
+            </a:r>
+            <a:r>
+              <a:rPr lang="en-US" sz="1200" dirty="0">
+                <a:solidFill>
+                  <a:schemeClr val="bg2"/>
+                </a:solidFill>
+                <a:latin typeface="Lucida Console" panose="020B0609040504020204" pitchFamily="49" charset="0"/>
+              </a:rPr>
+              <a:t>"member": </a:t>
+            </a:r>
+            <a:r>
+              <a:rPr lang="en-US" sz="1200" dirty="0" smtClean="0">
+                <a:solidFill>
+                  <a:schemeClr val="bg2"/>
+                </a:solidFill>
+                <a:latin typeface="Lucida Console" panose="020B0609040504020204" pitchFamily="49" charset="0"/>
+              </a:rPr>
+              <a:t>...,</a:t>
+            </a:r>
+          </a:p>
+          <a:p>
+            <a:pPr marL="112713"/>
+            <a:r>
+              <a:rPr lang="en-US" sz="1200" dirty="0" smtClean="0">
+                <a:solidFill>
+                  <a:schemeClr val="bg2"/>
+                </a:solidFill>
+                <a:latin typeface="Lucida Console" panose="020B0609040504020204" pitchFamily="49" charset="0"/>
+              </a:rPr>
+              <a:t>     "</a:t>
+            </a:r>
+            <a:r>
+              <a:rPr lang="en-US" sz="1200" dirty="0" err="1">
+                <a:solidFill>
+                  <a:schemeClr val="bg2"/>
+                </a:solidFill>
+                <a:latin typeface="Lucida Console" panose="020B0609040504020204" pitchFamily="49" charset="0"/>
+              </a:rPr>
+              <a:t>iat</a:t>
+            </a:r>
+            <a:r>
+              <a:rPr lang="en-US" sz="1200" dirty="0">
+                <a:solidFill>
+                  <a:schemeClr val="bg2"/>
+                </a:solidFill>
+                <a:latin typeface="Lucida Console" panose="020B0609040504020204" pitchFamily="49" charset="0"/>
+              </a:rPr>
+              <a:t>": 1648994425,</a:t>
+            </a:r>
+          </a:p>
+          <a:p>
+            <a:pPr marL="112713"/>
+            <a:r>
+              <a:rPr lang="en-US" sz="1200" dirty="0">
+                <a:solidFill>
+                  <a:schemeClr val="bg2"/>
+                </a:solidFill>
+                <a:latin typeface="Lucida Console" panose="020B0609040504020204" pitchFamily="49" charset="0"/>
+              </a:rPr>
+              <a:t>     </a:t>
+            </a:r>
+            <a:r>
+              <a:rPr lang="en-US" sz="1200" dirty="0" smtClean="0">
+                <a:solidFill>
+                  <a:schemeClr val="bg2"/>
+                </a:solidFill>
+                <a:latin typeface="Lucida Console" panose="020B0609040504020204" pitchFamily="49" charset="0"/>
+              </a:rPr>
+              <a:t>"</a:t>
+            </a:r>
+            <a:r>
+              <a:rPr lang="en-US" sz="1200" dirty="0" err="1">
+                <a:solidFill>
+                  <a:schemeClr val="bg2"/>
+                </a:solidFill>
+                <a:latin typeface="Lucida Console" panose="020B0609040504020204" pitchFamily="49" charset="0"/>
+              </a:rPr>
+              <a:t>exp</a:t>
+            </a:r>
+            <a:r>
+              <a:rPr lang="en-US" sz="1200" dirty="0">
+                <a:solidFill>
+                  <a:schemeClr val="bg2"/>
+                </a:solidFill>
+                <a:latin typeface="Lucida Console" panose="020B0609040504020204" pitchFamily="49" charset="0"/>
+              </a:rPr>
+              <a:t>": 604800,</a:t>
+            </a:r>
+          </a:p>
+          <a:p>
+            <a:pPr marL="112713"/>
+            <a:r>
+              <a:rPr lang="en-US" sz="1200" dirty="0">
+                <a:solidFill>
+                  <a:schemeClr val="bg2"/>
+                </a:solidFill>
+                <a:latin typeface="Lucida Console" panose="020B0609040504020204" pitchFamily="49" charset="0"/>
+              </a:rPr>
+              <a:t>     </a:t>
+            </a:r>
+            <a:r>
+              <a:rPr lang="en-US" sz="1200" dirty="0" smtClean="0">
+                <a:solidFill>
+                  <a:schemeClr val="bg2"/>
+                </a:solidFill>
+                <a:latin typeface="Lucida Console" panose="020B0609040504020204" pitchFamily="49" charset="0"/>
+              </a:rPr>
+              <a:t>"</a:t>
+            </a:r>
+            <a:r>
+              <a:rPr lang="en-US" sz="1200" dirty="0" err="1">
+                <a:solidFill>
+                  <a:schemeClr val="bg2"/>
+                </a:solidFill>
+                <a:latin typeface="Lucida Console" panose="020B0609040504020204" pitchFamily="49" charset="0"/>
+              </a:rPr>
+              <a:t>ext</a:t>
+            </a:r>
+            <a:r>
+              <a:rPr lang="en-US" sz="1200" dirty="0">
+                <a:solidFill>
+                  <a:schemeClr val="bg2"/>
+                </a:solidFill>
+                <a:latin typeface="Lucida Console" panose="020B0609040504020204" pitchFamily="49" charset="0"/>
+              </a:rPr>
+              <a:t>": true</a:t>
+            </a:r>
+          </a:p>
+          <a:p>
+            <a:pPr marL="112713"/>
+            <a:r>
+              <a:rPr lang="en-US" sz="1200" dirty="0">
+                <a:solidFill>
+                  <a:schemeClr val="bg2"/>
+                </a:solidFill>
+                <a:latin typeface="Lucida Console" panose="020B0609040504020204" pitchFamily="49" charset="0"/>
+              </a:rPr>
+              <a:t>    }</a:t>
+            </a:r>
+          </a:p>
+          <a:p>
+            <a:pPr marL="112713"/>
+            <a:r>
+              <a:rPr lang="en-US" sz="1200" dirty="0" smtClean="0">
+                <a:solidFill>
+                  <a:schemeClr val="bg2"/>
+                </a:solidFill>
+                <a:latin typeface="Lucida Console" panose="020B0609040504020204" pitchFamily="49" charset="0"/>
+              </a:rPr>
+              <a:t>}</a:t>
+            </a:r>
+          </a:p>
+          <a:p>
+            <a:pPr marL="112713"/>
+            <a:endParaRPr lang="en-US" sz="1200" dirty="0">
+              <a:solidFill>
+                <a:schemeClr val="bg2"/>
+              </a:solidFill>
+              <a:latin typeface="Lucida Console" panose="020B0609040504020204" pitchFamily="49" charset="0"/>
+            </a:endParaRPr>
+          </a:p>
+          <a:p>
+            <a:pPr marL="112713"/>
+            <a:r>
+              <a:rPr lang="en-US" sz="1200" dirty="0" smtClean="0">
+                <a:solidFill>
+                  <a:schemeClr val="accent5"/>
+                </a:solidFill>
+                <a:latin typeface="Lucida Console" panose="020B0609040504020204" pitchFamily="49" charset="0"/>
+              </a:rPr>
+              <a:t>ERROR</a:t>
+            </a:r>
+            <a:r>
+              <a:rPr lang="en-US" sz="1200" dirty="0" smtClean="0">
+                <a:solidFill>
+                  <a:schemeClr val="bg2"/>
+                </a:solidFill>
+                <a:latin typeface="Lucida Console" panose="020B0609040504020204" pitchFamily="49" charset="0"/>
+              </a:rPr>
+              <a:t>: </a:t>
+            </a:r>
+          </a:p>
+          <a:p>
+            <a:pPr marL="112713"/>
+            <a:r>
+              <a:rPr lang="en-US" sz="1200" dirty="0">
+                <a:solidFill>
+                  <a:schemeClr val="bg2"/>
+                </a:solidFill>
+                <a:latin typeface="Lucida Console" panose="020B0609040504020204" pitchFamily="49" charset="0"/>
+              </a:rPr>
+              <a:t>{</a:t>
+            </a:r>
+          </a:p>
+          <a:p>
+            <a:pPr marL="112713"/>
+            <a:r>
+              <a:rPr lang="en-US" sz="1200" dirty="0">
+                <a:solidFill>
+                  <a:schemeClr val="bg2"/>
+                </a:solidFill>
+                <a:latin typeface="Lucida Console" panose="020B0609040504020204" pitchFamily="49" charset="0"/>
+              </a:rPr>
+              <a:t>  </a:t>
+            </a:r>
+            <a:r>
+              <a:rPr lang="en-US" sz="1200" dirty="0" smtClean="0">
+                <a:solidFill>
+                  <a:schemeClr val="bg2"/>
+                </a:solidFill>
+                <a:latin typeface="Lucida Console" panose="020B0609040504020204" pitchFamily="49" charset="0"/>
+              </a:rPr>
+              <a:t>"</a:t>
+            </a:r>
+            <a:r>
+              <a:rPr lang="en-US" sz="1200" dirty="0">
+                <a:solidFill>
+                  <a:schemeClr val="bg2"/>
+                </a:solidFill>
+                <a:latin typeface="Lucida Console" panose="020B0609040504020204" pitchFamily="49" charset="0"/>
+              </a:rPr>
+              <a:t>error": true,</a:t>
+            </a:r>
+          </a:p>
+          <a:p>
+            <a:pPr marL="112713"/>
+            <a:r>
+              <a:rPr lang="en-US" sz="1200" dirty="0">
+                <a:solidFill>
+                  <a:schemeClr val="bg2"/>
+                </a:solidFill>
+                <a:latin typeface="Lucida Console" panose="020B0609040504020204" pitchFamily="49" charset="0"/>
+              </a:rPr>
+              <a:t>  </a:t>
+            </a:r>
+            <a:r>
+              <a:rPr lang="en-US" sz="1200" dirty="0" smtClean="0">
+                <a:solidFill>
+                  <a:schemeClr val="bg2"/>
+                </a:solidFill>
+                <a:latin typeface="Lucida Console" panose="020B0609040504020204" pitchFamily="49" charset="0"/>
+              </a:rPr>
+              <a:t>"</a:t>
+            </a:r>
+            <a:r>
+              <a:rPr lang="en-US" sz="1200" dirty="0">
+                <a:solidFill>
+                  <a:schemeClr val="bg2"/>
+                </a:solidFill>
+                <a:latin typeface="Lucida Console" panose="020B0609040504020204" pitchFamily="49" charset="0"/>
+              </a:rPr>
+              <a:t>code": 401,</a:t>
+            </a:r>
+          </a:p>
+          <a:p>
+            <a:pPr marL="112713"/>
+            <a:r>
+              <a:rPr lang="en-US" sz="1200" dirty="0">
+                <a:solidFill>
+                  <a:schemeClr val="bg2"/>
+                </a:solidFill>
+                <a:latin typeface="Lucida Console" panose="020B0609040504020204" pitchFamily="49" charset="0"/>
+              </a:rPr>
+              <a:t>  </a:t>
+            </a:r>
+            <a:r>
+              <a:rPr lang="en-US" sz="1200" dirty="0" smtClean="0">
+                <a:solidFill>
+                  <a:schemeClr val="bg2"/>
+                </a:solidFill>
+                <a:latin typeface="Lucida Console" panose="020B0609040504020204" pitchFamily="49" charset="0"/>
+              </a:rPr>
+              <a:t>"</a:t>
+            </a:r>
+            <a:r>
+              <a:rPr lang="en-US" sz="1200" dirty="0" err="1">
+                <a:solidFill>
+                  <a:schemeClr val="bg2"/>
+                </a:solidFill>
+                <a:latin typeface="Lucida Console" panose="020B0609040504020204" pitchFamily="49" charset="0"/>
+              </a:rPr>
+              <a:t>msg</a:t>
+            </a:r>
+            <a:r>
+              <a:rPr lang="en-US" sz="1200" dirty="0">
+                <a:solidFill>
+                  <a:schemeClr val="bg2"/>
+                </a:solidFill>
+                <a:latin typeface="Lucida Console" panose="020B0609040504020204" pitchFamily="49" charset="0"/>
+              </a:rPr>
+              <a:t>": "NOT Authorized!",</a:t>
+            </a:r>
+          </a:p>
+          <a:p>
+            <a:pPr marL="112713"/>
+            <a:r>
+              <a:rPr lang="en-US" sz="1200" dirty="0">
+                <a:solidFill>
+                  <a:schemeClr val="bg2"/>
+                </a:solidFill>
+                <a:latin typeface="Lucida Console" panose="020B0609040504020204" pitchFamily="49" charset="0"/>
+              </a:rPr>
+              <a:t>  </a:t>
+            </a:r>
+            <a:r>
+              <a:rPr lang="en-US" sz="1200" dirty="0" smtClean="0">
+                <a:solidFill>
+                  <a:schemeClr val="bg2"/>
+                </a:solidFill>
+                <a:latin typeface="Lucida Console" panose="020B0609040504020204" pitchFamily="49" charset="0"/>
+              </a:rPr>
+              <a:t>"</a:t>
+            </a:r>
+            <a:r>
+              <a:rPr lang="en-US" sz="1200" dirty="0">
+                <a:solidFill>
+                  <a:schemeClr val="bg2"/>
+                </a:solidFill>
+                <a:latin typeface="Lucida Console" panose="020B0609040504020204" pitchFamily="49" charset="0"/>
+              </a:rPr>
+              <a:t>detail": "Authentication failed!"</a:t>
+            </a:r>
+          </a:p>
+          <a:p>
+            <a:pPr marL="112713"/>
+            <a:r>
+              <a:rPr lang="en-US" sz="1200" dirty="0" smtClean="0">
+                <a:solidFill>
+                  <a:schemeClr val="bg2"/>
+                </a:solidFill>
+                <a:latin typeface="Lucida Console" panose="020B0609040504020204" pitchFamily="49" charset="0"/>
+              </a:rPr>
+              <a:t>}</a:t>
+            </a:r>
+          </a:p>
+          <a:p>
+            <a:pPr marL="112713"/>
+            <a:endParaRPr lang="en-US" sz="1200" dirty="0">
+              <a:solidFill>
+                <a:schemeClr val="bg2"/>
+              </a:solidFill>
+              <a:latin typeface="Lucida Console" panose="020B0609040504020204" pitchFamily="49" charset="0"/>
+            </a:endParaRPr>
+          </a:p>
+          <a:p>
+            <a:pPr marL="112713"/>
+            <a:r>
+              <a:rPr lang="en-US" sz="1100" i="1" dirty="0" smtClean="0">
+                <a:solidFill>
+                  <a:schemeClr val="accent5"/>
+                </a:solidFill>
+                <a:latin typeface="Lucida Console" panose="020B0609040504020204" pitchFamily="49" charset="0"/>
+              </a:rPr>
+              <a:t>NOTE: A login request actually occurs through an Authorization header, but used here as an API demonstration only.</a:t>
+            </a:r>
+            <a:endParaRPr lang="en-US" sz="1100" i="1" dirty="0">
+              <a:solidFill>
+                <a:schemeClr val="accent5"/>
+              </a:solidFill>
+              <a:latin typeface="Lucida Console" panose="020B0609040504020204" pitchFamily="49" charset="0"/>
+            </a:endParaRPr>
+          </a:p>
+        </p:txBody>
+      </p:sp>
+    </p:spTree>
+    <p:extLst>
+      <p:ext uri="{BB962C8B-B14F-4D97-AF65-F5344CB8AC3E}">
+        <p14:creationId xmlns:p14="http://schemas.microsoft.com/office/powerpoint/2010/main" val="637398217"/>
+      </p:ext>
+    </p:extLst>
+  </p:cSld>
+  <p:clrMapOvr>
+    <a:masterClrMapping/>
+  </p:clrMapOvr>
+</p:sld>
+</file>
+
+<file path=ppt/slides/slide14.xml><?xml version="1.0" encoding="utf-8"?>
+<p:sld xmlns:a="http://schemas.openxmlformats.org/drawingml/2006/main" xmlns:r="http://schemas.openxmlformats.org/officeDocument/2006/relationships" xmlns:p="http://schemas.openxmlformats.org/presentationml/2006/main">
+  <p:cSld>
+    <p:spTree>
+      <p:nvGrpSpPr>
+        <p:cNvPr id="1" name=""/>
+        <p:cNvGrpSpPr/>
+        <p:nvPr/>
+      </p:nvGrpSpPr>
+      <p:grpSpPr>
+        <a:xfrm>
+          <a:off x="0" y="0"/>
+          <a:ext cx="0" cy="0"/>
+          <a:chOff x="0" y="0"/>
+          <a:chExt cx="0" cy="0"/>
+        </a:xfrm>
+      </p:grpSpPr>
+      <p:sp>
+        <p:nvSpPr>
+          <p:cNvPr id="2" name="Title 1"/>
+          <p:cNvSpPr>
+            <a:spLocks noGrp="1"/>
+          </p:cNvSpPr>
+          <p:nvPr>
+            <p:ph type="title"/>
+          </p:nvPr>
+        </p:nvSpPr>
+        <p:spPr/>
+        <p:txBody>
+          <a:bodyPr/>
+          <a:lstStyle/>
+          <a:p>
+            <a:r>
+              <a:rPr lang="en-US" dirty="0" smtClean="0"/>
               <a:t>Login*</a:t>
             </a:r>
             <a:endParaRPr lang="en-US" dirty="0"/>
@@ -7327,7 +7861,7 @@
 </p:sld>
 </file>
 
-<file path=ppt/slides/slide14.xml><?xml version="1.0" encoding="utf-8"?>
+<file path=ppt/slides/slide15.xml><?xml version="1.0" encoding="utf-8"?>
 <p:sld xmlns:a="http://schemas.openxmlformats.org/drawingml/2006/main" xmlns:r="http://schemas.openxmlformats.org/officeDocument/2006/relationships" xmlns:p="http://schemas.openxmlformats.org/presentationml/2006/main">
   <p:cSld>
     <p:spTree>
@@ -7367,7 +7901,7 @@
             </a:r>
             <a:r>
               <a:rPr lang="en-US" dirty="0" smtClean="0"/>
-              <a:t>Requests And</a:t>
+              <a:t>Requests With </a:t>
             </a:r>
             <a:br>
               <a:rPr lang="en-US" dirty="0" smtClean="0"/>
@@ -7392,13 +7926,13 @@
         </p:nvSpPr>
         <p:spPr>
           <a:xfrm>
-            <a:off x="677335" y="2160591"/>
-            <a:ext cx="8596668" cy="3811231"/>
+            <a:off x="677334" y="2160591"/>
+            <a:ext cx="9990665" cy="3811231"/>
           </a:xfrm>
         </p:spPr>
         <p:txBody>
           <a:bodyPr>
-            <a:normAutofit fontScale="85000" lnSpcReduction="20000"/>
+            <a:normAutofit fontScale="85000" lnSpcReduction="10000"/>
           </a:bodyPr>
           <a:lstStyle/>
           <a:p>
@@ -7426,8 +7960,8 @@
           <a:p>
             <a:pPr lvl="1"/>
             <a:r>
-              <a:rPr lang="en-US" dirty="0"/>
-              <a:t>A </a:t>
+              <a:rPr lang="en-US" dirty="0" smtClean="0"/>
+              <a:t>A JWT </a:t>
             </a:r>
             <a:r>
               <a:rPr lang="en-US" dirty="0">
@@ -7449,16 +7983,24 @@
           <a:p>
             <a:pPr lvl="2"/>
             <a:r>
-              <a:rPr lang="en-US" dirty="0" smtClean="0"/>
-              <a:t>Authorization Bearer eyJhbGc4...</a:t>
-            </a:r>
-            <a:endParaRPr lang="en-US" dirty="0"/>
+              <a:rPr lang="en-US" dirty="0" smtClean="0">
+                <a:solidFill>
+                  <a:schemeClr val="accent1"/>
+                </a:solidFill>
+              </a:rPr>
+              <a:t>Authorization Bearer </a:t>
+            </a:r>
+            <a:r>
+              <a:rPr lang="en-US" i="1" dirty="0" smtClean="0"/>
+              <a:t>eyJhbGc4...</a:t>
+            </a:r>
+            <a:endParaRPr lang="en-US" i="1" dirty="0"/>
           </a:p>
           <a:p>
             <a:pPr lvl="1"/>
             <a:r>
               <a:rPr lang="en-US" dirty="0" smtClean="0"/>
-              <a:t>The response body contains a JSON object with the “token” field set to the </a:t>
+              <a:t>The response </a:t>
             </a:r>
             <a:r>
               <a:rPr lang="en-US" dirty="0" smtClean="0">
@@ -7466,6 +8008,18 @@
                   <a:schemeClr val="accent1"/>
                 </a:solidFill>
               </a:rPr>
+              <a:t>body</a:t>
+            </a:r>
+            <a:r>
+              <a:rPr lang="en-US" dirty="0" smtClean="0"/>
+              <a:t> contains a JSON object with the “token” field set to the </a:t>
+            </a:r>
+            <a:r>
+              <a:rPr lang="en-US" dirty="0" smtClean="0">
+                <a:solidFill>
+                  <a:schemeClr val="accent1"/>
+                </a:solidFill>
+              </a:rPr>
               <a:t>JSON </a:t>
             </a:r>
             <a:r>
@@ -7474,7 +8028,7 @@
                   <a:schemeClr val="accent1"/>
                 </a:solidFill>
               </a:rPr>
-              <a:t>web token (JWT) </a:t>
+              <a:t>web token </a:t>
             </a:r>
             <a:r>
               <a:rPr lang="en-US" dirty="0" smtClean="0">
@@ -7514,7 +8068,23 @@
             </a:r>
             <a:r>
               <a:rPr lang="en-US" dirty="0" smtClean="0"/>
-              <a:t>JWT data, which includes all </a:t>
+              <a:t>JWT data, which includes </a:t>
+            </a:r>
+            <a:r>
+              <a:rPr lang="en-US" dirty="0"/>
+              <a:t>expiration </a:t>
+            </a:r>
+            <a:r>
+              <a:rPr lang="en-US" dirty="0" smtClean="0"/>
+              <a:t>data, </a:t>
+            </a:r>
+            <a:r>
+              <a:rPr lang="en-US" dirty="0"/>
+              <a:t>as well </a:t>
+            </a:r>
+            <a:r>
+              <a:rPr lang="en-US" dirty="0" smtClean="0"/>
+              <a:t>as all </a:t>
             </a:r>
             <a:r>
               <a:rPr lang="en-US" dirty="0"/>
@@ -7530,7 +8100,7 @@
             </a:r>
             <a:r>
               <a:rPr lang="en-US" dirty="0" smtClean="0"/>
-              <a:t>data, as well as expiration data.</a:t>
+              <a:t>data.</a:t>
             </a:r>
             <a:endParaRPr lang="en-US" dirty="0"/>
           </a:p>
@@ -7728,7 +8298,7 @@
                   <a:schemeClr val="tx1"/>
                 </a:solidFill>
               </a:rPr>
-              <a:t>endable, when true specifies whether the expiration may be extended.</a:t>
+              <a:t>endable, when true specifies whether the expiration may be extended by using the JWT to login again.</a:t>
             </a:r>
             <a:endParaRPr lang="en-US" dirty="0">
               <a:solidFill>
@@ -7785,11 +8355,6 @@
               </a:rPr>
               <a:t>NOTE: technically, requests could resend the Basic login header, but using the bearer header does not require storing the clear text password and offers more efficient server functionality. </a:t>
             </a:r>
-            <a:endParaRPr lang="en-US" sz="1200" dirty="0">
-              <a:solidFill>
-                <a:srgbClr val="00B0F0"/>
-              </a:solidFill>
-            </a:endParaRPr>
           </a:p>
         </p:txBody>
       </p:sp>
@@ -7803,10 +8368,17 @@
   <p:clrMapOvr>
     <a:masterClrMapping/>
   </p:clrMapOvr>
+  <p:timing>
+    <p:tnLst>
+      <p:par>
+        <p:cTn id="1" dur="indefinite" restart="never" nodeType="tmRoot"/>
+      </p:par>
+    </p:tnLst>
+  </p:timing>
 </p:sld>
 </file>
 
-<file path=ppt/slides/slide15.xml><?xml version="1.0" encoding="utf-8"?>
+<file path=ppt/slides/slide16.xml><?xml version="1.0" encoding="utf-8"?>
 <p:sld xmlns:a="http://schemas.openxmlformats.org/drawingml/2006/main" xmlns:r="http://schemas.openxmlformats.org/officeDocument/2006/relationships" xmlns:p="http://schemas.openxmlformats.org/presentationml/2006/main">
   <p:cSld>
     <p:spTree>
@@ -7877,7 +8449,7 @@
             <a:pPr lvl="1"/>
             <a:r>
               <a:rPr lang="en-US" dirty="0" smtClean="0"/>
-              <a:t>Self management (user’s own account)</a:t>
+              <a:t>Self management (user’s own account).</a:t>
             </a:r>
           </a:p>
           <a:p>
@@ -7892,7 +8464,7 @@
             </a:r>
             <a:r>
               <a:rPr lang="en-US" dirty="0" smtClean="0"/>
-              <a:t>)</a:t>
+              <a:t>).</a:t>
             </a:r>
           </a:p>
           <a:p>
@@ -7963,10 +8535,17 @@
   <p:clrMapOvr>
     <a:masterClrMapping/>
   </p:clrMapOvr>
+  <p:timing>
+    <p:tnLst>
+      <p:par>
+        <p:cTn id="1" dur="indefinite" restart="never" nodeType="tmRoot"/>
+      </p:par>
+    </p:tnLst>
+  </p:timing>
 </p:sld>
 </file>
 
-<file path=ppt/slides/slide16.xml><?xml version="1.0" encoding="utf-8"?>
+<file path=ppt/slides/slide17.xml><?xml version="1.0" encoding="utf-8"?>
 <p:sld xmlns:a="http://schemas.openxmlformats.org/drawingml/2006/main" xmlns:r="http://schemas.openxmlformats.org/officeDocument/2006/relationships" xmlns:p="http://schemas.openxmlformats.org/presentationml/2006/main">
   <p:cSld>
     <p:spTree>
@@ -8124,180 +8703,6 @@
 </p:sld>
 </file>
 
-<file path=ppt/slides/slide17.xml><?xml version="1.0" encoding="utf-8"?>
-<p:sld xmlns:a="http://schemas.openxmlformats.org/drawingml/2006/main" xmlns:r="http://schemas.openxmlformats.org/officeDocument/2006/relationships" xmlns:p="http://schemas.openxmlformats.org/presentationml/2006/main">
-  <p:cSld>
-    <p:spTree>
-      <p:nvGrpSpPr>
-        <p:cNvPr id="1" name=""/>
-        <p:cNvGrpSpPr/>
-        <p:nvPr/>
-      </p:nvGrpSpPr>
-      <p:grpSpPr>
-        <a:xfrm>
-          <a:off x="0" y="0"/>
-          <a:ext cx="0" cy="0"/>
-          <a:chOff x="0" y="0"/>
-          <a:chExt cx="0" cy="0"/>
-        </a:xfrm>
-      </p:grpSpPr>
-      <p:sp>
-        <p:nvSpPr>
-          <p:cNvPr id="2" name="Title 1"/>
-          <p:cNvSpPr>
-            <a:spLocks noGrp="1"/>
-          </p:cNvSpPr>
-          <p:nvPr>
-            <p:ph type="title"/>
-          </p:nvPr>
-        </p:nvSpPr>
-        <p:spPr/>
-        <p:txBody>
-          <a:bodyPr/>
-          <a:lstStyle/>
-          <a:p>
-            <a:r>
-              <a:rPr lang="en-US" dirty="0" smtClean="0"/>
-              <a:t>User Management</a:t>
-            </a:r>
-            <a:endParaRPr lang="en-US" dirty="0"/>
-          </a:p>
-        </p:txBody>
-      </p:sp>
-      <p:sp>
-        <p:nvSpPr>
-          <p:cNvPr id="3" name="Content Placeholder 2"/>
-          <p:cNvSpPr>
-            <a:spLocks noGrp="1"/>
-          </p:cNvSpPr>
-          <p:nvPr>
-            <p:ph idx="1"/>
-          </p:nvPr>
-        </p:nvSpPr>
-        <p:spPr>
-          <a:xfrm>
-            <a:off x="677335" y="2160591"/>
-            <a:ext cx="8596668" cy="3703340"/>
-          </a:xfrm>
-        </p:spPr>
-        <p:txBody>
-          <a:bodyPr>
-            <a:normAutofit fontScale="92500" lnSpcReduction="20000"/>
-          </a:bodyPr>
-          <a:lstStyle/>
-          <a:p>
-            <a:r>
-              <a:rPr lang="en-US" dirty="0" smtClean="0"/>
-              <a:t>POST /user/change/:username?</a:t>
-            </a:r>
-          </a:p>
-          <a:p>
-            <a:pPr lvl="1"/>
-            <a:r>
-              <a:rPr lang="en-US" dirty="0" smtClean="0"/>
-              <a:t>Used to create, update, or delete user accounts.</a:t>
-            </a:r>
-          </a:p>
-          <a:p>
-            <a:pPr lvl="1"/>
-            <a:r>
-              <a:rPr lang="en-US" dirty="0" smtClean="0"/>
-              <a:t>Body to contain user account data, which </a:t>
-            </a:r>
-            <a:r>
-              <a:rPr lang="en-US" u="sng" dirty="0" smtClean="0">
-                <a:solidFill>
-                  <a:schemeClr val="accent1"/>
-                </a:solidFill>
-              </a:rPr>
-              <a:t>must be an array of user objects</a:t>
-            </a:r>
-            <a:r>
-              <a:rPr lang="en-US" dirty="0" smtClean="0"/>
-              <a:t>, even for a single user request.</a:t>
-            </a:r>
-          </a:p>
-          <a:p>
-            <a:pPr lvl="1"/>
-            <a:r>
-              <a:rPr lang="en-US" dirty="0" smtClean="0"/>
-              <a:t>Create only successful if user does not currently exist.</a:t>
-            </a:r>
-          </a:p>
-          <a:p>
-            <a:pPr lvl="1"/>
-            <a:r>
-              <a:rPr lang="en-US" dirty="0" smtClean="0"/>
-              <a:t>Update requires valid user </a:t>
-            </a:r>
-            <a:r>
-              <a:rPr lang="en-US" dirty="0"/>
-              <a:t>(self) </a:t>
-            </a:r>
-            <a:r>
-              <a:rPr lang="en-US" dirty="0" smtClean="0"/>
-              <a:t>or admin authentication before accepting changes.</a:t>
-            </a:r>
-          </a:p>
-          <a:p>
-            <a:pPr lvl="1"/>
-            <a:r>
-              <a:rPr lang="en-US" dirty="0" smtClean="0"/>
-              <a:t>Delete (i.e. deactivating) requires admin privilege.</a:t>
-            </a:r>
-          </a:p>
-          <a:p>
-            <a:pPr lvl="1"/>
-            <a:r>
-              <a:rPr lang="en-US" dirty="0"/>
-              <a:t>NOTE: Admins and designated “managers” can use the API to get user data for all users and make changes. Password data is never returned</a:t>
-            </a:r>
-            <a:r>
-              <a:rPr lang="en-US" dirty="0" smtClean="0"/>
-              <a:t>.</a:t>
-            </a:r>
-          </a:p>
-          <a:p>
-            <a:r>
-              <a:rPr lang="en-US" dirty="0" smtClean="0"/>
-              <a:t>GET /user/</a:t>
-            </a:r>
-            <a:r>
-              <a:rPr lang="en-US" dirty="0" err="1" smtClean="0"/>
-              <a:t>names|users|groups|contacts</a:t>
-            </a:r>
-            <a:endParaRPr lang="en-US" dirty="0" smtClean="0"/>
-          </a:p>
-          <a:p>
-            <a:pPr lvl="1"/>
-            <a:r>
-              <a:rPr lang="en-US" dirty="0" smtClean="0"/>
-              <a:t>Returns usernames and associated identification names or other appropriate data.</a:t>
-            </a:r>
-          </a:p>
-          <a:p>
-            <a:pPr lvl="1"/>
-            <a:r>
-              <a:rPr lang="en-US" dirty="0" smtClean="0"/>
-              <a:t>Requires admin and/or manager permissions.</a:t>
-            </a:r>
-            <a:endParaRPr lang="en-US" dirty="0"/>
-          </a:p>
-        </p:txBody>
-      </p:sp>
-    </p:spTree>
-    <p:extLst>
-      <p:ext uri="{BB962C8B-B14F-4D97-AF65-F5344CB8AC3E}">
-        <p14:creationId xmlns:p14="http://schemas.microsoft.com/office/powerpoint/2010/main" val="2905304288"/>
-      </p:ext>
-    </p:extLst>
-  </p:cSld>
-  <p:clrMapOvr>
-    <a:masterClrMapping/>
-  </p:clrMapOvr>
-</p:sld>
-</file>
-
 <file path=ppt/slides/slide18.xml><?xml version="1.0" encoding="utf-8"?>
 <p:sld xmlns:a="http://schemas.openxmlformats.org/drawingml/2006/main" xmlns:r="http://schemas.openxmlformats.org/officeDocument/2006/relationships" xmlns:p="http://schemas.openxmlformats.org/presentationml/2006/main">
   <p:cSld>
@@ -8332,6 +8737,211 @@
           <a:p>
             <a:r>
               <a:rPr lang="en-US" dirty="0" smtClean="0"/>
+              <a:t>User Management</a:t>
+            </a:r>
+            <a:endParaRPr lang="en-US" dirty="0"/>
+          </a:p>
+        </p:txBody>
+      </p:sp>
+      <p:sp>
+        <p:nvSpPr>
+          <p:cNvPr id="3" name="Content Placeholder 2"/>
+          <p:cNvSpPr>
+            <a:spLocks noGrp="1"/>
+          </p:cNvSpPr>
+          <p:nvPr>
+            <p:ph idx="1"/>
+          </p:nvPr>
+        </p:nvSpPr>
+        <p:spPr>
+          <a:xfrm>
+            <a:off x="677335" y="2160591"/>
+            <a:ext cx="8596668" cy="3703340"/>
+          </a:xfrm>
+        </p:spPr>
+        <p:txBody>
+          <a:bodyPr>
+            <a:normAutofit fontScale="92500" lnSpcReduction="20000"/>
+          </a:bodyPr>
+          <a:lstStyle/>
+          <a:p>
+            <a:r>
+              <a:rPr lang="en-US" dirty="0" smtClean="0"/>
+              <a:t>POST /user/change/:username?</a:t>
+            </a:r>
+          </a:p>
+          <a:p>
+            <a:pPr lvl="1"/>
+            <a:r>
+              <a:rPr lang="en-US" dirty="0" smtClean="0"/>
+              <a:t>Used to create, update, or delete user accounts.</a:t>
+            </a:r>
+          </a:p>
+          <a:p>
+            <a:pPr lvl="1"/>
+            <a:r>
+              <a:rPr lang="en-US" dirty="0" smtClean="0"/>
+              <a:t>Body to contain user account data, which </a:t>
+            </a:r>
+            <a:r>
+              <a:rPr lang="en-US" u="sng" dirty="0" smtClean="0">
+                <a:solidFill>
+                  <a:schemeClr val="accent1"/>
+                </a:solidFill>
+              </a:rPr>
+              <a:t>must be an array of user objects</a:t>
+            </a:r>
+            <a:r>
+              <a:rPr lang="en-US" dirty="0" smtClean="0"/>
+              <a:t>, even for a single user request.</a:t>
+            </a:r>
+          </a:p>
+          <a:p>
+            <a:pPr lvl="1"/>
+            <a:r>
+              <a:rPr lang="en-US" u="sng" dirty="0" smtClean="0"/>
+              <a:t>Create</a:t>
+            </a:r>
+            <a:r>
+              <a:rPr lang="en-US" dirty="0" smtClean="0"/>
+              <a:t> only successful if user does not currently exist.</a:t>
+            </a:r>
+          </a:p>
+          <a:p>
+            <a:pPr lvl="1"/>
+            <a:r>
+              <a:rPr lang="en-US" u="sng" dirty="0" smtClean="0"/>
+              <a:t>Update</a:t>
+            </a:r>
+            <a:r>
+              <a:rPr lang="en-US" dirty="0" smtClean="0"/>
+              <a:t> requires valid user </a:t>
+            </a:r>
+            <a:r>
+              <a:rPr lang="en-US" dirty="0"/>
+              <a:t>(self) </a:t>
+            </a:r>
+            <a:r>
+              <a:rPr lang="en-US" dirty="0" smtClean="0"/>
+              <a:t>or admin authentication before accepting changes.</a:t>
+            </a:r>
+          </a:p>
+          <a:p>
+            <a:pPr lvl="1"/>
+            <a:r>
+              <a:rPr lang="en-US" u="sng" dirty="0" smtClean="0"/>
+              <a:t>Delete</a:t>
+            </a:r>
+            <a:r>
+              <a:rPr lang="en-US" dirty="0" smtClean="0"/>
+              <a:t> (i.e. deactivating) requires admin privilege.</a:t>
+            </a:r>
+          </a:p>
+          <a:p>
+            <a:pPr lvl="1"/>
+            <a:r>
+              <a:rPr lang="en-US" dirty="0"/>
+              <a:t>NOTE: Admins and designated “managers” can use the API to get user data for all users and make changes. </a:t>
+            </a:r>
+            <a:r>
+              <a:rPr lang="en-US" dirty="0">
+                <a:solidFill>
+                  <a:schemeClr val="accent5"/>
+                </a:solidFill>
+              </a:rPr>
+              <a:t>Password data is never returned</a:t>
+            </a:r>
+            <a:r>
+              <a:rPr lang="en-US" dirty="0" smtClean="0">
+                <a:solidFill>
+                  <a:schemeClr val="accent5"/>
+                </a:solidFill>
+              </a:rPr>
+              <a:t>.</a:t>
+            </a:r>
+          </a:p>
+          <a:p>
+            <a:r>
+              <a:rPr lang="en-US" dirty="0" smtClean="0"/>
+              <a:t>GET /user/</a:t>
+            </a:r>
+            <a:r>
+              <a:rPr lang="en-US" dirty="0" err="1" smtClean="0"/>
+              <a:t>names|users|groups|contacts</a:t>
+            </a:r>
+            <a:endParaRPr lang="en-US" dirty="0" smtClean="0"/>
+          </a:p>
+          <a:p>
+            <a:pPr lvl="1"/>
+            <a:r>
+              <a:rPr lang="en-US" dirty="0" smtClean="0"/>
+              <a:t>Returns usernames and associated identification full names or other appropriate data.</a:t>
+            </a:r>
+          </a:p>
+          <a:p>
+            <a:pPr lvl="1"/>
+            <a:r>
+              <a:rPr lang="en-US" dirty="0" smtClean="0"/>
+              <a:t>Requires admin and/or manager permissions or contact permission in the case of contacts.</a:t>
+            </a:r>
+            <a:endParaRPr lang="en-US" dirty="0"/>
+          </a:p>
+        </p:txBody>
+      </p:sp>
+    </p:spTree>
+    <p:extLst>
+      <p:ext uri="{BB962C8B-B14F-4D97-AF65-F5344CB8AC3E}">
+        <p14:creationId xmlns:p14="http://schemas.microsoft.com/office/powerpoint/2010/main" val="2905304288"/>
+      </p:ext>
+    </p:extLst>
+  </p:cSld>
+  <p:clrMapOvr>
+    <a:masterClrMapping/>
+  </p:clrMapOvr>
+  <p:timing>
+    <p:tnLst>
+      <p:par>
+        <p:cTn id="1" dur="indefinite" restart="never" nodeType="tmRoot"/>
+      </p:par>
+    </p:tnLst>
+  </p:timing>
+</p:sld>
+</file>
+
+<file path=ppt/slides/slide19.xml><?xml version="1.0" encoding="utf-8"?>
+<p:sld xmlns:a="http://schemas.openxmlformats.org/drawingml/2006/main" xmlns:r="http://schemas.openxmlformats.org/officeDocument/2006/relationships" xmlns:p="http://schemas.openxmlformats.org/presentationml/2006/main">
+  <p:cSld>
+    <p:spTree>
+      <p:nvGrpSpPr>
+        <p:cNvPr id="1" name=""/>
+        <p:cNvGrpSpPr/>
+        <p:nvPr/>
+      </p:nvGrpSpPr>
+      <p:grpSpPr>
+        <a:xfrm>
+          <a:off x="0" y="0"/>
+          <a:ext cx="0" cy="0"/>
+          <a:chOff x="0" y="0"/>
+          <a:chExt cx="0" cy="0"/>
+        </a:xfrm>
+      </p:grpSpPr>
+      <p:sp>
+        <p:nvSpPr>
+          <p:cNvPr id="2" name="Title 1"/>
+          <p:cNvSpPr>
+            <a:spLocks noGrp="1"/>
+          </p:cNvSpPr>
+          <p:nvPr>
+            <p:ph type="title"/>
+          </p:nvPr>
+        </p:nvSpPr>
+        <p:spPr/>
+        <p:txBody>
+          <a:bodyPr/>
+          <a:lstStyle/>
+          <a:p>
+            <a:r>
+              <a:rPr lang="en-US" dirty="0" smtClean="0"/>
               <a:t>Account Data</a:t>
             </a:r>
             <a:endParaRPr lang="en-US" dirty="0"/>
@@ -8545,10 +9155,14 @@
             <a:pPr lvl="2"/>
             <a:r>
               <a:rPr lang="en-US" dirty="0" smtClean="0"/>
-              <a:t>Note: A </a:t>
-            </a:r>
-            <a:r>
-              <a:rPr lang="en-US" dirty="0" err="1" smtClean="0">
+              <a:t>Note</a:t>
+            </a:r>
+            <a:r>
+              <a:rPr lang="en-US" smtClean="0"/>
+              <a:t>: A </a:t>
+            </a:r>
+            <a:r>
+              <a:rPr lang="en-US" smtClean="0">
                 <a:solidFill>
                   <a:schemeClr val="accent1"/>
                 </a:solidFill>
@@ -8626,86 +9240,6 @@
     <p:extLst>
       <p:ext uri="{BB962C8B-B14F-4D97-AF65-F5344CB8AC3E}">
         <p14:creationId xmlns:p14="http://schemas.microsoft.com/office/powerpoint/2010/main" val="1142918589"/>
-      </p:ext>
-    </p:extLst>
-  </p:cSld>
-  <p:clrMapOvr>
-    <a:masterClrMapping/>
-  </p:clrMapOvr>
-</p:sld>
-</file>
-
-<file path=ppt/slides/slide19.xml><?xml version="1.0" encoding="utf-8"?>
-<p:sld xmlns:a="http://schemas.openxmlformats.org/drawingml/2006/main" xmlns:r="http://schemas.openxmlformats.org/officeDocument/2006/relationships" xmlns:p="http://schemas.openxmlformats.org/presentationml/2006/main">
-  <p:cSld>
-    <p:spTree>
-      <p:nvGrpSpPr>
-        <p:cNvPr id="1" name=""/>
-        <p:cNvGrpSpPr/>
-        <p:nvPr/>
-      </p:nvGrpSpPr>
-      <p:grpSpPr>
-        <a:xfrm>
-          <a:off x="0" y="0"/>
-          <a:ext cx="0" cy="0"/>
-          <a:chOff x="0" y="0"/>
-          <a:chExt cx="0" cy="0"/>
-        </a:xfrm>
-      </p:grpSpPr>
-      <p:sp>
-        <p:nvSpPr>
-          <p:cNvPr id="4" name="Title 3"/>
-          <p:cNvSpPr>
-            <a:spLocks noGrp="1"/>
-          </p:cNvSpPr>
-          <p:nvPr>
-            <p:ph type="title"/>
-          </p:nvPr>
-        </p:nvSpPr>
-        <p:spPr/>
-        <p:txBody>
-          <a:bodyPr/>
-          <a:lstStyle/>
-          <a:p>
-            <a:r>
-              <a:rPr lang="en-US" dirty="0" err="1" smtClean="0"/>
-              <a:t>HomebrewAPI</a:t>
-            </a:r>
-            <a:r>
-              <a:rPr lang="en-US" dirty="0" smtClean="0"/>
-              <a:t> Endpoints</a:t>
-            </a:r>
-            <a:endParaRPr lang="en-US" dirty="0"/>
-          </a:p>
-        </p:txBody>
-      </p:sp>
-      <p:sp>
-        <p:nvSpPr>
-          <p:cNvPr id="5" name="Text Placeholder 4"/>
-          <p:cNvSpPr>
-            <a:spLocks noGrp="1"/>
-          </p:cNvSpPr>
-          <p:nvPr>
-            <p:ph type="body" idx="1"/>
-          </p:nvPr>
-        </p:nvSpPr>
-        <p:spPr/>
-        <p:txBody>
-          <a:bodyPr/>
-          <a:lstStyle/>
-          <a:p>
-            <a:r>
-              <a:rPr lang="en-US" dirty="0" smtClean="0"/>
-              <a:t>Definition of the API specific endpoints: $, @, !,</a:t>
-            </a:r>
-            <a:endParaRPr lang="en-US" dirty="0"/>
-          </a:p>
-        </p:txBody>
-      </p:sp>
-    </p:spTree>
-    <p:extLst>
-      <p:ext uri="{BB962C8B-B14F-4D97-AF65-F5344CB8AC3E}">
-        <p14:creationId xmlns:p14="http://schemas.microsoft.com/office/powerpoint/2010/main" val="2098097451"/>
       </p:ext>
     </p:extLst>
   </p:cSld>
@@ -8828,7 +9362,7 @@
       </p:grpSpPr>
       <p:sp>
         <p:nvSpPr>
-          <p:cNvPr id="2" name="Title 1"/>
+          <p:cNvPr id="4" name="Title 3"/>
           <p:cNvSpPr>
             <a:spLocks noGrp="1"/>
           </p:cNvSpPr>
@@ -8855,12 +9389,12 @@
       </p:sp>
       <p:sp>
         <p:nvSpPr>
-          <p:cNvPr id="3" name="Content Placeholder 2"/>
-          <p:cNvSpPr>
-            <a:spLocks noGrp="1"/>
-          </p:cNvSpPr>
-          <p:nvPr>
-            <p:ph idx="1"/>
+          <p:cNvPr id="5" name="Text Placeholder 4"/>
+          <p:cNvSpPr>
+            <a:spLocks noGrp="1"/>
+          </p:cNvSpPr>
+          <p:nvPr>
+            <p:ph type="body" idx="1"/>
           </p:nvPr>
         </p:nvSpPr>
         <p:spPr/>
@@ -8869,123 +9403,8 @@
           <a:lstStyle/>
           <a:p>
             <a:r>
-              <a:rPr lang="en-US" dirty="0" err="1" smtClean="0"/>
-              <a:t>HomebrewAPI</a:t>
-            </a:r>
-            <a:r>
-              <a:rPr lang="en-US" dirty="0" smtClean="0"/>
-              <a:t> defines a set of </a:t>
-            </a:r>
-            <a:r>
-              <a:rPr lang="en-US" dirty="0" smtClean="0">
-                <a:solidFill>
-                  <a:schemeClr val="accent4"/>
-                </a:solidFill>
-              </a:rPr>
-              <a:t>prefix</a:t>
-            </a:r>
-            <a:r>
-              <a:rPr lang="en-US" dirty="0" smtClean="0"/>
-              <a:t> characters for identifying API endpoints:</a:t>
-            </a:r>
-          </a:p>
-          <a:p>
-            <a:pPr lvl="1"/>
-            <a:r>
-              <a:rPr lang="en-US" dirty="0" smtClean="0">
-                <a:solidFill>
-                  <a:schemeClr val="accent4"/>
-                </a:solidFill>
-              </a:rPr>
-              <a:t>$</a:t>
-            </a:r>
-            <a:r>
-              <a:rPr lang="en-US" dirty="0" smtClean="0">
-                <a:solidFill>
-                  <a:schemeClr val="accent1"/>
-                </a:solidFill>
-              </a:rPr>
-              <a:t>&lt;recipe&gt;</a:t>
-            </a:r>
-            <a:r>
-              <a:rPr lang="en-US" dirty="0" smtClean="0"/>
-              <a:t>: References “canned” database queries, referred to as </a:t>
-            </a:r>
-            <a:r>
-              <a:rPr lang="en-US" i="1" dirty="0" smtClean="0">
-                <a:solidFill>
-                  <a:schemeClr val="accent1"/>
-                </a:solidFill>
-              </a:rPr>
-              <a:t>recipes</a:t>
-            </a:r>
-            <a:r>
-              <a:rPr lang="en-US" dirty="0" smtClean="0"/>
-              <a:t>.</a:t>
-            </a:r>
-          </a:p>
-          <a:p>
-            <a:pPr lvl="1"/>
-            <a:r>
-              <a:rPr lang="en-US" dirty="0" smtClean="0">
-                <a:solidFill>
-                  <a:schemeClr val="accent4"/>
-                </a:solidFill>
-              </a:rPr>
-              <a:t>@</a:t>
-            </a:r>
-            <a:r>
-              <a:rPr lang="en-US" dirty="0" smtClean="0">
-                <a:solidFill>
-                  <a:schemeClr val="accent1"/>
-                </a:solidFill>
-              </a:rPr>
-              <a:t>&lt;action&gt;</a:t>
-            </a:r>
-            <a:r>
-              <a:rPr lang="en-US" dirty="0" smtClean="0"/>
-              <a:t>: Accesses special, generally useful, built-in server actions.</a:t>
-            </a:r>
-          </a:p>
-          <a:p>
-            <a:pPr lvl="1"/>
-            <a:r>
-              <a:rPr lang="en-US" dirty="0" smtClean="0">
-                <a:solidFill>
-                  <a:schemeClr val="accent4"/>
-                </a:solidFill>
-              </a:rPr>
-              <a:t>!</a:t>
-            </a:r>
-            <a:r>
-              <a:rPr lang="en-US" dirty="0" smtClean="0">
-                <a:solidFill>
-                  <a:schemeClr val="accent1"/>
-                </a:solidFill>
-              </a:rPr>
-              <a:t>&lt;info&gt;</a:t>
-            </a:r>
-            <a:r>
-              <a:rPr lang="en-US" dirty="0" smtClean="0"/>
-              <a:t>: References built-in server information objects.</a:t>
-            </a:r>
-          </a:p>
-          <a:p>
-            <a:r>
-              <a:rPr lang="en-US" dirty="0" smtClean="0"/>
-              <a:t>Reference </a:t>
-            </a:r>
-            <a:r>
-              <a:rPr lang="en-US" i="1" dirty="0" smtClean="0">
-                <a:solidFill>
-                  <a:schemeClr val="accent1"/>
-                </a:solidFill>
-              </a:rPr>
-              <a:t>apiware.js</a:t>
-            </a:r>
-            <a:r>
-              <a:rPr lang="en-US" dirty="0" smtClean="0"/>
-              <a:t> code for more details.</a:t>
+              <a:rPr lang="en-US" dirty="0" smtClean="0"/>
+              <a:t>Definition of the API specific endpoints: $, @, !,</a:t>
             </a:r>
             <a:endParaRPr lang="en-US" dirty="0"/>
           </a:p>
@@ -8994,7 +9413,7 @@
     </p:spTree>
     <p:extLst>
       <p:ext uri="{BB962C8B-B14F-4D97-AF65-F5344CB8AC3E}">
-        <p14:creationId xmlns:p14="http://schemas.microsoft.com/office/powerpoint/2010/main" val="1434572769"/>
+        <p14:creationId xmlns:p14="http://schemas.microsoft.com/office/powerpoint/2010/main" val="2098097451"/>
       </p:ext>
     </p:extLst>
   </p:cSld>
@@ -9038,11 +9457,11 @@
           <a:p>
             <a:r>
               <a:rPr lang="en-US" dirty="0" err="1" smtClean="0"/>
-              <a:t>HomebrewDIY</a:t>
-            </a:r>
-            <a:r>
-              <a:rPr lang="en-US" dirty="0" smtClean="0"/>
-              <a:t> Database Model</a:t>
+              <a:t>HomebrewAPI</a:t>
+            </a:r>
+            <a:r>
+              <a:rPr lang="en-US" dirty="0" smtClean="0"/>
+              <a:t> Endpoints</a:t>
             </a:r>
             <a:endParaRPr lang="en-US" dirty="0"/>
           </a:p>
@@ -9060,56 +9479,86 @@
         </p:nvSpPr>
         <p:spPr/>
         <p:txBody>
-          <a:bodyPr>
-            <a:normAutofit fontScale="92500" lnSpcReduction="10000"/>
-          </a:bodyPr>
+          <a:bodyPr/>
           <a:lstStyle/>
           <a:p>
             <a:r>
-              <a:rPr lang="en-US" dirty="0" smtClean="0"/>
-              <a:t>The built-in </a:t>
-            </a:r>
-            <a:r>
               <a:rPr lang="en-US" dirty="0" err="1" smtClean="0"/>
-              <a:t>HomebrewDIY</a:t>
-            </a:r>
-            <a:r>
-              <a:rPr lang="en-US" dirty="0" smtClean="0"/>
-              <a:t> database support assumes:</a:t>
+              <a:t>HomebrewAPI</a:t>
+            </a:r>
+            <a:r>
+              <a:rPr lang="en-US" dirty="0" smtClean="0"/>
+              <a:t> defines a set of </a:t>
+            </a:r>
+            <a:r>
+              <a:rPr lang="en-US" dirty="0" smtClean="0">
+                <a:solidFill>
+                  <a:schemeClr val="accent4"/>
+                </a:solidFill>
+              </a:rPr>
+              <a:t>prefix</a:t>
+            </a:r>
+            <a:r>
+              <a:rPr lang="en-US" dirty="0" smtClean="0"/>
+              <a:t> characters for identifying API endpoints:</a:t>
             </a:r>
           </a:p>
           <a:p>
             <a:pPr lvl="1"/>
             <a:r>
-              <a:rPr lang="en-US" dirty="0" smtClean="0"/>
-              <a:t>1 or more site or service specific JSON databases.</a:t>
+              <a:rPr lang="en-US" dirty="0" smtClean="0">
+                <a:solidFill>
+                  <a:schemeClr val="accent4"/>
+                </a:solidFill>
+              </a:rPr>
+              <a:t>$</a:t>
+            </a:r>
+            <a:r>
+              <a:rPr lang="en-US" dirty="0" smtClean="0">
+                <a:solidFill>
+                  <a:schemeClr val="accent1"/>
+                </a:solidFill>
+              </a:rPr>
+              <a:t>&lt;recipe&gt;</a:t>
+            </a:r>
+            <a:r>
+              <a:rPr lang="en-US" dirty="0" smtClean="0"/>
+              <a:t>: References “canned” database queries, referred to as </a:t>
+            </a:r>
+            <a:r>
+              <a:rPr lang="en-US" i="1" dirty="0" smtClean="0">
+                <a:solidFill>
+                  <a:schemeClr val="accent1"/>
+                </a:solidFill>
+              </a:rPr>
+              <a:t>recipes</a:t>
+            </a:r>
+            <a:r>
+              <a:rPr lang="en-US" dirty="0" smtClean="0"/>
+              <a:t>.</a:t>
             </a:r>
           </a:p>
           <a:p>
             <a:pPr lvl="1"/>
             <a:r>
-              <a:rPr lang="en-US" dirty="0" smtClean="0"/>
-              <a:t>JSONATA query language. (See </a:t>
-            </a:r>
-            <a:r>
               <a:rPr lang="en-US" dirty="0" smtClean="0">
-                <a:hlinkClick r:id="rId2"/>
-              </a:rPr>
-              <a:t>https://jsonata.org</a:t>
-            </a:r>
-            <a:r>
-              <a:rPr lang="en-US" dirty="0" smtClean="0"/>
-              <a:t>)</a:t>
-            </a:r>
-          </a:p>
-          <a:p>
-            <a:r>
-              <a:rPr lang="en-US" dirty="0" err="1" smtClean="0"/>
-              <a:t>HomebrewDIY</a:t>
-            </a:r>
-            <a:r>
-              <a:rPr lang="en-US" dirty="0" smtClean="0"/>
-              <a:t> databases can be configured as (any or all):</a:t>
+                <a:solidFill>
+                  <a:schemeClr val="accent4"/>
+                </a:solidFill>
+              </a:rPr>
+              <a:t>@</a:t>
+            </a:r>
+            <a:r>
+              <a:rPr lang="en-US" dirty="0" smtClean="0">
+                <a:solidFill>
+                  <a:schemeClr val="accent1"/>
+                </a:solidFill>
+              </a:rPr>
+              <a:t>&lt;action&gt;</a:t>
+            </a:r>
+            <a:r>
+              <a:rPr lang="en-US" dirty="0" smtClean="0"/>
+              <a:t>: Accesses special, generally useful, built-in server actions.</a:t>
             </a:r>
           </a:p>
           <a:p>
@@ -9117,80 +9566,49 @@
             <a:r>
               <a:rPr lang="en-US" dirty="0" smtClean="0">
                 <a:solidFill>
-                  <a:schemeClr val="accent1"/>
-                </a:solidFill>
-              </a:rPr>
-              <a:t>Server specific</a:t>
-            </a:r>
-            <a:r>
-              <a:rPr lang="en-US" dirty="0" smtClean="0"/>
-              <a:t>: applying to all defined domains on the server.</a:t>
-            </a:r>
-          </a:p>
-          <a:p>
-            <a:pPr lvl="1"/>
+                  <a:schemeClr val="accent4"/>
+                </a:solidFill>
+              </a:rPr>
+              <a:t>!</a:t>
+            </a:r>
             <a:r>
               <a:rPr lang="en-US" dirty="0" smtClean="0">
                 <a:solidFill>
                   <a:schemeClr val="accent1"/>
                 </a:solidFill>
               </a:rPr>
-              <a:t>Site specific</a:t>
-            </a:r>
-            <a:r>
-              <a:rPr lang="en-US" dirty="0" smtClean="0"/>
-              <a:t>: applying to only a single domain of the server.</a:t>
-            </a:r>
-          </a:p>
-          <a:p>
-            <a:pPr lvl="1"/>
-            <a:r>
-              <a:rPr lang="en-US" dirty="0" smtClean="0">
-                <a:solidFill>
-                  <a:schemeClr val="accent1"/>
-                </a:solidFill>
-              </a:rPr>
-              <a:t>Service Specific</a:t>
-            </a:r>
-            <a:r>
-              <a:rPr lang="en-US" dirty="0" smtClean="0"/>
-              <a:t>: applying to just a single service of a domain.</a:t>
-            </a:r>
-          </a:p>
-          <a:p>
-            <a:r>
-              <a:rPr lang="en-US" dirty="0" smtClean="0"/>
-              <a:t>Therefore, the path to the endpoint may vary based on configuration, but the endpoints all work the same.</a:t>
-            </a:r>
-          </a:p>
-          <a:p>
-            <a:r>
-              <a:rPr lang="en-US" dirty="0" smtClean="0"/>
-              <a:t>The </a:t>
+              <a:t>&lt;info&gt;</a:t>
+            </a:r>
+            <a:r>
+              <a:rPr lang="en-US" dirty="0" smtClean="0"/>
+              <a:t>: References built-in server information objects.</a:t>
+            </a:r>
+          </a:p>
+          <a:p>
+            <a:r>
+              <a:rPr lang="en-US" dirty="0" smtClean="0"/>
+              <a:t>Reference </a:t>
             </a:r>
             <a:r>
               <a:rPr lang="en-US" i="1" dirty="0" smtClean="0">
                 <a:solidFill>
-                  <a:schemeClr val="accent4"/>
-                </a:solidFill>
-              </a:rPr>
-              <a:t>app.js</a:t>
-            </a:r>
-            <a:r>
-              <a:rPr lang="en-US" dirty="0" smtClean="0"/>
-              <a:t> code merges database handles into a single set with priority given to service over site over server. Therefore, a site specific database with the same reference as a server specific database will override the server database.</a:t>
-            </a:r>
-          </a:p>
-          <a:p>
-            <a:pPr lvl="1"/>
-            <a:endParaRPr lang="en-US" dirty="0" smtClean="0"/>
+                  <a:schemeClr val="accent1"/>
+                </a:solidFill>
+              </a:rPr>
+              <a:t>apiware.js</a:t>
+            </a:r>
+            <a:r>
+              <a:rPr lang="en-US" dirty="0" smtClean="0"/>
+              <a:t> code for more details.</a:t>
+            </a:r>
+            <a:endParaRPr lang="en-US" dirty="0"/>
           </a:p>
         </p:txBody>
       </p:sp>
     </p:spTree>
     <p:extLst>
       <p:ext uri="{BB962C8B-B14F-4D97-AF65-F5344CB8AC3E}">
-        <p14:creationId xmlns:p14="http://schemas.microsoft.com/office/powerpoint/2010/main" val="3422096310"/>
+        <p14:creationId xmlns:p14="http://schemas.microsoft.com/office/powerpoint/2010/main" val="1434572769"/>
       </p:ext>
     </p:extLst>
   </p:cSld>
@@ -9233,8 +9651,12 @@
           <a:lstStyle/>
           <a:p>
             <a:r>
-              <a:rPr lang="en-US" dirty="0" smtClean="0"/>
-              <a:t>$&lt;recipe&gt; Endpoints</a:t>
+              <a:rPr lang="en-US" dirty="0" err="1" smtClean="0"/>
+              <a:t>HomebrewDIY</a:t>
+            </a:r>
+            <a:r>
+              <a:rPr lang="en-US" dirty="0" smtClean="0"/>
+              <a:t> Database Model</a:t>
             </a:r>
             <a:endParaRPr lang="en-US" dirty="0"/>
           </a:p>
@@ -9253,91 +9675,136 @@
         <p:spPr/>
         <p:txBody>
           <a:bodyPr>
-            <a:normAutofit/>
+            <a:normAutofit fontScale="92500" lnSpcReduction="10000"/>
           </a:bodyPr>
           <a:lstStyle/>
           <a:p>
             <a:r>
               <a:rPr lang="en-US" dirty="0" smtClean="0"/>
-              <a:t>Database queries, both read and write, utilize a </a:t>
+              <a:t>The built-in </a:t>
+            </a:r>
+            <a:r>
+              <a:rPr lang="en-US" dirty="0" err="1" smtClean="0"/>
+              <a:t>HomebrewDIY</a:t>
+            </a:r>
+            <a:r>
+              <a:rPr lang="en-US" dirty="0" smtClean="0"/>
+              <a:t> database support assumes:</a:t>
+            </a:r>
+          </a:p>
+          <a:p>
+            <a:pPr lvl="1"/>
+            <a:r>
+              <a:rPr lang="en-US" dirty="0" smtClean="0"/>
+              <a:t>1 or more site or service specific JSON databases.</a:t>
+            </a:r>
+          </a:p>
+          <a:p>
+            <a:pPr lvl="1"/>
+            <a:r>
+              <a:rPr lang="en-US" dirty="0" smtClean="0"/>
+              <a:t>JSONATA query language. (See </a:t>
             </a:r>
             <a:r>
               <a:rPr lang="en-US" dirty="0" smtClean="0">
-                <a:solidFill>
-                  <a:schemeClr val="accent1"/>
-                </a:solidFill>
-              </a:rPr>
-              <a:t>recipe</a:t>
-            </a:r>
-            <a:r>
-              <a:rPr lang="en-US" dirty="0" smtClean="0"/>
-              <a:t> based system, where &lt;recipe&gt; designates the name of the recipe.</a:t>
+                <a:hlinkClick r:id="rId2"/>
+              </a:rPr>
+              <a:t>https://jsonata.org</a:t>
+            </a:r>
+            <a:r>
+              <a:rPr lang="en-US" dirty="0" smtClean="0"/>
+              <a:t>)</a:t>
+            </a:r>
+          </a:p>
+          <a:p>
+            <a:r>
+              <a:rPr lang="en-US" dirty="0" err="1" smtClean="0"/>
+              <a:t>HomebrewDIY</a:t>
+            </a:r>
+            <a:r>
+              <a:rPr lang="en-US" dirty="0" smtClean="0"/>
+              <a:t> databases can be configured as (any or all):</a:t>
             </a:r>
           </a:p>
           <a:p>
             <a:pPr lvl="1"/>
             <a:r>
-              <a:rPr lang="en-US" dirty="0" smtClean="0"/>
-              <a:t>A recipe is simply a JSON object in a recipes collection (i.e. table) within the referenced database.</a:t>
+              <a:rPr lang="en-US" dirty="0" smtClean="0">
+                <a:solidFill>
+                  <a:schemeClr val="accent1"/>
+                </a:solidFill>
+              </a:rPr>
+              <a:t>Server specific</a:t>
+            </a:r>
+            <a:r>
+              <a:rPr lang="en-US" dirty="0" smtClean="0"/>
+              <a:t>: applying to all defined domains on the server.</a:t>
             </a:r>
           </a:p>
           <a:p>
             <a:pPr lvl="1"/>
             <a:r>
-              <a:rPr lang="en-US" dirty="0" smtClean="0"/>
-              <a:t>The accessed database must have a definition by the name of the recipe in its recipes collection or an error will occur.</a:t>
-            </a:r>
-          </a:p>
-          <a:p>
-            <a:r>
-              <a:rPr lang="en-US" dirty="0" smtClean="0"/>
-              <a:t>The database configuration can specify access authorization globally in the form {</a:t>
-            </a:r>
-            <a:r>
-              <a:rPr lang="en-US" dirty="0" err="1" smtClean="0"/>
-              <a:t>auth</a:t>
-            </a:r>
-            <a:r>
-              <a:rPr lang="en-US" dirty="0" smtClean="0"/>
-              <a:t>: &lt;read&gt;|&lt;write&gt;}, such as {</a:t>
-            </a:r>
-            <a:r>
-              <a:rPr lang="en-US" dirty="0" err="1" smtClean="0"/>
-              <a:t>auth</a:t>
-            </a:r>
-            <a:r>
-              <a:rPr lang="en-US" dirty="0" smtClean="0"/>
-              <a:t>: ‘</a:t>
-            </a:r>
-            <a:r>
-              <a:rPr lang="en-US" dirty="0" err="1" smtClean="0"/>
-              <a:t>user|admin</a:t>
-            </a:r>
-            <a:r>
-              <a:rPr lang="en-US" dirty="0" smtClean="0"/>
-              <a:t>’}. A blank </a:t>
-            </a:r>
-            <a:r>
-              <a:rPr lang="en-US" dirty="0" err="1" smtClean="0"/>
-              <a:t>auth</a:t>
-            </a:r>
-            <a:r>
-              <a:rPr lang="en-US" dirty="0" smtClean="0"/>
-              <a:t> field defines open access.</a:t>
-            </a:r>
-          </a:p>
-          <a:p>
-            <a:r>
-              <a:rPr lang="en-US" dirty="0" smtClean="0"/>
-              <a:t>Individual recipes may also specify authorizations.</a:t>
-            </a:r>
+              <a:rPr lang="en-US" dirty="0" smtClean="0">
+                <a:solidFill>
+                  <a:schemeClr val="accent1"/>
+                </a:solidFill>
+              </a:rPr>
+              <a:t>Site specific</a:t>
+            </a:r>
+            <a:r>
+              <a:rPr lang="en-US" dirty="0" smtClean="0"/>
+              <a:t>: applying to only a single domain of the server.</a:t>
+            </a:r>
+          </a:p>
+          <a:p>
+            <a:pPr lvl="1"/>
+            <a:r>
+              <a:rPr lang="en-US" dirty="0" smtClean="0">
+                <a:solidFill>
+                  <a:schemeClr val="accent1"/>
+                </a:solidFill>
+              </a:rPr>
+              <a:t>Service Specific</a:t>
+            </a:r>
+            <a:r>
+              <a:rPr lang="en-US" dirty="0" smtClean="0"/>
+              <a:t>: applying to just a single service of a domain.</a:t>
+            </a:r>
+          </a:p>
+          <a:p>
+            <a:r>
+              <a:rPr lang="en-US" dirty="0" smtClean="0"/>
+              <a:t>Therefore, the path to the endpoint may vary based on configuration, but the endpoints all work the same.</a:t>
+            </a:r>
+          </a:p>
+          <a:p>
+            <a:r>
+              <a:rPr lang="en-US" dirty="0" smtClean="0"/>
+              <a:t>The </a:t>
+            </a:r>
+            <a:r>
+              <a:rPr lang="en-US" i="1" dirty="0" smtClean="0">
+                <a:solidFill>
+                  <a:schemeClr val="accent4"/>
+                </a:solidFill>
+              </a:rPr>
+              <a:t>app.js</a:t>
+            </a:r>
+            <a:r>
+              <a:rPr lang="en-US" dirty="0" smtClean="0"/>
+              <a:t> code merges database handles into a single set with priority given to service over site over server. Therefore, a site specific database with the same reference as a server specific database will override the server database.</a:t>
+            </a:r>
+          </a:p>
+          <a:p>
+            <a:pPr lvl="1"/>
+            <a:endParaRPr lang="en-US" dirty="0" smtClean="0"/>
           </a:p>
         </p:txBody>
       </p:sp>
     </p:spTree>
     <p:extLst>
       <p:ext uri="{BB962C8B-B14F-4D97-AF65-F5344CB8AC3E}">
-        <p14:creationId xmlns:p14="http://schemas.microsoft.com/office/powerpoint/2010/main" val="1845205539"/>
+        <p14:creationId xmlns:p14="http://schemas.microsoft.com/office/powerpoint/2010/main" val="3422096310"/>
       </p:ext>
     </p:extLst>
   </p:cSld>
@@ -9381,7 +9848,7 @@
           <a:p>
             <a:r>
               <a:rPr lang="en-US" dirty="0" smtClean="0"/>
-              <a:t>$&lt;recipe&gt; Queries</a:t>
+              <a:t>$&lt;recipe&gt; Endpoints</a:t>
             </a:r>
             <a:endParaRPr lang="en-US" dirty="0"/>
           </a:p>
@@ -9399,53 +9866,88 @@
         </p:nvSpPr>
         <p:spPr/>
         <p:txBody>
-          <a:bodyPr/>
+          <a:bodyPr>
+            <a:normAutofit/>
+          </a:bodyPr>
           <a:lstStyle/>
           <a:p>
             <a:r>
               <a:rPr lang="en-US" dirty="0" smtClean="0"/>
-              <a:t>Read queries use the form:</a:t>
+              <a:t>Database queries, both read and write, utilize a </a:t>
+            </a:r>
+            <a:r>
+              <a:rPr lang="en-US" dirty="0" smtClean="0">
+                <a:solidFill>
+                  <a:schemeClr val="accent1"/>
+                </a:solidFill>
+              </a:rPr>
+              <a:t>recipe</a:t>
+            </a:r>
+            <a:r>
+              <a:rPr lang="en-US" dirty="0" smtClean="0"/>
+              <a:t> based system, where &lt;recipe&gt; designates the name of the recipe.</a:t>
             </a:r>
           </a:p>
           <a:p>
             <a:pPr lvl="1"/>
             <a:r>
               <a:rPr lang="en-US" dirty="0" smtClean="0"/>
-              <a:t>GET /$:recipe/:opts*, where the prefix character is $, :recipe represents the recipe name to be found in the respective database, and :opt* represents an optional / delimited list of query bindings.</a:t>
+              <a:t>A recipe is simply a JSON object in a recipes collection (i.e. table) within the referenced database.</a:t>
             </a:r>
           </a:p>
           <a:p>
             <a:pPr lvl="1"/>
             <a:r>
               <a:rPr lang="en-US" dirty="0" smtClean="0"/>
-              <a:t>For example: GET /$snowfall/20200701/20210630</a:t>
-            </a:r>
-            <a:br>
-              <a:rPr lang="en-US" dirty="0" smtClean="0"/>
-            </a:br>
-            <a:r>
-              <a:rPr lang="en-US" dirty="0" smtClean="0"/>
-              <a:t>(to hypothetically retrieve snowfall data between July 1, 2020 and June 30, 2021).</a:t>
-            </a:r>
-          </a:p>
-          <a:p>
-            <a:r>
-              <a:rPr lang="en-US" dirty="0"/>
-              <a:t>Write queries use the form:</a:t>
-            </a:r>
-          </a:p>
-          <a:p>
-            <a:pPr lvl="1"/>
-            <a:r>
-              <a:rPr lang="en-US" dirty="0"/>
-              <a:t>POST /$recipe</a:t>
-            </a:r>
-          </a:p>
-          <a:p>
-            <a:pPr lvl="1"/>
-            <a:r>
-              <a:rPr lang="en-US" dirty="0"/>
-              <a:t>Where the body of the request contains an array of database records to add or modify.</a:t>
+              <a:t>The accessed database must have a definition by the name of the recipe in its recipes collection or an error will occur.</a:t>
+            </a:r>
+          </a:p>
+          <a:p>
+            <a:r>
+              <a:rPr lang="en-US" dirty="0" smtClean="0"/>
+              <a:t>The database configuration can specify access authorization globally in the form {</a:t>
+            </a:r>
+            <a:r>
+              <a:rPr lang="en-US" dirty="0" err="1" smtClean="0"/>
+              <a:t>auth</a:t>
+            </a:r>
+            <a:r>
+              <a:rPr lang="en-US" dirty="0" smtClean="0"/>
+              <a:t>: &lt;read&gt;|&lt;write&gt;}, such as {</a:t>
+            </a:r>
+            <a:r>
+              <a:rPr lang="en-US" dirty="0" err="1" smtClean="0"/>
+              <a:t>auth</a:t>
+            </a:r>
+            <a:r>
+              <a:rPr lang="en-US" dirty="0" smtClean="0"/>
+              <a:t>: ‘</a:t>
+            </a:r>
+            <a:r>
+              <a:rPr lang="en-US" dirty="0" err="1" smtClean="0"/>
+              <a:t>user|admin</a:t>
+            </a:r>
+            <a:r>
+              <a:rPr lang="en-US" dirty="0" smtClean="0"/>
+              <a:t>’}. A blank </a:t>
+            </a:r>
+            <a:r>
+              <a:rPr lang="en-US" dirty="0" err="1" smtClean="0"/>
+              <a:t>auth</a:t>
+            </a:r>
+            <a:r>
+              <a:rPr lang="en-US" dirty="0" smtClean="0"/>
+              <a:t> field defines open access.</a:t>
+            </a:r>
+          </a:p>
+          <a:p>
+            <a:r>
+              <a:rPr lang="en-US" dirty="0" smtClean="0"/>
+              <a:t>Individual recipes may also specify authorizations</a:t>
+            </a:r>
+            <a:r>
+              <a:rPr lang="en-US" dirty="0" smtClean="0"/>
+              <a:t>.</a:t>
             </a:r>
           </a:p>
           <a:p>
@@ -9456,7 +9958,7 @@
     </p:spTree>
     <p:extLst>
       <p:ext uri="{BB962C8B-B14F-4D97-AF65-F5344CB8AC3E}">
-        <p14:creationId xmlns:p14="http://schemas.microsoft.com/office/powerpoint/2010/main" val="3281973808"/>
+        <p14:creationId xmlns:p14="http://schemas.microsoft.com/office/powerpoint/2010/main" val="1845205539"/>
       </p:ext>
     </p:extLst>
   </p:cSld>
@@ -9500,7 +10002,7 @@
           <a:p>
             <a:r>
               <a:rPr lang="en-US" dirty="0" smtClean="0"/>
-              <a:t>Shared Read/Write Recipe Properties</a:t>
+              <a:t>$&lt;recipe&gt; Queries</a:t>
             </a:r>
             <a:endParaRPr lang="en-US" dirty="0"/>
           </a:p>
@@ -9516,86 +10018,213 @@
             <p:ph idx="1"/>
           </p:nvPr>
         </p:nvSpPr>
-        <p:spPr/>
-        <p:txBody>
-          <a:bodyPr/>
+        <p:spPr>
+          <a:xfrm>
+            <a:off x="677335" y="2160590"/>
+            <a:ext cx="8596668" cy="4048299"/>
+          </a:xfrm>
+        </p:spPr>
+        <p:txBody>
+          <a:bodyPr>
+            <a:normAutofit fontScale="85000" lnSpcReduction="20000"/>
+          </a:bodyPr>
           <a:lstStyle/>
           <a:p>
             <a:r>
+              <a:rPr lang="en-US" dirty="0" smtClean="0"/>
+              <a:t>Read queries use the form:</a:t>
+            </a:r>
+          </a:p>
+          <a:p>
+            <a:pPr lvl="1"/>
+            <a:r>
               <a:rPr lang="en-US" dirty="0" smtClean="0">
                 <a:solidFill>
                   <a:schemeClr val="accent1"/>
                 </a:solidFill>
               </a:rPr>
-              <a:t>name</a:t>
+              <a:t>GET /$:recipe/:opts*</a:t>
+            </a:r>
+            <a:r>
+              <a:rPr lang="en-US" dirty="0" smtClean="0"/>
+              <a:t>, where the prefix character is $, :recipe represents the recipe name to be found in the respective </a:t>
+            </a:r>
+            <a:r>
+              <a:rPr lang="en-US" dirty="0" smtClean="0"/>
+              <a:t>database recipes collection, </a:t>
+            </a:r>
+            <a:r>
+              <a:rPr lang="en-US" dirty="0" smtClean="0"/>
+              <a:t>and :opt* represents an optional / delimited list of query bindings.</a:t>
+            </a:r>
+          </a:p>
+          <a:p>
+            <a:pPr lvl="2"/>
+            <a:r>
+              <a:rPr lang="en-US" dirty="0" smtClean="0"/>
+              <a:t>For example: GET /$snowfall/20200701/20210630</a:t>
+            </a:r>
+            <a:br>
+              <a:rPr lang="en-US" dirty="0" smtClean="0"/>
+            </a:br>
+            <a:r>
+              <a:rPr lang="en-US" dirty="0" smtClean="0"/>
+              <a:t>(to hypothetically retrieve snowfall data between July 1, 2020 and June 30, 2021).</a:t>
+            </a:r>
+          </a:p>
+          <a:p>
+            <a:r>
+              <a:rPr lang="en-US" dirty="0"/>
+              <a:t>Write queries use the form:</a:t>
+            </a:r>
+          </a:p>
+          <a:p>
+            <a:pPr lvl="1"/>
+            <a:r>
+              <a:rPr lang="en-US" dirty="0">
+                <a:solidFill>
+                  <a:schemeClr val="accent1"/>
+                </a:solidFill>
+              </a:rPr>
+              <a:t>POST /$recipe</a:t>
+            </a:r>
+          </a:p>
+          <a:p>
+            <a:pPr lvl="1"/>
+            <a:r>
+              <a:rPr lang="en-US" dirty="0"/>
+              <a:t>Where the body of the request </a:t>
+            </a:r>
+            <a:r>
+              <a:rPr lang="en-US" dirty="0" smtClean="0"/>
+              <a:t>always contains </a:t>
+            </a:r>
+            <a:r>
+              <a:rPr lang="en-US" dirty="0"/>
+              <a:t>an </a:t>
+            </a:r>
+            <a:r>
+              <a:rPr lang="en-US" u="sng" dirty="0"/>
+              <a:t>array of </a:t>
+            </a:r>
+            <a:r>
+              <a:rPr lang="en-US" u="sng" dirty="0" smtClean="0"/>
+              <a:t>objects-or-arrays</a:t>
+            </a:r>
+            <a:r>
+              <a:rPr lang="en-US" dirty="0" smtClean="0"/>
+              <a:t> to add, modify, or delete.</a:t>
+            </a:r>
+          </a:p>
+          <a:p>
+            <a:pPr lvl="2"/>
+            <a:r>
+              <a:rPr lang="en-US" dirty="0" smtClean="0"/>
+              <a:t>Each array element consists of an object </a:t>
             </a:r>
             <a:r>
               <a:rPr lang="en-US" dirty="0" smtClean="0">
                 <a:solidFill>
-                  <a:schemeClr val="tx1"/>
-                </a:solidFill>
-              </a:rPr>
-              <a:t>: the recipe name</a:t>
-            </a:r>
-          </a:p>
-          <a:p>
-            <a:r>
-              <a:rPr lang="en-US" dirty="0" err="1" smtClean="0">
-                <a:solidFill>
-                  <a:schemeClr val="accent1"/>
-                </a:solidFill>
-              </a:rPr>
-              <a:t>auth</a:t>
-            </a:r>
-            <a:r>
-              <a:rPr lang="en-US" dirty="0" smtClean="0"/>
-              <a:t>: a </a:t>
+                  <a:schemeClr val="accent1"/>
+                </a:solidFill>
+              </a:rPr>
+              <a:t>{ref: &lt;reference&gt;, record: &lt;record data&gt;}</a:t>
+            </a:r>
+            <a:r>
+              <a:rPr lang="en-US" dirty="0" smtClean="0"/>
+              <a:t> or an ordered array </a:t>
+            </a:r>
+            <a:r>
+              <a:rPr lang="en-US" dirty="0" smtClean="0">
+                <a:solidFill>
+                  <a:schemeClr val="accent1"/>
+                </a:solidFill>
+              </a:rPr>
+              <a:t>[</a:t>
+            </a:r>
+            <a:r>
+              <a:rPr lang="en-US" dirty="0">
+                <a:solidFill>
+                  <a:schemeClr val="accent1"/>
+                </a:solidFill>
+              </a:rPr>
+              <a:t>&lt;reference&gt;, </a:t>
+            </a:r>
+            <a:r>
+              <a:rPr lang="en-US" dirty="0" smtClean="0">
+                <a:solidFill>
+                  <a:schemeClr val="accent1"/>
+                </a:solidFill>
+              </a:rPr>
+              <a:t>&lt;record </a:t>
+            </a:r>
+            <a:r>
+              <a:rPr lang="en-US" dirty="0">
+                <a:solidFill>
+                  <a:schemeClr val="accent1"/>
+                </a:solidFill>
+              </a:rPr>
+              <a:t>data</a:t>
+            </a:r>
+            <a:r>
+              <a:rPr lang="en-US" dirty="0" smtClean="0">
+                <a:solidFill>
+                  <a:schemeClr val="accent1"/>
+                </a:solidFill>
+              </a:rPr>
+              <a:t>&gt;]</a:t>
+            </a:r>
+            <a:r>
+              <a:rPr lang="en-US" dirty="0" smtClean="0"/>
+              <a:t>.</a:t>
+            </a:r>
+          </a:p>
+          <a:p>
+            <a:pPr lvl="2"/>
+            <a:r>
+              <a:rPr lang="en-US" dirty="0" smtClean="0"/>
+              <a:t>A null reference will add a new record.</a:t>
             </a:r>
             <a:r>
               <a:rPr lang="en-US" dirty="0"/>
-              <a:t>comma delimited </a:t>
-            </a:r>
-            <a:r>
-              <a:rPr lang="en-US" dirty="0" smtClean="0"/>
-              <a:t>list of groups with permission. </a:t>
+              <a:t> The </a:t>
+            </a:r>
+            <a:r>
+              <a:rPr lang="en-US" dirty="0">
+                <a:solidFill>
+                  <a:schemeClr val="accent1"/>
+                </a:solidFill>
+              </a:rPr>
+              <a:t>unique</a:t>
             </a:r>
             <a:r>
               <a:rPr lang="en-US" dirty="0"/>
-              <a:t>NOTE: since other fields define a recipe as read and/or </a:t>
-            </a:r>
-            <a:r>
-              <a:rPr lang="en-US" dirty="0" smtClean="0"/>
-              <a:t>write specific, the recipe </a:t>
-            </a:r>
-            <a:r>
-              <a:rPr lang="en-US" i="1" dirty="0" err="1">
-                <a:solidFill>
-                  <a:schemeClr val="accent1"/>
-                </a:solidFill>
-              </a:rPr>
-              <a:t>auth</a:t>
-            </a:r>
-            <a:r>
-              <a:rPr lang="en-US" dirty="0"/>
-              <a:t> property does not differentiate. If different read and write access is needed simply define different recipes</a:t>
-            </a:r>
-            <a:r>
-              <a:rPr lang="en-US" dirty="0" smtClean="0"/>
-              <a:t>.</a:t>
-            </a:r>
-          </a:p>
-          <a:p>
-            <a:endParaRPr lang="en-US" dirty="0"/>
-          </a:p>
-          <a:p>
-            <a:endParaRPr lang="en-US" dirty="0"/>
+              <a:t> expression may be used to generate a unique id for new records.</a:t>
+            </a:r>
+          </a:p>
+          <a:p>
+            <a:pPr lvl="2"/>
+            <a:r>
+              <a:rPr lang="en-US" dirty="0" smtClean="0"/>
+              <a:t>Existing defined references will be updated with the new record data, merged with the existing record allowing partial updates.</a:t>
+            </a:r>
+          </a:p>
+          <a:p>
+            <a:pPr lvl="2"/>
+            <a:r>
+              <a:rPr lang="en-US" dirty="0" smtClean="0"/>
+              <a:t>A defined reference with null record data will delete the referenced item.</a:t>
+            </a:r>
+          </a:p>
+          <a:p>
+            <a:endParaRPr lang="en-US" dirty="0" smtClean="0"/>
           </a:p>
         </p:txBody>
       </p:sp>
     </p:spTree>
     <p:extLst>
       <p:ext uri="{BB962C8B-B14F-4D97-AF65-F5344CB8AC3E}">
-        <p14:creationId xmlns:p14="http://schemas.microsoft.com/office/powerpoint/2010/main" val="1554548140"/>
+        <p14:creationId xmlns:p14="http://schemas.microsoft.com/office/powerpoint/2010/main" val="3281973808"/>
       </p:ext>
     </p:extLst>
   </p:cSld>
@@ -9639,7 +10268,7 @@
           <a:p>
             <a:r>
               <a:rPr lang="en-US" dirty="0" smtClean="0"/>
-              <a:t>(Required*) Read Recipe Properties</a:t>
+              <a:t>Shared Read/Write Recipe Properties</a:t>
             </a:r>
             <a:endParaRPr lang="en-US" dirty="0"/>
           </a:p>
@@ -9666,45 +10295,75 @@
                   <a:schemeClr val="accent1"/>
                 </a:solidFill>
               </a:rPr>
-              <a:t>*expression</a:t>
-            </a:r>
-            <a:r>
-              <a:rPr lang="en-US" dirty="0" smtClean="0"/>
-              <a:t>: the JSONATA expression for the query.</a:t>
-            </a:r>
-          </a:p>
-          <a:p>
+              <a:t>name</a:t>
+            </a:r>
             <a:r>
               <a:rPr lang="en-US" dirty="0" smtClean="0">
                 <a:solidFill>
-                  <a:schemeClr val="accent1"/>
-                </a:solidFill>
-              </a:rPr>
-              <a:t>*filter</a:t>
-            </a:r>
-            <a:r>
-              <a:rPr lang="en-US" dirty="0" smtClean="0"/>
-              <a:t>: A filter in the form </a:t>
-            </a:r>
-            <a:r>
-              <a:rPr lang="en-US" dirty="0" smtClean="0">
-                <a:solidFill>
-                  <a:schemeClr val="accent1"/>
-                </a:solidFill>
-              </a:rPr>
-              <a:t>[{“ref”: …, “”record”: …}]</a:t>
-            </a:r>
-            <a:r>
-              <a:rPr lang="en-US" dirty="0" smtClean="0"/>
-              <a:t>. Required only if optional bindings input.</a:t>
-            </a:r>
+                  <a:schemeClr val="tx1"/>
+                </a:solidFill>
+              </a:rPr>
+              <a:t>: the recipe name</a:t>
+            </a:r>
+          </a:p>
+          <a:p>
+            <a:r>
+              <a:rPr lang="en-US" dirty="0" err="1" smtClean="0">
+                <a:solidFill>
+                  <a:schemeClr val="accent1"/>
+                </a:solidFill>
+              </a:rPr>
+              <a:t>auth</a:t>
+            </a:r>
+            <a:r>
+              <a:rPr lang="en-US" dirty="0" smtClean="0"/>
+              <a:t>: a </a:t>
+            </a:r>
+            <a:r>
+              <a:rPr lang="en-US" dirty="0"/>
+              <a:t>comma delimited </a:t>
+            </a:r>
+            <a:r>
+              <a:rPr lang="en-US" dirty="0" smtClean="0"/>
+              <a:t>list of groups with permission. </a:t>
+            </a:r>
+            <a:r>
+              <a:rPr lang="en-US" dirty="0"/>
+              <a:t>NOTE: since other fields define a recipe as read and/or </a:t>
+            </a:r>
+            <a:r>
+              <a:rPr lang="en-US" dirty="0" smtClean="0"/>
+              <a:t>write specific, the recipe </a:t>
+            </a:r>
+            <a:r>
+              <a:rPr lang="en-US" i="1" dirty="0" err="1">
+                <a:solidFill>
+                  <a:schemeClr val="accent1"/>
+                </a:solidFill>
+              </a:rPr>
+              <a:t>auth</a:t>
+            </a:r>
+            <a:r>
+              <a:rPr lang="en-US" dirty="0"/>
+              <a:t> property does not differentiate. If different read and write access is needed simply define different recipes</a:t>
+            </a:r>
+            <a:r>
+              <a:rPr lang="en-US" dirty="0" smtClean="0"/>
+              <a:t>.</a:t>
+            </a:r>
+          </a:p>
+          <a:p>
+            <a:endParaRPr lang="en-US" dirty="0"/>
+          </a:p>
+          <a:p>
+            <a:endParaRPr lang="en-US" dirty="0"/>
           </a:p>
         </p:txBody>
       </p:sp>
     </p:spTree>
     <p:extLst>
       <p:ext uri="{BB962C8B-B14F-4D97-AF65-F5344CB8AC3E}">
-        <p14:creationId xmlns:p14="http://schemas.microsoft.com/office/powerpoint/2010/main" val="4134116751"/>
+        <p14:creationId xmlns:p14="http://schemas.microsoft.com/office/powerpoint/2010/main" val="1554548140"/>
       </p:ext>
     </p:extLst>
   </p:cSld>
@@ -9748,7 +10407,7 @@
           <a:p>
             <a:r>
               <a:rPr lang="en-US" dirty="0" smtClean="0"/>
-              <a:t>(Required*) Write Recipe Properties</a:t>
+              <a:t>(Required*) Read Recipe Properties</a:t>
             </a:r>
             <a:endParaRPr lang="en-US" dirty="0"/>
           </a:p>
@@ -9775,11 +10434,11 @@
                   <a:schemeClr val="accent1"/>
                 </a:solidFill>
               </a:rPr>
-              <a:t>*collection</a:t>
-            </a:r>
-            <a:r>
-              <a:rPr lang="en-US" dirty="0" smtClean="0"/>
-              <a:t>: The database collection name (i.e. table) reference.</a:t>
+              <a:t>*expression</a:t>
+            </a:r>
+            <a:r>
+              <a:rPr lang="en-US" dirty="0" smtClean="0"/>
+              <a:t>: the JSONATA expression for the query.</a:t>
             </a:r>
           </a:p>
           <a:p>
@@ -9789,52 +10448,31 @@
                   <a:schemeClr val="accent1"/>
                 </a:solidFill>
               </a:rPr>
-              <a:t>*defaults</a:t>
-            </a:r>
-            <a:r>
-              <a:rPr lang="en-US" dirty="0" smtClean="0"/>
-              <a:t>: default values for filter fields.</a:t>
-            </a:r>
-          </a:p>
-          <a:p>
+              <a:t>*filter</a:t>
+            </a:r>
+            <a:r>
+              <a:rPr lang="en-US" dirty="0" smtClean="0"/>
+              <a:t>: A filter in the form </a:t>
+            </a:r>
             <a:r>
               <a:rPr lang="en-US" dirty="0" smtClean="0">
                 <a:solidFill>
                   <a:schemeClr val="accent1"/>
                 </a:solidFill>
               </a:rPr>
-              <a:t>*filter</a:t>
-            </a:r>
-            <a:r>
-              <a:rPr lang="en-US" dirty="0" smtClean="0"/>
-              <a:t>: input data filter for safe data storage.</a:t>
-            </a:r>
-          </a:p>
-          <a:p>
-            <a:r>
-              <a:rPr lang="en-US" dirty="0" smtClean="0">
-                <a:solidFill>
-                  <a:schemeClr val="accent1"/>
-                </a:solidFill>
-              </a:rPr>
-              <a:t>*reference</a:t>
-            </a:r>
-            <a:r>
-              <a:rPr lang="en-US" dirty="0"/>
-              <a:t>: The default reference value</a:t>
-            </a:r>
-            <a:r>
-              <a:rPr lang="en-US" dirty="0" smtClean="0"/>
-              <a:t>.</a:t>
-            </a:r>
-            <a:endParaRPr lang="en-US" dirty="0"/>
+              <a:t>[{“ref”: …, “”record”: …}]</a:t>
+            </a:r>
+            <a:r>
+              <a:rPr lang="en-US" dirty="0" smtClean="0"/>
+              <a:t>. Required only if optional bindings input.</a:t>
+            </a:r>
           </a:p>
         </p:txBody>
       </p:sp>
     </p:spTree>
     <p:extLst>
       <p:ext uri="{BB962C8B-B14F-4D97-AF65-F5344CB8AC3E}">
-        <p14:creationId xmlns:p14="http://schemas.microsoft.com/office/powerpoint/2010/main" val="3111605518"/>
+        <p14:creationId xmlns:p14="http://schemas.microsoft.com/office/powerpoint/2010/main" val="4134116751"/>
       </p:ext>
     </p:extLst>
   </p:cSld>
@@ -9877,12 +10515,8 @@
           <a:lstStyle/>
           <a:p>
             <a:r>
-              <a:rPr lang="en-US" dirty="0" err="1" smtClean="0"/>
-              <a:t>SafeData</a:t>
-            </a:r>
-            <a:r>
-              <a:rPr lang="en-US" dirty="0" smtClean="0"/>
-              <a:t> Filter</a:t>
+              <a:rPr lang="en-US" dirty="0" smtClean="0"/>
+              <a:t>(Required*) Write Recipe Properties</a:t>
             </a:r>
             <a:endParaRPr lang="en-US" dirty="0"/>
           </a:p>
@@ -9900,9 +10534,7 @@
         </p:nvSpPr>
         <p:spPr/>
         <p:txBody>
-          <a:bodyPr>
-            <a:normAutofit lnSpcReduction="10000"/>
-          </a:bodyPr>
+          <a:bodyPr/>
           <a:lstStyle/>
           <a:p>
             <a:r>
@@ -9911,79 +10543,58 @@
                   <a:schemeClr val="accent1"/>
                 </a:solidFill>
               </a:rPr>
-              <a:t>ALL data received by the server is assumed tainted and must be filtered for safe use, which </a:t>
-            </a:r>
-            <a:r>
-              <a:rPr lang="en-US" dirty="0">
-                <a:solidFill>
-                  <a:schemeClr val="accent1"/>
-                </a:solidFill>
-              </a:rPr>
-              <a:t>includes optional </a:t>
-            </a:r>
+              <a:t>*collection</a:t>
+            </a:r>
+            <a:r>
+              <a:rPr lang="en-US" dirty="0" smtClean="0"/>
+              <a:t>: The database collection name (i.e. table) reference.</a:t>
+            </a:r>
+          </a:p>
+          <a:p>
             <a:r>
               <a:rPr lang="en-US" dirty="0" smtClean="0">
                 <a:solidFill>
                   <a:schemeClr val="accent1"/>
                 </a:solidFill>
               </a:rPr>
-              <a:t>endpoint parameters.</a:t>
-            </a:r>
-            <a:endParaRPr lang="en-US" dirty="0">
-              <a:solidFill>
-                <a:schemeClr val="accent1"/>
-              </a:solidFill>
-            </a:endParaRPr>
-          </a:p>
-          <a:p>
-            <a:r>
-              <a:rPr lang="en-US" dirty="0" smtClean="0"/>
-              <a:t>The </a:t>
-            </a:r>
-            <a:r>
-              <a:rPr lang="en-US" dirty="0" err="1" smtClean="0"/>
-              <a:t>SafeData</a:t>
-            </a:r>
-            <a:r>
-              <a:rPr lang="en-US" dirty="0" smtClean="0"/>
-              <a:t> filter is defined as </a:t>
-            </a:r>
+              <a:t>*defaults</a:t>
+            </a:r>
+            <a:r>
+              <a:rPr lang="en-US" dirty="0" smtClean="0"/>
+              <a:t>: default values for filter fields.</a:t>
+            </a:r>
+          </a:p>
+          <a:p>
             <a:r>
               <a:rPr lang="en-US" dirty="0" smtClean="0">
                 <a:solidFill>
                   <a:schemeClr val="accent1"/>
                 </a:solidFill>
               </a:rPr>
-              <a:t>a JSON object matching the structure of the expected input data</a:t>
+              <a:t>*filter</a:t>
+            </a:r>
+            <a:r>
+              <a:rPr lang="en-US" dirty="0" smtClean="0"/>
+              <a:t>: input data filter for safe data storage.</a:t>
+            </a:r>
+          </a:p>
+          <a:p>
+            <a:r>
+              <a:rPr lang="en-US" dirty="0" smtClean="0">
+                <a:solidFill>
+                  <a:schemeClr val="accent1"/>
+                </a:solidFill>
+              </a:rPr>
+              <a:t>*reference</a:t>
             </a:r>
             <a:r>
               <a:rPr lang="en-US" dirty="0"/>
+              <a:t>: The default reference value</a:t>
+            </a:r>
+            <a:r>
+              <a:rPr lang="en-US" dirty="0" smtClean="0"/>
               <a:t>.</a:t>
             </a:r>
-            <a:endParaRPr lang="en-US" dirty="0" smtClean="0"/>
-          </a:p>
-          <a:p>
-            <a:r>
-              <a:rPr lang="en-US" dirty="0" smtClean="0"/>
-              <a:t>All JSON objects eventually resolve to individual scalar properties (i.e. numbers, text, Boolean values). In the filter, these values are defined by types, choices, or regular expressions instead of actual values.</a:t>
-            </a:r>
-          </a:p>
-          <a:p>
-            <a:r>
-              <a:rPr lang="en-US" dirty="0" smtClean="0"/>
-              <a:t>Each scalar in the filter may have a default by defining the scalar filter with an array containing the type and default.</a:t>
-            </a:r>
-          </a:p>
-          <a:p>
-            <a:r>
-              <a:rPr lang="en-US" dirty="0" smtClean="0"/>
-              <a:t>Since many queries involve an array of repetitive fields, the filtering algorithm implements a shortcut syntax where an array defined with only a single filter entry will automatically apply to all entries of the data array.</a:t>
-            </a:r>
-          </a:p>
-          <a:p>
-            <a:endParaRPr lang="en-US" dirty="0" smtClean="0"/>
-          </a:p>
-          <a:p>
             <a:endParaRPr lang="en-US" dirty="0"/>
           </a:p>
         </p:txBody>
@@ -9991,7 +10602,7 @@
     </p:spTree>
     <p:extLst>
       <p:ext uri="{BB962C8B-B14F-4D97-AF65-F5344CB8AC3E}">
-        <p14:creationId xmlns:p14="http://schemas.microsoft.com/office/powerpoint/2010/main" val="3116495589"/>
+        <p14:creationId xmlns:p14="http://schemas.microsoft.com/office/powerpoint/2010/main" val="3111605518"/>
       </p:ext>
     </p:extLst>
   </p:cSld>
@@ -10039,7 +10650,7 @@
             </a:r>
             <a:r>
               <a:rPr lang="en-US" dirty="0" smtClean="0"/>
-              <a:t> Filter Example</a:t>
+              <a:t> Filter</a:t>
             </a:r>
             <a:endParaRPr lang="en-US" dirty="0"/>
           </a:p>
@@ -10047,1032 +10658,168 @@
       </p:sp>
       <p:sp>
         <p:nvSpPr>
-          <p:cNvPr id="4" name="Rectangle 3"/>
-          <p:cNvSpPr/>
-          <p:nvPr/>
-        </p:nvSpPr>
-        <p:spPr>
-          <a:xfrm>
-            <a:off x="677335" y="1370368"/>
-            <a:ext cx="3059287" cy="3785652"/>
-          </a:xfrm>
-          <a:prstGeom prst="rect">
-            <a:avLst/>
-          </a:prstGeom>
-          <a:solidFill>
-            <a:schemeClr val="accent1"/>
-          </a:solidFill>
-          <a:ln w="28575">
-            <a:solidFill>
-              <a:schemeClr val="bg2"/>
-            </a:solidFill>
-          </a:ln>
-        </p:spPr>
-        <p:txBody>
-          <a:bodyPr wrap="square">
-            <a:spAutoFit/>
+          <p:cNvPr id="3" name="Content Placeholder 2"/>
+          <p:cNvSpPr>
+            <a:spLocks noGrp="1"/>
+          </p:cNvSpPr>
+          <p:nvPr>
+            <p:ph idx="1"/>
+          </p:nvPr>
+        </p:nvSpPr>
+        <p:spPr/>
+        <p:txBody>
+          <a:bodyPr>
+            <a:normAutofit lnSpcReduction="10000"/>
           </a:bodyPr>
           <a:lstStyle/>
           <a:p>
-            <a:pPr marL="112713"/>
-            <a:r>
-              <a:rPr lang="en-US" sz="1600" dirty="0" smtClean="0">
-                <a:solidFill>
-                  <a:schemeClr val="bg2"/>
-                </a:solidFill>
-                <a:latin typeface="Lucida Console" panose="020B0609040504020204" pitchFamily="49" charset="0"/>
-              </a:rPr>
-              <a:t>Raw Data ...</a:t>
-            </a:r>
-          </a:p>
-          <a:p>
-            <a:pPr marL="112713"/>
-            <a:endParaRPr lang="en-US" sz="1600" dirty="0" smtClean="0">
+            <a:r>
+              <a:rPr lang="en-US" dirty="0" smtClean="0">
+                <a:solidFill>
+                  <a:schemeClr val="accent1"/>
+                </a:solidFill>
+              </a:rPr>
+              <a:t>ALL data received by the server is assumed tainted and must be filtered for safe use, which </a:t>
+            </a:r>
+            <a:r>
+              <a:rPr lang="en-US" dirty="0">
+                <a:solidFill>
+                  <a:schemeClr val="accent1"/>
+                </a:solidFill>
+              </a:rPr>
+              <a:t>includes optional </a:t>
+            </a:r>
+            <a:r>
+              <a:rPr lang="en-US" dirty="0" smtClean="0">
+                <a:solidFill>
+                  <a:schemeClr val="accent1"/>
+                </a:solidFill>
+              </a:rPr>
+              <a:t>endpoint parameters.</a:t>
+            </a:r>
+            <a:endParaRPr lang="en-US" dirty="0">
               <a:solidFill>
-                <a:schemeClr val="bg2"/>
-              </a:solidFill>
-              <a:latin typeface="Lucida Console" panose="020B0609040504020204" pitchFamily="49" charset="0"/>
-            </a:endParaRPr>
-          </a:p>
-          <a:p>
-            <a:r>
-              <a:rPr lang="en-US" sz="1600" dirty="0">
-                <a:solidFill>
-                  <a:schemeClr val="bg1"/>
-                </a:solidFill>
-              </a:rPr>
-              <a:t>{</a:t>
-            </a:r>
-          </a:p>
-          <a:p>
-            <a:r>
-              <a:rPr lang="en-US" sz="1600" dirty="0">
-                <a:solidFill>
-                  <a:schemeClr val="bg1"/>
-                </a:solidFill>
-              </a:rPr>
-              <a:t>  "parents": [</a:t>
-            </a:r>
-          </a:p>
-          <a:p>
-            <a:r>
-              <a:rPr lang="en-US" sz="1600" dirty="0">
-                <a:solidFill>
-                  <a:schemeClr val="bg1"/>
-                </a:solidFill>
-              </a:rPr>
-              <a:t>    {"name": "Jane"},</a:t>
-            </a:r>
-          </a:p>
-          <a:p>
-            <a:r>
-              <a:rPr lang="en-US" sz="1600" dirty="0">
-                <a:solidFill>
-                  <a:schemeClr val="bg1"/>
-                </a:solidFill>
-              </a:rPr>
-              <a:t>    {"name": "John"}</a:t>
-            </a:r>
-          </a:p>
-          <a:p>
-            <a:r>
-              <a:rPr lang="en-US" sz="1600" dirty="0">
-                <a:solidFill>
-                  <a:schemeClr val="bg1"/>
-                </a:solidFill>
-              </a:rPr>
-              <a:t>  ],</a:t>
-            </a:r>
-          </a:p>
-          <a:p>
-            <a:r>
-              <a:rPr lang="en-US" sz="1600" dirty="0">
-                <a:solidFill>
-                  <a:schemeClr val="bg1"/>
-                </a:solidFill>
-              </a:rPr>
-              <a:t>  "children": [</a:t>
-            </a:r>
-          </a:p>
-          <a:p>
-            <a:r>
-              <a:rPr lang="en-US" sz="1600" dirty="0">
-                <a:solidFill>
-                  <a:schemeClr val="bg1"/>
-                </a:solidFill>
-              </a:rPr>
-              <a:t>    {"name": "Tommy", "age": 3},</a:t>
-            </a:r>
-          </a:p>
-          <a:p>
-            <a:r>
-              <a:rPr lang="en-US" sz="1600" dirty="0">
-                <a:solidFill>
-                  <a:schemeClr val="bg1"/>
-                </a:solidFill>
-              </a:rPr>
-              <a:t>    {"name": "Suzy", "age": 1}</a:t>
-            </a:r>
-          </a:p>
-          <a:p>
-            <a:r>
-              <a:rPr lang="en-US" sz="1600" dirty="0">
-                <a:solidFill>
-                  <a:schemeClr val="bg1"/>
-                </a:solidFill>
-              </a:rPr>
-              <a:t>    {"name": </a:t>
-            </a:r>
-            <a:r>
-              <a:rPr lang="en-US" sz="1600" dirty="0" smtClean="0">
-                <a:solidFill>
-                  <a:schemeClr val="bg1"/>
-                </a:solidFill>
-              </a:rPr>
-              <a:t>“#Evil", </a:t>
-            </a:r>
-          </a:p>
-          <a:p>
-            <a:r>
-              <a:rPr lang="en-US" sz="1600" dirty="0">
-                <a:solidFill>
-                  <a:schemeClr val="bg1"/>
-                </a:solidFill>
-              </a:rPr>
-              <a:t> </a:t>
-            </a:r>
-            <a:r>
-              <a:rPr lang="en-US" sz="1600" dirty="0" smtClean="0">
-                <a:solidFill>
-                  <a:schemeClr val="bg1"/>
-                </a:solidFill>
-              </a:rPr>
-              <a:t>    "</a:t>
-            </a:r>
-            <a:r>
-              <a:rPr lang="en-US" sz="1600" dirty="0">
-                <a:solidFill>
-                  <a:schemeClr val="bg1"/>
-                </a:solidFill>
-              </a:rPr>
-              <a:t>age": </a:t>
-            </a:r>
-            <a:r>
-              <a:rPr lang="en-US" sz="1600" dirty="0" smtClean="0">
-                <a:solidFill>
-                  <a:schemeClr val="bg1"/>
-                </a:solidFill>
-              </a:rPr>
-              <a:t>“</a:t>
-            </a:r>
-            <a:r>
-              <a:rPr lang="en-US" sz="1600" dirty="0" err="1" smtClean="0">
-                <a:solidFill>
-                  <a:schemeClr val="bg1"/>
-                </a:solidFill>
-              </a:rPr>
-              <a:t>delete_you</a:t>
-            </a:r>
-            <a:r>
-              <a:rPr lang="en-US" sz="1600" dirty="0" smtClean="0">
-                <a:solidFill>
-                  <a:schemeClr val="bg1"/>
-                </a:solidFill>
-              </a:rPr>
-              <a:t>”}</a:t>
-            </a:r>
-            <a:endParaRPr lang="en-US" sz="1600" dirty="0">
-              <a:solidFill>
-                <a:schemeClr val="bg1"/>
+                <a:schemeClr val="accent1"/>
               </a:solidFill>
             </a:endParaRPr>
           </a:p>
           <a:p>
             <a:r>
-              <a:rPr lang="en-US" sz="1600" dirty="0">
-                <a:solidFill>
-                  <a:schemeClr val="bg1"/>
-                </a:solidFill>
-              </a:rPr>
-              <a:t>  </a:t>
-            </a:r>
-            <a:r>
-              <a:rPr lang="en-US" sz="1600" dirty="0" smtClean="0">
-                <a:solidFill>
-                  <a:schemeClr val="bg1"/>
-                </a:solidFill>
-              </a:rPr>
-              <a:t>],</a:t>
-            </a:r>
-          </a:p>
-          <a:p>
-            <a:r>
-              <a:rPr lang="en-US" sz="1600" dirty="0">
-                <a:solidFill>
-                  <a:schemeClr val="bg1"/>
-                </a:solidFill>
-              </a:rPr>
-              <a:t> </a:t>
-            </a:r>
-            <a:r>
-              <a:rPr lang="en-US" sz="1600" dirty="0" smtClean="0">
-                <a:solidFill>
-                  <a:schemeClr val="bg1"/>
-                </a:solidFill>
-              </a:rPr>
-              <a:t> “hack”: “anything else”</a:t>
-            </a:r>
-            <a:endParaRPr lang="en-US" sz="1600" dirty="0">
-              <a:solidFill>
-                <a:schemeClr val="bg1"/>
-              </a:solidFill>
-            </a:endParaRPr>
-          </a:p>
-          <a:p>
-            <a:r>
-              <a:rPr lang="en-US" sz="1600" dirty="0" smtClean="0">
-                <a:solidFill>
-                  <a:schemeClr val="bg1"/>
-                </a:solidFill>
-              </a:rPr>
-              <a:t>}</a:t>
-            </a:r>
-          </a:p>
-        </p:txBody>
-      </p:sp>
-      <p:sp>
-        <p:nvSpPr>
-          <p:cNvPr id="5" name="Rectangle 4"/>
-          <p:cNvSpPr/>
-          <p:nvPr/>
-        </p:nvSpPr>
-        <p:spPr>
-          <a:xfrm>
-            <a:off x="4301069" y="1370368"/>
-            <a:ext cx="3059287" cy="3293209"/>
-          </a:xfrm>
-          <a:prstGeom prst="rect">
-            <a:avLst/>
-          </a:prstGeom>
-          <a:solidFill>
-            <a:schemeClr val="accent1"/>
-          </a:solidFill>
-          <a:ln w="28575">
-            <a:solidFill>
-              <a:schemeClr val="bg2"/>
-            </a:solidFill>
-          </a:ln>
-        </p:spPr>
-        <p:txBody>
-          <a:bodyPr wrap="square">
-            <a:spAutoFit/>
-          </a:bodyPr>
-          <a:lstStyle/>
-          <a:p>
-            <a:pPr marL="112713"/>
-            <a:r>
-              <a:rPr lang="en-US" sz="1600" dirty="0" smtClean="0">
-                <a:solidFill>
-                  <a:schemeClr val="bg2"/>
-                </a:solidFill>
-                <a:latin typeface="Lucida Console" panose="020B0609040504020204" pitchFamily="49" charset="0"/>
-              </a:rPr>
-              <a:t>Filter ...</a:t>
-            </a:r>
-          </a:p>
-          <a:p>
-            <a:pPr marL="112713"/>
-            <a:endParaRPr lang="en-US" sz="1600" dirty="0" smtClean="0">
-              <a:solidFill>
-                <a:schemeClr val="bg2"/>
-              </a:solidFill>
-              <a:latin typeface="Lucida Console" panose="020B0609040504020204" pitchFamily="49" charset="0"/>
-            </a:endParaRPr>
-          </a:p>
-          <a:p>
-            <a:r>
-              <a:rPr lang="en-US" sz="1600" dirty="0">
-                <a:solidFill>
-                  <a:schemeClr val="bg1"/>
-                </a:solidFill>
-              </a:rPr>
-              <a:t>{</a:t>
-            </a:r>
-          </a:p>
-          <a:p>
-            <a:r>
-              <a:rPr lang="en-US" sz="1600" dirty="0">
-                <a:solidFill>
-                  <a:schemeClr val="bg1"/>
-                </a:solidFill>
-              </a:rPr>
-              <a:t>  "parents": [</a:t>
-            </a:r>
-          </a:p>
-          <a:p>
-            <a:r>
-              <a:rPr lang="en-US" sz="1600" dirty="0">
-                <a:solidFill>
-                  <a:schemeClr val="bg1"/>
-                </a:solidFill>
-              </a:rPr>
-              <a:t>    </a:t>
-            </a:r>
-            <a:r>
-              <a:rPr lang="en-US" sz="1600" dirty="0" smtClean="0">
-                <a:solidFill>
-                  <a:schemeClr val="bg1"/>
-                </a:solidFill>
-              </a:rPr>
-              <a:t> {"</a:t>
-            </a:r>
-            <a:r>
-              <a:rPr lang="en-US" sz="1600" dirty="0">
-                <a:solidFill>
-                  <a:schemeClr val="bg1"/>
-                </a:solidFill>
-              </a:rPr>
-              <a:t>name": “identifier“,</a:t>
-            </a:r>
-          </a:p>
-          <a:p>
-            <a:r>
-              <a:rPr lang="en-US" sz="1600" dirty="0">
-                <a:solidFill>
-                  <a:schemeClr val="bg1"/>
-                </a:solidFill>
-              </a:rPr>
-              <a:t>     </a:t>
-            </a:r>
-            <a:r>
-              <a:rPr lang="en-US" sz="1600" dirty="0" smtClean="0">
-                <a:solidFill>
-                  <a:schemeClr val="bg1"/>
-                </a:solidFill>
-              </a:rPr>
-              <a:t> “</a:t>
-            </a:r>
-            <a:r>
-              <a:rPr lang="en-US" sz="1600" dirty="0">
-                <a:solidFill>
-                  <a:schemeClr val="bg1"/>
-                </a:solidFill>
-              </a:rPr>
-              <a:t>age: [“integer</a:t>
-            </a:r>
-            <a:r>
-              <a:rPr lang="en-US" sz="1600" dirty="0" smtClean="0">
-                <a:solidFill>
-                  <a:schemeClr val="bg1"/>
-                </a:solidFill>
-              </a:rPr>
-              <a:t>”,-1]}</a:t>
-            </a:r>
-            <a:endParaRPr lang="en-US" sz="1600" dirty="0">
-              <a:solidFill>
-                <a:schemeClr val="bg1"/>
-              </a:solidFill>
-            </a:endParaRPr>
-          </a:p>
-          <a:p>
-            <a:r>
-              <a:rPr lang="en-US" sz="1600" dirty="0">
-                <a:solidFill>
-                  <a:schemeClr val="bg1"/>
-                </a:solidFill>
-              </a:rPr>
-              <a:t>  </a:t>
-            </a:r>
-            <a:r>
-              <a:rPr lang="en-US" sz="1600" dirty="0" smtClean="0">
-                <a:solidFill>
-                  <a:schemeClr val="bg1"/>
-                </a:solidFill>
-              </a:rPr>
-              <a:t> </a:t>
-            </a:r>
-            <a:r>
-              <a:rPr lang="en-US" sz="1600" dirty="0">
-                <a:solidFill>
-                  <a:schemeClr val="bg1"/>
-                </a:solidFill>
-              </a:rPr>
-              <a:t>],</a:t>
-            </a:r>
-          </a:p>
-          <a:p>
-            <a:r>
-              <a:rPr lang="en-US" sz="1600" dirty="0">
-                <a:solidFill>
-                  <a:schemeClr val="bg1"/>
-                </a:solidFill>
-              </a:rPr>
-              <a:t>  "children": [</a:t>
-            </a:r>
-          </a:p>
-          <a:p>
-            <a:r>
-              <a:rPr lang="en-US" sz="1600" dirty="0">
-                <a:solidFill>
-                  <a:schemeClr val="bg1"/>
-                </a:solidFill>
-              </a:rPr>
-              <a:t>    </a:t>
-            </a:r>
-            <a:r>
-              <a:rPr lang="en-US" sz="1600" dirty="0" smtClean="0">
-                <a:solidFill>
-                  <a:schemeClr val="bg1"/>
-                </a:solidFill>
-              </a:rPr>
-              <a:t> {"</a:t>
-            </a:r>
-            <a:r>
-              <a:rPr lang="en-US" sz="1600" dirty="0">
-                <a:solidFill>
-                  <a:schemeClr val="bg1"/>
-                </a:solidFill>
-              </a:rPr>
-              <a:t>name": “identifier“,</a:t>
-            </a:r>
-          </a:p>
-          <a:p>
-            <a:r>
-              <a:rPr lang="en-US" sz="1600" dirty="0">
-                <a:solidFill>
-                  <a:schemeClr val="bg1"/>
-                </a:solidFill>
-              </a:rPr>
-              <a:t>     </a:t>
-            </a:r>
-            <a:r>
-              <a:rPr lang="en-US" sz="1600" dirty="0" smtClean="0">
-                <a:solidFill>
-                  <a:schemeClr val="bg1"/>
-                </a:solidFill>
-              </a:rPr>
-              <a:t> “</a:t>
-            </a:r>
-            <a:r>
-              <a:rPr lang="en-US" sz="1600" dirty="0">
-                <a:solidFill>
-                  <a:schemeClr val="bg1"/>
-                </a:solidFill>
-              </a:rPr>
-              <a:t>age: [“integer”,0</a:t>
-            </a:r>
-            <a:r>
-              <a:rPr lang="en-US" sz="1600" dirty="0" smtClean="0">
-                <a:solidFill>
-                  <a:schemeClr val="bg1"/>
-                </a:solidFill>
-              </a:rPr>
-              <a:t>]}</a:t>
-            </a:r>
-            <a:endParaRPr lang="en-US" sz="1600" dirty="0">
-              <a:solidFill>
-                <a:schemeClr val="bg1"/>
-              </a:solidFill>
-            </a:endParaRPr>
-          </a:p>
-          <a:p>
-            <a:r>
-              <a:rPr lang="en-US" sz="1600" dirty="0">
-                <a:solidFill>
-                  <a:schemeClr val="bg1"/>
-                </a:solidFill>
-              </a:rPr>
-              <a:t>  ]</a:t>
-            </a:r>
-          </a:p>
-          <a:p>
-            <a:r>
-              <a:rPr lang="en-US" sz="1600" dirty="0" smtClean="0">
-                <a:solidFill>
-                  <a:schemeClr val="bg1"/>
-                </a:solidFill>
-              </a:rPr>
-              <a:t>}</a:t>
-            </a:r>
-          </a:p>
-          <a:p>
-            <a:endParaRPr lang="en-US" sz="1600" dirty="0">
-              <a:solidFill>
-                <a:schemeClr val="bg1"/>
-              </a:solidFill>
-            </a:endParaRPr>
-          </a:p>
-        </p:txBody>
-      </p:sp>
-      <p:sp>
-        <p:nvSpPr>
-          <p:cNvPr id="6" name="Rectangle 5"/>
-          <p:cNvSpPr/>
-          <p:nvPr/>
-        </p:nvSpPr>
-        <p:spPr>
-          <a:xfrm>
-            <a:off x="7924803" y="1370368"/>
-            <a:ext cx="3115730" cy="3539430"/>
-          </a:xfrm>
-          <a:prstGeom prst="rect">
-            <a:avLst/>
-          </a:prstGeom>
-          <a:solidFill>
-            <a:schemeClr val="accent1"/>
-          </a:solidFill>
-          <a:ln w="28575">
-            <a:solidFill>
-              <a:schemeClr val="bg2"/>
-            </a:solidFill>
-          </a:ln>
-        </p:spPr>
-        <p:txBody>
-          <a:bodyPr wrap="square">
-            <a:spAutoFit/>
-          </a:bodyPr>
-          <a:lstStyle/>
-          <a:p>
-            <a:pPr marL="112713"/>
-            <a:r>
-              <a:rPr lang="en-US" sz="1600" dirty="0" smtClean="0">
-                <a:solidFill>
-                  <a:schemeClr val="bg2"/>
-                </a:solidFill>
-                <a:latin typeface="Lucida Console" panose="020B0609040504020204" pitchFamily="49" charset="0"/>
-              </a:rPr>
-              <a:t>Filtered Data ...</a:t>
-            </a:r>
-          </a:p>
-          <a:p>
-            <a:pPr marL="112713"/>
-            <a:endParaRPr lang="en-US" sz="1600" dirty="0" smtClean="0">
-              <a:solidFill>
-                <a:schemeClr val="bg2"/>
-              </a:solidFill>
-              <a:latin typeface="Lucida Console" panose="020B0609040504020204" pitchFamily="49" charset="0"/>
-            </a:endParaRPr>
-          </a:p>
-          <a:p>
-            <a:r>
-              <a:rPr lang="en-US" sz="1600" dirty="0">
-                <a:solidFill>
-                  <a:schemeClr val="bg1"/>
-                </a:solidFill>
-              </a:rPr>
-              <a:t>{</a:t>
-            </a:r>
-          </a:p>
-          <a:p>
-            <a:r>
-              <a:rPr lang="en-US" sz="1600" dirty="0">
-                <a:solidFill>
-                  <a:schemeClr val="bg1"/>
-                </a:solidFill>
-              </a:rPr>
-              <a:t>  "parents": [</a:t>
-            </a:r>
-          </a:p>
-          <a:p>
-            <a:r>
-              <a:rPr lang="en-US" sz="1600" dirty="0">
-                <a:solidFill>
-                  <a:schemeClr val="bg1"/>
-                </a:solidFill>
-              </a:rPr>
-              <a:t>    {"name": "</a:t>
-            </a:r>
-            <a:r>
-              <a:rPr lang="en-US" sz="1600" dirty="0" smtClean="0">
-                <a:solidFill>
-                  <a:schemeClr val="bg1"/>
-                </a:solidFill>
-              </a:rPr>
-              <a:t>Jane“, “age”: -1},</a:t>
-            </a:r>
-            <a:endParaRPr lang="en-US" sz="1600" dirty="0">
-              <a:solidFill>
-                <a:schemeClr val="bg1"/>
-              </a:solidFill>
-            </a:endParaRPr>
-          </a:p>
-          <a:p>
-            <a:r>
-              <a:rPr lang="en-US" sz="1600" dirty="0">
-                <a:solidFill>
-                  <a:schemeClr val="bg1"/>
-                </a:solidFill>
-              </a:rPr>
-              <a:t>    {"name": "</a:t>
-            </a:r>
-            <a:r>
-              <a:rPr lang="en-US" sz="1600" dirty="0" smtClean="0">
-                <a:solidFill>
-                  <a:schemeClr val="bg1"/>
-                </a:solidFill>
-              </a:rPr>
-              <a:t>John“, “age”: -1}</a:t>
-            </a:r>
-            <a:endParaRPr lang="en-US" sz="1600" dirty="0">
-              <a:solidFill>
-                <a:schemeClr val="bg1"/>
-              </a:solidFill>
-            </a:endParaRPr>
-          </a:p>
-          <a:p>
-            <a:r>
-              <a:rPr lang="en-US" sz="1600" dirty="0">
-                <a:solidFill>
-                  <a:schemeClr val="bg1"/>
-                </a:solidFill>
-              </a:rPr>
-              <a:t>  ],</a:t>
-            </a:r>
-          </a:p>
-          <a:p>
-            <a:r>
-              <a:rPr lang="en-US" sz="1600" dirty="0">
-                <a:solidFill>
-                  <a:schemeClr val="bg1"/>
-                </a:solidFill>
-              </a:rPr>
-              <a:t>  "children": [</a:t>
-            </a:r>
-          </a:p>
-          <a:p>
-            <a:r>
-              <a:rPr lang="en-US" sz="1600" dirty="0">
-                <a:solidFill>
-                  <a:schemeClr val="bg1"/>
-                </a:solidFill>
-              </a:rPr>
-              <a:t>    {"name": "Tommy", "age": 3},</a:t>
-            </a:r>
-          </a:p>
-          <a:p>
-            <a:r>
-              <a:rPr lang="en-US" sz="1600" dirty="0">
-                <a:solidFill>
-                  <a:schemeClr val="bg1"/>
-                </a:solidFill>
-              </a:rPr>
-              <a:t>    {"name": "Suzy", "age": 1}</a:t>
-            </a:r>
-          </a:p>
-          <a:p>
-            <a:r>
-              <a:rPr lang="en-US" sz="1600" dirty="0">
-                <a:solidFill>
-                  <a:schemeClr val="bg1"/>
-                </a:solidFill>
-              </a:rPr>
-              <a:t>    {"name": </a:t>
-            </a:r>
-            <a:r>
-              <a:rPr lang="en-US" sz="1600" dirty="0" smtClean="0">
-                <a:solidFill>
-                  <a:schemeClr val="bg1"/>
-                </a:solidFill>
-              </a:rPr>
-              <a:t>“", "</a:t>
-            </a:r>
-            <a:r>
-              <a:rPr lang="en-US" sz="1600" dirty="0">
-                <a:solidFill>
-                  <a:schemeClr val="bg1"/>
-                </a:solidFill>
-              </a:rPr>
-              <a:t>age</a:t>
-            </a:r>
-            <a:r>
-              <a:rPr lang="en-US" sz="1600" dirty="0" smtClean="0">
-                <a:solidFill>
-                  <a:schemeClr val="bg1"/>
-                </a:solidFill>
-              </a:rPr>
-              <a:t>": 0}</a:t>
-            </a:r>
-            <a:endParaRPr lang="en-US" sz="1600" dirty="0">
-              <a:solidFill>
-                <a:schemeClr val="bg1"/>
-              </a:solidFill>
-            </a:endParaRPr>
-          </a:p>
-          <a:p>
-            <a:r>
-              <a:rPr lang="en-US" sz="1600" dirty="0">
-                <a:solidFill>
-                  <a:schemeClr val="bg1"/>
-                </a:solidFill>
-              </a:rPr>
-              <a:t>  ]</a:t>
-            </a:r>
-          </a:p>
-          <a:p>
-            <a:r>
-              <a:rPr lang="en-US" sz="1600" dirty="0">
-                <a:solidFill>
-                  <a:schemeClr val="bg1"/>
-                </a:solidFill>
-              </a:rPr>
-              <a:t>}</a:t>
-            </a:r>
-          </a:p>
-          <a:p>
-            <a:endParaRPr lang="en-US" sz="1600" dirty="0">
-              <a:solidFill>
-                <a:schemeClr val="bg1"/>
-              </a:solidFill>
-            </a:endParaRPr>
-          </a:p>
-        </p:txBody>
-      </p:sp>
-      <p:sp>
-        <p:nvSpPr>
-          <p:cNvPr id="7" name="Content Placeholder 2"/>
-          <p:cNvSpPr txBox="1">
-            <a:spLocks/>
-          </p:cNvSpPr>
-          <p:nvPr/>
-        </p:nvSpPr>
-        <p:spPr>
-          <a:xfrm>
-            <a:off x="886000" y="5276323"/>
-            <a:ext cx="8596668" cy="1474433"/>
-          </a:xfrm>
-          <a:prstGeom prst="rect">
-            <a:avLst/>
-          </a:prstGeom>
-        </p:spPr>
-        <p:txBody>
-          <a:bodyPr>
-            <a:normAutofit fontScale="85000" lnSpcReduction="10000"/>
-          </a:bodyPr>
-          <a:lstStyle>
-            <a:lvl1pPr marL="342900" indent="-342900" algn="l" defTabSz="457200" rtl="0" eaLnBrk="1" latinLnBrk="0" hangingPunct="1">
-              <a:spcBef>
-                <a:spcPts val="1000"/>
-              </a:spcBef>
-              <a:spcAft>
-                <a:spcPts val="0"/>
-              </a:spcAft>
-              <a:buClr>
-                <a:schemeClr val="accent1"/>
-              </a:buClr>
-              <a:buSzPct val="80000"/>
-              <a:buFont typeface="Wingdings 3" charset="2"/>
-              <a:buChar char=""/>
-              <a:defRPr sz="1800" kern="1200">
-                <a:solidFill>
-                  <a:schemeClr val="tx1">
-                    <a:lumMod val="75000"/>
-                    <a:lumOff val="25000"/>
-                  </a:schemeClr>
-                </a:solidFill>
-                <a:latin typeface="+mn-lt"/>
-                <a:ea typeface="+mn-ea"/>
-                <a:cs typeface="+mn-cs"/>
-              </a:defRPr>
-            </a:lvl1pPr>
-            <a:lvl2pPr marL="742950" indent="-285750" algn="l" defTabSz="457200" rtl="0" eaLnBrk="1" latinLnBrk="0" hangingPunct="1">
-              <a:spcBef>
-                <a:spcPts val="1000"/>
-              </a:spcBef>
-              <a:spcAft>
-                <a:spcPts val="0"/>
-              </a:spcAft>
-              <a:buClr>
-                <a:schemeClr val="accent1"/>
-              </a:buClr>
-              <a:buSzPct val="80000"/>
-              <a:buFont typeface="Wingdings 3" charset="2"/>
-              <a:buChar char=""/>
-              <a:defRPr sz="1600" kern="1200">
-                <a:solidFill>
-                  <a:schemeClr val="tx1">
-                    <a:lumMod val="75000"/>
-                    <a:lumOff val="25000"/>
-                  </a:schemeClr>
-                </a:solidFill>
-                <a:latin typeface="+mn-lt"/>
-                <a:ea typeface="+mn-ea"/>
-                <a:cs typeface="+mn-cs"/>
-              </a:defRPr>
-            </a:lvl2pPr>
-            <a:lvl3pPr marL="1143000" indent="-228600" algn="l" defTabSz="457200" rtl="0" eaLnBrk="1" latinLnBrk="0" hangingPunct="1">
-              <a:spcBef>
-                <a:spcPts val="1000"/>
-              </a:spcBef>
-              <a:spcAft>
-                <a:spcPts val="0"/>
-              </a:spcAft>
-              <a:buClr>
-                <a:schemeClr val="accent1"/>
-              </a:buClr>
-              <a:buSzPct val="80000"/>
-              <a:buFont typeface="Wingdings 3" charset="2"/>
-              <a:buChar char=""/>
-              <a:defRPr sz="1400" kern="1200">
-                <a:solidFill>
-                  <a:schemeClr val="tx1">
-                    <a:lumMod val="75000"/>
-                    <a:lumOff val="25000"/>
-                  </a:schemeClr>
-                </a:solidFill>
-                <a:latin typeface="+mn-lt"/>
-                <a:ea typeface="+mn-ea"/>
-                <a:cs typeface="+mn-cs"/>
-              </a:defRPr>
-            </a:lvl3pPr>
-            <a:lvl4pPr marL="1600200" indent="-228600" algn="l" defTabSz="457200" rtl="0" eaLnBrk="1" latinLnBrk="0" hangingPunct="1">
-              <a:spcBef>
-                <a:spcPts val="1000"/>
-              </a:spcBef>
-              <a:spcAft>
-                <a:spcPts val="0"/>
-              </a:spcAft>
-              <a:buClr>
-                <a:schemeClr val="accent1"/>
-              </a:buClr>
-              <a:buSzPct val="80000"/>
-              <a:buFont typeface="Wingdings 3" charset="2"/>
-              <a:buChar char=""/>
-              <a:defRPr sz="1200" kern="1200">
-                <a:solidFill>
-                  <a:schemeClr val="tx1">
-                    <a:lumMod val="75000"/>
-                    <a:lumOff val="25000"/>
-                  </a:schemeClr>
-                </a:solidFill>
-                <a:latin typeface="+mn-lt"/>
-                <a:ea typeface="+mn-ea"/>
-                <a:cs typeface="+mn-cs"/>
-              </a:defRPr>
-            </a:lvl4pPr>
-            <a:lvl5pPr marL="2057400" indent="-228600" algn="l" defTabSz="457200" rtl="0" eaLnBrk="1" latinLnBrk="0" hangingPunct="1">
-              <a:spcBef>
-                <a:spcPts val="1000"/>
-              </a:spcBef>
-              <a:spcAft>
-                <a:spcPts val="0"/>
-              </a:spcAft>
-              <a:buClr>
-                <a:schemeClr val="accent1"/>
-              </a:buClr>
-              <a:buSzPct val="80000"/>
-              <a:buFont typeface="Wingdings 3" charset="2"/>
-              <a:buChar char=""/>
-              <a:defRPr sz="1200" kern="1200">
-                <a:solidFill>
-                  <a:schemeClr val="tx1">
-                    <a:lumMod val="75000"/>
-                    <a:lumOff val="25000"/>
-                  </a:schemeClr>
-                </a:solidFill>
-                <a:latin typeface="+mn-lt"/>
-                <a:ea typeface="+mn-ea"/>
-                <a:cs typeface="+mn-cs"/>
-              </a:defRPr>
-            </a:lvl5pPr>
-            <a:lvl6pPr marL="2514600" indent="-228600" algn="l" defTabSz="457200" rtl="0" eaLnBrk="1" latinLnBrk="0" hangingPunct="1">
-              <a:spcBef>
-                <a:spcPts val="1000"/>
-              </a:spcBef>
-              <a:spcAft>
-                <a:spcPts val="0"/>
-              </a:spcAft>
-              <a:buClr>
-                <a:schemeClr val="accent1"/>
-              </a:buClr>
-              <a:buSzPct val="80000"/>
-              <a:buFont typeface="Wingdings 3" charset="2"/>
-              <a:buChar char=""/>
-              <a:defRPr sz="1200" kern="1200">
-                <a:solidFill>
-                  <a:schemeClr val="tx1">
-                    <a:lumMod val="75000"/>
-                    <a:lumOff val="25000"/>
-                  </a:schemeClr>
-                </a:solidFill>
-                <a:latin typeface="+mn-lt"/>
-                <a:ea typeface="+mn-ea"/>
-                <a:cs typeface="+mn-cs"/>
-              </a:defRPr>
-            </a:lvl6pPr>
-            <a:lvl7pPr marL="2971800" indent="-228600" algn="l" defTabSz="457200" rtl="0" eaLnBrk="1" latinLnBrk="0" hangingPunct="1">
-              <a:spcBef>
-                <a:spcPts val="1000"/>
-              </a:spcBef>
-              <a:spcAft>
-                <a:spcPts val="0"/>
-              </a:spcAft>
-              <a:buClr>
-                <a:schemeClr val="accent1"/>
-              </a:buClr>
-              <a:buSzPct val="80000"/>
-              <a:buFont typeface="Wingdings 3" charset="2"/>
-              <a:buChar char=""/>
-              <a:defRPr sz="1200" kern="1200">
-                <a:solidFill>
-                  <a:schemeClr val="tx1">
-                    <a:lumMod val="75000"/>
-                    <a:lumOff val="25000"/>
-                  </a:schemeClr>
-                </a:solidFill>
-                <a:latin typeface="+mn-lt"/>
-                <a:ea typeface="+mn-ea"/>
-                <a:cs typeface="+mn-cs"/>
-              </a:defRPr>
-            </a:lvl7pPr>
-            <a:lvl8pPr marL="3429000" indent="-228600" algn="l" defTabSz="457200" rtl="0" eaLnBrk="1" latinLnBrk="0" hangingPunct="1">
-              <a:spcBef>
-                <a:spcPts val="1000"/>
-              </a:spcBef>
-              <a:spcAft>
-                <a:spcPts val="0"/>
-              </a:spcAft>
-              <a:buClr>
-                <a:schemeClr val="accent1"/>
-              </a:buClr>
-              <a:buSzPct val="80000"/>
-              <a:buFont typeface="Wingdings 3" charset="2"/>
-              <a:buChar char=""/>
-              <a:defRPr sz="1200" kern="1200">
-                <a:solidFill>
-                  <a:schemeClr val="tx1">
-                    <a:lumMod val="75000"/>
-                    <a:lumOff val="25000"/>
-                  </a:schemeClr>
-                </a:solidFill>
-                <a:latin typeface="+mn-lt"/>
-                <a:ea typeface="+mn-ea"/>
-                <a:cs typeface="+mn-cs"/>
-              </a:defRPr>
-            </a:lvl8pPr>
-            <a:lvl9pPr marL="3886200" indent="-228600" algn="l" defTabSz="457200" rtl="0" eaLnBrk="1" latinLnBrk="0" hangingPunct="1">
-              <a:spcBef>
-                <a:spcPts val="1000"/>
-              </a:spcBef>
-              <a:spcAft>
-                <a:spcPts val="0"/>
-              </a:spcAft>
-              <a:buClr>
-                <a:schemeClr val="accent1"/>
-              </a:buClr>
-              <a:buSzPct val="80000"/>
-              <a:buFont typeface="Wingdings 3" charset="2"/>
-              <a:buChar char=""/>
-              <a:defRPr sz="1200" kern="1200">
-                <a:solidFill>
-                  <a:schemeClr val="tx1">
-                    <a:lumMod val="75000"/>
-                    <a:lumOff val="25000"/>
-                  </a:schemeClr>
-                </a:solidFill>
-                <a:latin typeface="+mn-lt"/>
-                <a:ea typeface="+mn-ea"/>
-                <a:cs typeface="+mn-cs"/>
-              </a:defRPr>
-            </a:lvl9pPr>
-          </a:lstStyle>
-          <a:p>
-            <a:pPr marL="0" indent="0">
-              <a:buNone/>
-            </a:pPr>
-            <a:r>
-              <a:rPr lang="en-US" dirty="0" smtClean="0"/>
-              <a:t>Notes: </a:t>
-            </a:r>
-          </a:p>
-          <a:p>
-            <a:pPr>
-              <a:buFont typeface="+mj-lt"/>
-              <a:buAutoNum type="arabicPeriod"/>
-            </a:pPr>
-            <a:r>
-              <a:rPr lang="en-US" dirty="0" smtClean="0"/>
-              <a:t>items not in filter, such as “hack” field do not pass.</a:t>
-            </a:r>
-          </a:p>
-          <a:p>
-            <a:pPr>
-              <a:buFont typeface="+mj-lt"/>
-              <a:buAutoNum type="arabicPeriod"/>
-            </a:pPr>
-            <a:r>
-              <a:rPr lang="en-US" dirty="0" smtClean="0"/>
-              <a:t>Items, such as malformed third child, may pass, but data will comply with the filter.</a:t>
-            </a:r>
-          </a:p>
-          <a:p>
-            <a:pPr>
-              <a:buFont typeface="+mj-lt"/>
-              <a:buAutoNum type="arabicPeriod"/>
-            </a:pPr>
-            <a:r>
-              <a:rPr lang="en-US" dirty="0" smtClean="0"/>
-              <a:t>Missing data can be completed with defaults, as in the parent ages.</a:t>
-            </a:r>
+              <a:rPr lang="en-US" dirty="0" smtClean="0"/>
+              <a:t>The </a:t>
+            </a:r>
+            <a:r>
+              <a:rPr lang="en-US" dirty="0" err="1" smtClean="0"/>
+              <a:t>SafeData</a:t>
+            </a:r>
+            <a:r>
+              <a:rPr lang="en-US" dirty="0" smtClean="0"/>
+              <a:t> filter is defined as </a:t>
+            </a:r>
+            <a:r>
+              <a:rPr lang="en-US" dirty="0" smtClean="0">
+                <a:solidFill>
+                  <a:schemeClr val="accent1"/>
+                </a:solidFill>
+              </a:rPr>
+              <a:t>a JSON object matching the </a:t>
+            </a:r>
+            <a:r>
+              <a:rPr lang="en-US" u="sng" dirty="0" smtClean="0">
+                <a:solidFill>
+                  <a:schemeClr val="accent1"/>
+                </a:solidFill>
+              </a:rPr>
+              <a:t>structure</a:t>
+            </a:r>
+            <a:r>
+              <a:rPr lang="en-US" dirty="0" smtClean="0">
+                <a:solidFill>
+                  <a:schemeClr val="accent1"/>
+                </a:solidFill>
+              </a:rPr>
+              <a:t> of the expected input data</a:t>
+            </a:r>
+            <a:r>
+              <a:rPr lang="en-US" dirty="0"/>
+              <a:t>.</a:t>
+            </a:r>
+            <a:endParaRPr lang="en-US" dirty="0" smtClean="0"/>
+          </a:p>
+          <a:p>
+            <a:r>
+              <a:rPr lang="en-US" dirty="0" smtClean="0"/>
+              <a:t>All JSON objects eventually resolve to individual scalar values (i.e. numbers, text, Booleans). </a:t>
+            </a:r>
+            <a:r>
+              <a:rPr lang="en-US" u="sng" dirty="0" smtClean="0"/>
+              <a:t>In the filter object</a:t>
+            </a:r>
+            <a:r>
+              <a:rPr lang="en-US" dirty="0" smtClean="0"/>
+              <a:t>, these values are defined by </a:t>
+            </a:r>
+            <a:r>
+              <a:rPr lang="en-US" i="1" dirty="0" smtClean="0">
+                <a:solidFill>
+                  <a:schemeClr val="accent1"/>
+                </a:solidFill>
+              </a:rPr>
+              <a:t>types</a:t>
+            </a:r>
+            <a:r>
+              <a:rPr lang="en-US" dirty="0" smtClean="0"/>
+              <a:t>, such as integer, Boolean, choices, or regular expressions instead of actual values.</a:t>
+            </a:r>
+          </a:p>
+          <a:p>
+            <a:r>
+              <a:rPr lang="en-US" dirty="0" smtClean="0"/>
+              <a:t>Each scalar in the filter may have a </a:t>
+            </a:r>
+            <a:r>
+              <a:rPr lang="en-US" i="1" dirty="0" smtClean="0">
+                <a:solidFill>
+                  <a:schemeClr val="accent1"/>
+                </a:solidFill>
+              </a:rPr>
+              <a:t>default</a:t>
+            </a:r>
+            <a:r>
+              <a:rPr lang="en-US" dirty="0" smtClean="0"/>
+              <a:t> by defining the scalar filter with an array containing the type and default, for example: ['integer',</a:t>
+            </a:r>
+            <a:r>
+              <a:rPr lang="en-US" dirty="0" smtClean="0">
+                <a:solidFill>
+                  <a:schemeClr val="accent1"/>
+                </a:solidFill>
+              </a:rPr>
+              <a:t>4</a:t>
+            </a:r>
+            <a:r>
+              <a:rPr lang="en-US" dirty="0" smtClean="0"/>
+              <a:t>].</a:t>
+            </a:r>
+          </a:p>
+          <a:p>
+            <a:r>
+              <a:rPr lang="en-US" dirty="0" smtClean="0"/>
+              <a:t>Since many queries involve an array of repetitive fields, such as an array of database entries, the filtering algorithm implements a </a:t>
+            </a:r>
+            <a:r>
+              <a:rPr lang="en-US" u="sng" dirty="0" smtClean="0"/>
+              <a:t>shortcut</a:t>
+            </a:r>
+            <a:r>
+              <a:rPr lang="en-US" dirty="0" smtClean="0"/>
+              <a:t> syntax where an array defined with only a single filter entry will automatically apply to all entries of the data array.</a:t>
+            </a:r>
+          </a:p>
+          <a:p>
+            <a:endParaRPr lang="en-US" dirty="0" smtClean="0"/>
+          </a:p>
+          <a:p>
             <a:endParaRPr lang="en-US" dirty="0"/>
           </a:p>
         </p:txBody>
@@ -11080,7 +10827,7 @@
     </p:spTree>
     <p:extLst>
       <p:ext uri="{BB962C8B-B14F-4D97-AF65-F5344CB8AC3E}">
-        <p14:creationId xmlns:p14="http://schemas.microsoft.com/office/powerpoint/2010/main" val="4175682748"/>
+        <p14:creationId xmlns:p14="http://schemas.microsoft.com/office/powerpoint/2010/main" val="3116495589"/>
       </p:ext>
     </p:extLst>
   </p:cSld>
@@ -11128,7 +10875,15 @@
             </a:r>
             <a:r>
               <a:rPr lang="en-US" dirty="0" smtClean="0"/>
-              <a:t> Types</a:t>
+              <a:t> Scalar Type </a:t>
+            </a:r>
+            <a:r>
+              <a:rPr lang="en-US" dirty="0"/>
+              <a:t>I</a:t>
+            </a:r>
+            <a:r>
+              <a:rPr lang="en-US" dirty="0" smtClean="0"/>
+              <a:t>dentifiers</a:t>
             </a:r>
             <a:endParaRPr lang="en-US" dirty="0"/>
           </a:p>
@@ -11144,12 +10899,466 @@
             <p:ph idx="1"/>
           </p:nvPr>
         </p:nvSpPr>
-        <p:spPr/>
-        <p:txBody>
-          <a:bodyPr/>
+        <p:spPr>
+          <a:xfrm>
+            <a:off x="677335" y="2160591"/>
+            <a:ext cx="8596668" cy="3703340"/>
+          </a:xfrm>
+        </p:spPr>
+        <p:txBody>
+          <a:bodyPr>
+            <a:normAutofit fontScale="85000" lnSpcReduction="20000"/>
+          </a:bodyPr>
           <a:lstStyle/>
           <a:p>
+            <a:r>
+              <a:rPr lang="en-US" dirty="0" smtClean="0"/>
+              <a:t>'undefined': Always returns JavaScript </a:t>
+            </a:r>
+            <a:r>
+              <a:rPr lang="en-US" i="1" dirty="0" smtClean="0">
+                <a:solidFill>
+                  <a:schemeClr val="accent1"/>
+                </a:solidFill>
+              </a:rPr>
+              <a:t>undefined</a:t>
+            </a:r>
+            <a:r>
+              <a:rPr lang="en-US" dirty="0" smtClean="0"/>
+              <a:t> value.</a:t>
+            </a:r>
+          </a:p>
+          <a:p>
+            <a:r>
+              <a:rPr lang="en-US" dirty="0" smtClean="0"/>
+              <a:t>‘null': Always returns JavaScript </a:t>
+            </a:r>
+            <a:r>
+              <a:rPr lang="en-US" i="1" dirty="0" smtClean="0">
+                <a:solidFill>
+                  <a:schemeClr val="accent1"/>
+                </a:solidFill>
+              </a:rPr>
+              <a:t>null</a:t>
+            </a:r>
+            <a:r>
+              <a:rPr lang="en-US" dirty="0" smtClean="0"/>
+              <a:t> value.</a:t>
+            </a:r>
+          </a:p>
+          <a:p>
+            <a:r>
+              <a:rPr lang="en-US" dirty="0" smtClean="0"/>
+              <a:t>'&lt;empty string&gt;': Returns and </a:t>
+            </a:r>
+            <a:r>
+              <a:rPr lang="en-US" i="1" dirty="0" smtClean="0">
+                <a:solidFill>
+                  <a:schemeClr val="accent1"/>
+                </a:solidFill>
+              </a:rPr>
+              <a:t>empty string </a:t>
+            </a:r>
+            <a:r>
+              <a:rPr lang="en-US" dirty="0" smtClean="0"/>
+              <a:t>or </a:t>
+            </a:r>
+            <a:r>
+              <a:rPr lang="en-US" i="1" dirty="0" smtClean="0">
+                <a:solidFill>
+                  <a:schemeClr val="accent1"/>
+                </a:solidFill>
+              </a:rPr>
+              <a:t>default</a:t>
+            </a:r>
+            <a:r>
+              <a:rPr lang="en-US" dirty="0" smtClean="0"/>
+              <a:t> value.</a:t>
+            </a:r>
+          </a:p>
+          <a:p>
+            <a:r>
+              <a:rPr lang="en-US" dirty="0"/>
+              <a:t>'</a:t>
+            </a:r>
+            <a:r>
+              <a:rPr lang="en-US" dirty="0" err="1"/>
+              <a:t>boolean</a:t>
+            </a:r>
+            <a:r>
+              <a:rPr lang="en-US" dirty="0"/>
+              <a:t>': Returns </a:t>
+            </a:r>
+            <a:r>
+              <a:rPr lang="en-US" i="1" dirty="0">
+                <a:solidFill>
+                  <a:schemeClr val="accent1"/>
+                </a:solidFill>
+              </a:rPr>
+              <a:t>true</a:t>
+            </a:r>
+            <a:r>
+              <a:rPr lang="en-US" dirty="0"/>
+              <a:t> or </a:t>
+            </a:r>
+            <a:r>
+              <a:rPr lang="en-US" i="1" dirty="0">
+                <a:solidFill>
+                  <a:schemeClr val="accent1"/>
+                </a:solidFill>
+              </a:rPr>
+              <a:t>false</a:t>
+            </a:r>
+            <a:r>
+              <a:rPr lang="en-US" dirty="0"/>
+              <a:t>.</a:t>
+            </a:r>
+          </a:p>
+          <a:p>
+            <a:r>
+              <a:rPr lang="en-US" dirty="0" smtClean="0"/>
+              <a:t>'integer': </a:t>
+            </a:r>
+            <a:r>
+              <a:rPr lang="en-US" dirty="0"/>
+              <a:t>Returns </a:t>
+            </a:r>
+            <a:r>
+              <a:rPr lang="en-US" dirty="0" smtClean="0"/>
+              <a:t>the </a:t>
+            </a:r>
+            <a:r>
+              <a:rPr lang="en-US" i="1" dirty="0" smtClean="0">
+                <a:solidFill>
+                  <a:schemeClr val="accent1"/>
+                </a:solidFill>
+              </a:rPr>
+              <a:t>integer</a:t>
+            </a:r>
+            <a:r>
+              <a:rPr lang="en-US" dirty="0" smtClean="0"/>
+              <a:t> </a:t>
+            </a:r>
+            <a:r>
+              <a:rPr lang="en-US" dirty="0"/>
+              <a:t>value </a:t>
+            </a:r>
+            <a:r>
+              <a:rPr lang="en-US" dirty="0" smtClean="0"/>
+              <a:t>of the input string, or </a:t>
+            </a:r>
+            <a:r>
+              <a:rPr lang="en-US" i="1" dirty="0" smtClean="0">
+                <a:solidFill>
+                  <a:schemeClr val="accent1"/>
+                </a:solidFill>
+              </a:rPr>
+              <a:t>default</a:t>
+            </a:r>
+            <a:r>
+              <a:rPr lang="en-US" dirty="0" smtClean="0"/>
+              <a:t>, or </a:t>
+            </a:r>
+            <a:r>
+              <a:rPr lang="en-US" i="1" dirty="0" smtClean="0">
+                <a:solidFill>
+                  <a:schemeClr val="accent1"/>
+                </a:solidFill>
+              </a:rPr>
+              <a:t>0</a:t>
+            </a:r>
+            <a:r>
+              <a:rPr lang="en-US" dirty="0" smtClean="0"/>
+              <a:t>.</a:t>
+            </a:r>
             <a:endParaRPr lang="en-US" dirty="0"/>
+          </a:p>
+          <a:p>
+            <a:r>
+              <a:rPr lang="en-US" dirty="0" smtClean="0"/>
+              <a:t>'</a:t>
+            </a:r>
+            <a:r>
+              <a:rPr lang="en-US" dirty="0"/>
+              <a:t>numeric</a:t>
+            </a:r>
+            <a:r>
+              <a:rPr lang="en-US" dirty="0" smtClean="0"/>
+              <a:t>': Returns a </a:t>
+            </a:r>
+            <a:r>
+              <a:rPr lang="en-US" i="1" dirty="0" smtClean="0">
+                <a:solidFill>
+                  <a:schemeClr val="accent1"/>
+                </a:solidFill>
+              </a:rPr>
+              <a:t>fixed</a:t>
+            </a:r>
+            <a:r>
+              <a:rPr lang="en-US" dirty="0" smtClean="0"/>
+              <a:t>/</a:t>
+            </a:r>
+            <a:r>
+              <a:rPr lang="en-US" i="1" dirty="0" smtClean="0">
+                <a:solidFill>
+                  <a:schemeClr val="accent1"/>
+                </a:solidFill>
+              </a:rPr>
+              <a:t>floating point </a:t>
+            </a:r>
+            <a:r>
+              <a:rPr lang="en-US" dirty="0" smtClean="0"/>
+              <a:t>equivalent, or </a:t>
+            </a:r>
+            <a:r>
+              <a:rPr lang="en-US" i="1" dirty="0" smtClean="0">
+                <a:solidFill>
+                  <a:schemeClr val="accent1"/>
+                </a:solidFill>
+              </a:rPr>
+              <a:t>default</a:t>
+            </a:r>
+            <a:r>
+              <a:rPr lang="en-US" dirty="0" smtClean="0"/>
+              <a:t>, or </a:t>
+            </a:r>
+            <a:r>
+              <a:rPr lang="en-US" i="1" dirty="0" smtClean="0">
+                <a:solidFill>
+                  <a:schemeClr val="accent1"/>
+                </a:solidFill>
+              </a:rPr>
+              <a:t>0</a:t>
+            </a:r>
+            <a:r>
+              <a:rPr lang="en-US" dirty="0" smtClean="0"/>
+              <a:t>.</a:t>
+            </a:r>
+            <a:endParaRPr lang="en-US" dirty="0"/>
+          </a:p>
+          <a:p>
+            <a:r>
+              <a:rPr lang="en-US" dirty="0" smtClean="0"/>
+              <a:t>'date': Returns a JavaScript date parsed from the input, or a new Date in the style specified by the default value or in ISO format if no default specified.</a:t>
+            </a:r>
+            <a:endParaRPr lang="en-US" dirty="0"/>
+          </a:p>
+          <a:p>
+            <a:r>
+              <a:rPr lang="en-US" dirty="0" smtClean="0"/>
+              <a:t>'choice': Returns a value from a comma delimited list of choices, or first item of list if input does not match.</a:t>
+            </a:r>
+          </a:p>
+          <a:p>
+            <a:r>
+              <a:rPr lang="en-US" dirty="0" smtClean="0"/>
+              <a:t>'text': Uses regular expression /^[^\/&lt;&gt;]+/ with RE filter.</a:t>
+            </a:r>
+          </a:p>
+          <a:p>
+            <a:r>
+              <a:rPr lang="en-US" dirty="0" smtClean="0"/>
+              <a:t>Any other string: Accepts an arbitrary </a:t>
+            </a:r>
+            <a:r>
+              <a:rPr lang="en-US" i="1" dirty="0" smtClean="0">
+                <a:solidFill>
+                  <a:schemeClr val="accent1"/>
+                </a:solidFill>
+              </a:rPr>
+              <a:t>regular expression </a:t>
+            </a:r>
+            <a:r>
+              <a:rPr lang="en-US" dirty="0" smtClean="0"/>
+              <a:t>and filters accordingly or returns </a:t>
+            </a:r>
+            <a:r>
+              <a:rPr lang="en-US" u="sng" dirty="0" smtClean="0">
+                <a:solidFill>
+                  <a:schemeClr val="accent1"/>
+                </a:solidFill>
+              </a:rPr>
+              <a:t>default</a:t>
+            </a:r>
+            <a:r>
+              <a:rPr lang="en-US" dirty="0" smtClean="0"/>
+              <a:t> or </a:t>
+            </a:r>
+            <a:r>
+              <a:rPr lang="en-US" i="1" dirty="0" smtClean="0">
+                <a:solidFill>
+                  <a:schemeClr val="accent1"/>
+                </a:solidFill>
+              </a:rPr>
+              <a:t>empty string</a:t>
+            </a:r>
+            <a:r>
+              <a:rPr lang="en-US" dirty="0" smtClean="0"/>
+              <a:t>.</a:t>
+            </a:r>
+            <a:endParaRPr lang="en-US" dirty="0"/>
+          </a:p>
+          <a:p>
+            <a:endParaRPr lang="en-US" dirty="0"/>
+          </a:p>
+        </p:txBody>
+      </p:sp>
+      <p:sp>
+        <p:nvSpPr>
+          <p:cNvPr id="4" name="Rectangle 3"/>
+          <p:cNvSpPr/>
+          <p:nvPr/>
+        </p:nvSpPr>
+        <p:spPr>
+          <a:xfrm>
+            <a:off x="677335" y="5863930"/>
+            <a:ext cx="8848502" cy="707886"/>
+          </a:xfrm>
+          <a:prstGeom prst="rect">
+            <a:avLst/>
+          </a:prstGeom>
+          <a:ln w="31750" cmpd="sng">
+            <a:solidFill>
+              <a:srgbClr val="00B0F0"/>
+            </a:solidFill>
+          </a:ln>
+        </p:spPr>
+        <p:style>
+          <a:lnRef idx="0">
+            <a:scrgbClr r="0" g="0" b="0"/>
+          </a:lnRef>
+          <a:fillRef idx="1001">
+            <a:schemeClr val="dk1"/>
+          </a:fillRef>
+          <a:effectRef idx="0">
+            <a:scrgbClr r="0" g="0" b="0"/>
+          </a:effectRef>
+          <a:fontRef idx="major"/>
+        </p:style>
+        <p:txBody>
+          <a:bodyPr wrap="square" lIns="228600" tIns="137160" rIns="228600" bIns="137160">
+            <a:spAutoFit/>
+          </a:bodyPr>
+          <a:lstStyle/>
+          <a:p>
+            <a:pPr marL="0" lvl="1"/>
+            <a:r>
+              <a:rPr lang="en-US" sz="1400" dirty="0" smtClean="0">
+                <a:solidFill>
+                  <a:srgbClr val="00B0F0"/>
+                </a:solidFill>
+              </a:rPr>
+              <a:t>WARNING: It is NOT sufficient to rely on client-side filtering as this may be spoofed by bad actors; however, pre-filtering client-side ensures the users data entry matches the server-side filter.</a:t>
+            </a:r>
+            <a:endParaRPr lang="en-US" sz="1400" dirty="0">
+              <a:solidFill>
+                <a:srgbClr val="00B0F0"/>
+              </a:solidFill>
+            </a:endParaRPr>
+          </a:p>
+        </p:txBody>
+      </p:sp>
+      <p:sp>
+        <p:nvSpPr>
+          <p:cNvPr id="5" name="Rectangle 4"/>
+          <p:cNvSpPr/>
+          <p:nvPr/>
+        </p:nvSpPr>
+        <p:spPr>
+          <a:xfrm>
+            <a:off x="9155289" y="1596146"/>
+            <a:ext cx="2673480" cy="3754874"/>
+          </a:xfrm>
+          <a:prstGeom prst="rect">
+            <a:avLst/>
+          </a:prstGeom>
+          <a:solidFill>
+            <a:schemeClr val="accent1"/>
+          </a:solidFill>
+          <a:ln w="28575">
+            <a:solidFill>
+              <a:schemeClr val="bg2"/>
+            </a:solidFill>
+          </a:ln>
+        </p:spPr>
+        <p:txBody>
+          <a:bodyPr wrap="square">
+            <a:spAutoFit/>
+          </a:bodyPr>
+          <a:lstStyle/>
+          <a:p>
+            <a:pPr marL="112713"/>
+            <a:r>
+              <a:rPr lang="en-US" sz="1400" dirty="0">
+                <a:solidFill>
+                  <a:schemeClr val="bg2"/>
+                </a:solidFill>
+                <a:latin typeface="Lucida Console" panose="020B0609040504020204" pitchFamily="49" charset="0"/>
+              </a:rPr>
+              <a:t>NOTE: Types represented by string names, not the actual JavaScript data types, while the return values are of the specified types.</a:t>
+            </a:r>
+          </a:p>
+          <a:p>
+            <a:pPr marL="112713"/>
+            <a:endParaRPr lang="en-US" sz="1400" dirty="0" smtClean="0">
+              <a:solidFill>
+                <a:schemeClr val="bg2"/>
+              </a:solidFill>
+              <a:latin typeface="Lucida Console" panose="020B0609040504020204" pitchFamily="49" charset="0"/>
+            </a:endParaRPr>
+          </a:p>
+          <a:p>
+            <a:pPr marL="112713"/>
+            <a:r>
+              <a:rPr lang="en-US" sz="1400" dirty="0" smtClean="0">
+                <a:solidFill>
+                  <a:schemeClr val="bg2"/>
+                </a:solidFill>
+                <a:latin typeface="Lucida Console" panose="020B0609040504020204" pitchFamily="49" charset="0"/>
+              </a:rPr>
+              <a:t>FYI: A '</a:t>
+            </a:r>
+            <a:r>
+              <a:rPr lang="en-US" sz="1400" b="1" dirty="0" smtClean="0">
+                <a:solidFill>
+                  <a:schemeClr val="bg2"/>
+                </a:solidFill>
+                <a:latin typeface="Lucida Console" panose="020B0609040504020204" pitchFamily="49" charset="0"/>
+              </a:rPr>
+              <a:t>*</a:t>
+            </a:r>
+            <a:r>
+              <a:rPr lang="en-US" sz="1400" dirty="0" smtClean="0">
+                <a:solidFill>
+                  <a:schemeClr val="bg2"/>
+                </a:solidFill>
+                <a:latin typeface="Lucida Console" panose="020B0609040504020204" pitchFamily="49" charset="0"/>
+              </a:rPr>
+              <a:t>‘ filter value will bypass filtering, even for an entire branch. NOT recommended for use, except for admin restricted queries or in </a:t>
+            </a:r>
+            <a:r>
+              <a:rPr lang="en-US" sz="1400" dirty="0">
+                <a:solidFill>
+                  <a:schemeClr val="bg2"/>
+                </a:solidFill>
+                <a:latin typeface="Lucida Console" panose="020B0609040504020204" pitchFamily="49" charset="0"/>
+              </a:rPr>
+              <a:t>temporary </a:t>
+            </a:r>
+            <a:r>
+              <a:rPr lang="en-US" sz="1400" dirty="0" smtClean="0">
+                <a:solidFill>
+                  <a:schemeClr val="bg2"/>
+                </a:solidFill>
+                <a:latin typeface="Lucida Console" panose="020B0609040504020204" pitchFamily="49" charset="0"/>
+              </a:rPr>
+              <a:t>recipe testing!</a:t>
+            </a:r>
+            <a:endParaRPr lang="en-US" sz="1400" dirty="0">
+              <a:solidFill>
+                <a:schemeClr val="bg1"/>
+              </a:solidFill>
+            </a:endParaRPr>
           </a:p>
         </p:txBody>
       </p:sp>
@@ -11163,6 +11372,13 @@
   <p:clrMapOvr>
     <a:masterClrMapping/>
   </p:clrMapOvr>
+  <p:timing>
+    <p:tnLst>
+      <p:par>
+        <p:cTn id="1" dur="indefinite" restart="never" nodeType="tmRoot"/>
+      </p:par>
+    </p:tnLst>
+  </p:timing>
 </p:sld>
 </file>
 
@@ -11279,8 +11495,12 @@
           <a:lstStyle/>
           <a:p>
             <a:r>
-              <a:rPr lang="en-US" dirty="0" smtClean="0"/>
-              <a:t>@&lt;action&gt; Endpoints</a:t>
+              <a:rPr lang="en-US" dirty="0" err="1" smtClean="0"/>
+              <a:t>SafeData</a:t>
+            </a:r>
+            <a:r>
+              <a:rPr lang="en-US" dirty="0" smtClean="0"/>
+              <a:t> Filter Example</a:t>
             </a:r>
             <a:endParaRPr lang="en-US" dirty="0"/>
           </a:p>
@@ -11288,12 +11508,1084 @@
       </p:sp>
       <p:sp>
         <p:nvSpPr>
-          <p:cNvPr id="3" name="Content Placeholder 2"/>
-          <p:cNvSpPr>
-            <a:spLocks noGrp="1"/>
-          </p:cNvSpPr>
-          <p:nvPr>
-            <p:ph idx="1"/>
+          <p:cNvPr id="4" name="Rectangle 3"/>
+          <p:cNvSpPr/>
+          <p:nvPr/>
+        </p:nvSpPr>
+        <p:spPr>
+          <a:xfrm>
+            <a:off x="677335" y="1370368"/>
+            <a:ext cx="3059287" cy="3785652"/>
+          </a:xfrm>
+          <a:prstGeom prst="rect">
+            <a:avLst/>
+          </a:prstGeom>
+          <a:solidFill>
+            <a:schemeClr val="accent1"/>
+          </a:solidFill>
+          <a:ln w="28575">
+            <a:solidFill>
+              <a:schemeClr val="bg2"/>
+            </a:solidFill>
+          </a:ln>
+        </p:spPr>
+        <p:txBody>
+          <a:bodyPr wrap="square">
+            <a:spAutoFit/>
+          </a:bodyPr>
+          <a:lstStyle/>
+          <a:p>
+            <a:pPr marL="112713"/>
+            <a:r>
+              <a:rPr lang="en-US" sz="1600" dirty="0" smtClean="0">
+                <a:solidFill>
+                  <a:schemeClr val="bg2"/>
+                </a:solidFill>
+                <a:latin typeface="Lucida Console" panose="020B0609040504020204" pitchFamily="49" charset="0"/>
+              </a:rPr>
+              <a:t>Raw Data ...</a:t>
+            </a:r>
+          </a:p>
+          <a:p>
+            <a:pPr marL="112713"/>
+            <a:endParaRPr lang="en-US" sz="1600" dirty="0" smtClean="0">
+              <a:solidFill>
+                <a:schemeClr val="bg2"/>
+              </a:solidFill>
+              <a:latin typeface="Lucida Console" panose="020B0609040504020204" pitchFamily="49" charset="0"/>
+            </a:endParaRPr>
+          </a:p>
+          <a:p>
+            <a:r>
+              <a:rPr lang="en-US" sz="1600" dirty="0">
+                <a:solidFill>
+                  <a:schemeClr val="bg1"/>
+                </a:solidFill>
+              </a:rPr>
+              <a:t>{</a:t>
+            </a:r>
+          </a:p>
+          <a:p>
+            <a:r>
+              <a:rPr lang="en-US" sz="1600" dirty="0">
+                <a:solidFill>
+                  <a:schemeClr val="bg1"/>
+                </a:solidFill>
+              </a:rPr>
+              <a:t>  "parents": [</a:t>
+            </a:r>
+          </a:p>
+          <a:p>
+            <a:r>
+              <a:rPr lang="en-US" sz="1600" dirty="0">
+                <a:solidFill>
+                  <a:schemeClr val="bg1"/>
+                </a:solidFill>
+              </a:rPr>
+              <a:t>    {"name": "Jane"},</a:t>
+            </a:r>
+          </a:p>
+          <a:p>
+            <a:r>
+              <a:rPr lang="en-US" sz="1600" dirty="0">
+                <a:solidFill>
+                  <a:schemeClr val="bg1"/>
+                </a:solidFill>
+              </a:rPr>
+              <a:t>    {"name": "John"}</a:t>
+            </a:r>
+          </a:p>
+          <a:p>
+            <a:r>
+              <a:rPr lang="en-US" sz="1600" dirty="0">
+                <a:solidFill>
+                  <a:schemeClr val="bg1"/>
+                </a:solidFill>
+              </a:rPr>
+              <a:t>  ],</a:t>
+            </a:r>
+          </a:p>
+          <a:p>
+            <a:r>
+              <a:rPr lang="en-US" sz="1600" dirty="0">
+                <a:solidFill>
+                  <a:schemeClr val="bg1"/>
+                </a:solidFill>
+              </a:rPr>
+              <a:t>  "children": [</a:t>
+            </a:r>
+          </a:p>
+          <a:p>
+            <a:r>
+              <a:rPr lang="en-US" sz="1600" dirty="0">
+                <a:solidFill>
+                  <a:schemeClr val="bg1"/>
+                </a:solidFill>
+              </a:rPr>
+              <a:t>    {"name": "Tommy", "age": 3},</a:t>
+            </a:r>
+          </a:p>
+          <a:p>
+            <a:r>
+              <a:rPr lang="en-US" sz="1600" dirty="0">
+                <a:solidFill>
+                  <a:schemeClr val="bg1"/>
+                </a:solidFill>
+              </a:rPr>
+              <a:t>    {"name": "Suzy", "age": 1}</a:t>
+            </a:r>
+          </a:p>
+          <a:p>
+            <a:r>
+              <a:rPr lang="en-US" sz="1600" dirty="0">
+                <a:solidFill>
+                  <a:schemeClr val="bg1"/>
+                </a:solidFill>
+              </a:rPr>
+              <a:t>    {"name": </a:t>
+            </a:r>
+            <a:r>
+              <a:rPr lang="en-US" sz="1600" dirty="0" smtClean="0">
+                <a:solidFill>
+                  <a:schemeClr val="bg1"/>
+                </a:solidFill>
+              </a:rPr>
+              <a:t>“#Evil", </a:t>
+            </a:r>
+          </a:p>
+          <a:p>
+            <a:r>
+              <a:rPr lang="en-US" sz="1600" dirty="0">
+                <a:solidFill>
+                  <a:schemeClr val="bg1"/>
+                </a:solidFill>
+              </a:rPr>
+              <a:t> </a:t>
+            </a:r>
+            <a:r>
+              <a:rPr lang="en-US" sz="1600" dirty="0" smtClean="0">
+                <a:solidFill>
+                  <a:schemeClr val="bg1"/>
+                </a:solidFill>
+              </a:rPr>
+              <a:t>    "</a:t>
+            </a:r>
+            <a:r>
+              <a:rPr lang="en-US" sz="1600" dirty="0">
+                <a:solidFill>
+                  <a:schemeClr val="bg1"/>
+                </a:solidFill>
+              </a:rPr>
+              <a:t>age": </a:t>
+            </a:r>
+            <a:r>
+              <a:rPr lang="en-US" sz="1600" dirty="0" smtClean="0">
+                <a:solidFill>
+                  <a:schemeClr val="bg1"/>
+                </a:solidFill>
+              </a:rPr>
+              <a:t>“</a:t>
+            </a:r>
+            <a:r>
+              <a:rPr lang="en-US" sz="1600" dirty="0" err="1" smtClean="0">
+                <a:solidFill>
+                  <a:schemeClr val="bg1"/>
+                </a:solidFill>
+              </a:rPr>
+              <a:t>delete_you</a:t>
+            </a:r>
+            <a:r>
+              <a:rPr lang="en-US" sz="1600" dirty="0" smtClean="0">
+                <a:solidFill>
+                  <a:schemeClr val="bg1"/>
+                </a:solidFill>
+              </a:rPr>
+              <a:t>”}</a:t>
+            </a:r>
+            <a:endParaRPr lang="en-US" sz="1600" dirty="0">
+              <a:solidFill>
+                <a:schemeClr val="bg1"/>
+              </a:solidFill>
+            </a:endParaRPr>
+          </a:p>
+          <a:p>
+            <a:r>
+              <a:rPr lang="en-US" sz="1600" dirty="0">
+                <a:solidFill>
+                  <a:schemeClr val="bg1"/>
+                </a:solidFill>
+              </a:rPr>
+              <a:t>  </a:t>
+            </a:r>
+            <a:r>
+              <a:rPr lang="en-US" sz="1600" dirty="0" smtClean="0">
+                <a:solidFill>
+                  <a:schemeClr val="bg1"/>
+                </a:solidFill>
+              </a:rPr>
+              <a:t>],</a:t>
+            </a:r>
+          </a:p>
+          <a:p>
+            <a:r>
+              <a:rPr lang="en-US" sz="1600" dirty="0">
+                <a:solidFill>
+                  <a:schemeClr val="bg1"/>
+                </a:solidFill>
+              </a:rPr>
+              <a:t> </a:t>
+            </a:r>
+            <a:r>
+              <a:rPr lang="en-US" sz="1600" dirty="0" smtClean="0">
+                <a:solidFill>
+                  <a:schemeClr val="bg1"/>
+                </a:solidFill>
+              </a:rPr>
+              <a:t> “hack”: “anything else”</a:t>
+            </a:r>
+            <a:endParaRPr lang="en-US" sz="1600" dirty="0">
+              <a:solidFill>
+                <a:schemeClr val="bg1"/>
+              </a:solidFill>
+            </a:endParaRPr>
+          </a:p>
+          <a:p>
+            <a:r>
+              <a:rPr lang="en-US" sz="1600" dirty="0" smtClean="0">
+                <a:solidFill>
+                  <a:schemeClr val="bg1"/>
+                </a:solidFill>
+              </a:rPr>
+              <a:t>}</a:t>
+            </a:r>
+          </a:p>
+        </p:txBody>
+      </p:sp>
+      <p:sp>
+        <p:nvSpPr>
+          <p:cNvPr id="5" name="Rectangle 4"/>
+          <p:cNvSpPr/>
+          <p:nvPr/>
+        </p:nvSpPr>
+        <p:spPr>
+          <a:xfrm>
+            <a:off x="4301069" y="1370368"/>
+            <a:ext cx="3059287" cy="3293209"/>
+          </a:xfrm>
+          <a:prstGeom prst="rect">
+            <a:avLst/>
+          </a:prstGeom>
+          <a:solidFill>
+            <a:schemeClr val="accent1"/>
+          </a:solidFill>
+          <a:ln w="28575">
+            <a:solidFill>
+              <a:schemeClr val="bg2"/>
+            </a:solidFill>
+          </a:ln>
+        </p:spPr>
+        <p:txBody>
+          <a:bodyPr wrap="square">
+            <a:spAutoFit/>
+          </a:bodyPr>
+          <a:lstStyle/>
+          <a:p>
+            <a:pPr marL="112713"/>
+            <a:r>
+              <a:rPr lang="en-US" sz="1600" dirty="0" smtClean="0">
+                <a:solidFill>
+                  <a:schemeClr val="bg2"/>
+                </a:solidFill>
+                <a:latin typeface="Lucida Console" panose="020B0609040504020204" pitchFamily="49" charset="0"/>
+              </a:rPr>
+              <a:t>Filter ...</a:t>
+            </a:r>
+          </a:p>
+          <a:p>
+            <a:pPr marL="112713"/>
+            <a:endParaRPr lang="en-US" sz="1600" dirty="0" smtClean="0">
+              <a:solidFill>
+                <a:schemeClr val="bg2"/>
+              </a:solidFill>
+              <a:latin typeface="Lucida Console" panose="020B0609040504020204" pitchFamily="49" charset="0"/>
+            </a:endParaRPr>
+          </a:p>
+          <a:p>
+            <a:r>
+              <a:rPr lang="en-US" sz="1600" dirty="0">
+                <a:solidFill>
+                  <a:schemeClr val="bg1"/>
+                </a:solidFill>
+              </a:rPr>
+              <a:t>{</a:t>
+            </a:r>
+          </a:p>
+          <a:p>
+            <a:r>
+              <a:rPr lang="en-US" sz="1600" dirty="0">
+                <a:solidFill>
+                  <a:schemeClr val="bg1"/>
+                </a:solidFill>
+              </a:rPr>
+              <a:t>  "parents": [</a:t>
+            </a:r>
+          </a:p>
+          <a:p>
+            <a:r>
+              <a:rPr lang="en-US" sz="1600" dirty="0">
+                <a:solidFill>
+                  <a:schemeClr val="bg1"/>
+                </a:solidFill>
+              </a:rPr>
+              <a:t>    </a:t>
+            </a:r>
+            <a:r>
+              <a:rPr lang="en-US" sz="1600" dirty="0" smtClean="0">
+                <a:solidFill>
+                  <a:schemeClr val="bg1"/>
+                </a:solidFill>
+              </a:rPr>
+              <a:t> {"</a:t>
+            </a:r>
+            <a:r>
+              <a:rPr lang="en-US" sz="1600" dirty="0">
+                <a:solidFill>
+                  <a:schemeClr val="bg1"/>
+                </a:solidFill>
+              </a:rPr>
+              <a:t>name": “identifier“,</a:t>
+            </a:r>
+          </a:p>
+          <a:p>
+            <a:r>
+              <a:rPr lang="en-US" sz="1600" dirty="0">
+                <a:solidFill>
+                  <a:schemeClr val="bg1"/>
+                </a:solidFill>
+              </a:rPr>
+              <a:t>     </a:t>
+            </a:r>
+            <a:r>
+              <a:rPr lang="en-US" sz="1600" dirty="0" smtClean="0">
+                <a:solidFill>
+                  <a:schemeClr val="bg1"/>
+                </a:solidFill>
+              </a:rPr>
+              <a:t> “</a:t>
+            </a:r>
+            <a:r>
+              <a:rPr lang="en-US" sz="1600" dirty="0">
+                <a:solidFill>
+                  <a:schemeClr val="bg1"/>
+                </a:solidFill>
+              </a:rPr>
+              <a:t>age: [“integer</a:t>
+            </a:r>
+            <a:r>
+              <a:rPr lang="en-US" sz="1600" dirty="0" smtClean="0">
+                <a:solidFill>
+                  <a:schemeClr val="bg1"/>
+                </a:solidFill>
+              </a:rPr>
+              <a:t>”,-1]}</a:t>
+            </a:r>
+            <a:endParaRPr lang="en-US" sz="1600" dirty="0">
+              <a:solidFill>
+                <a:schemeClr val="bg1"/>
+              </a:solidFill>
+            </a:endParaRPr>
+          </a:p>
+          <a:p>
+            <a:r>
+              <a:rPr lang="en-US" sz="1600" dirty="0">
+                <a:solidFill>
+                  <a:schemeClr val="bg1"/>
+                </a:solidFill>
+              </a:rPr>
+              <a:t>  </a:t>
+            </a:r>
+            <a:r>
+              <a:rPr lang="en-US" sz="1600" dirty="0" smtClean="0">
+                <a:solidFill>
+                  <a:schemeClr val="bg1"/>
+                </a:solidFill>
+              </a:rPr>
+              <a:t> </a:t>
+            </a:r>
+            <a:r>
+              <a:rPr lang="en-US" sz="1600" dirty="0">
+                <a:solidFill>
+                  <a:schemeClr val="bg1"/>
+                </a:solidFill>
+              </a:rPr>
+              <a:t>],</a:t>
+            </a:r>
+          </a:p>
+          <a:p>
+            <a:r>
+              <a:rPr lang="en-US" sz="1600" dirty="0">
+                <a:solidFill>
+                  <a:schemeClr val="bg1"/>
+                </a:solidFill>
+              </a:rPr>
+              <a:t>  "children": [</a:t>
+            </a:r>
+          </a:p>
+          <a:p>
+            <a:r>
+              <a:rPr lang="en-US" sz="1600" dirty="0">
+                <a:solidFill>
+                  <a:schemeClr val="bg1"/>
+                </a:solidFill>
+              </a:rPr>
+              <a:t>    </a:t>
+            </a:r>
+            <a:r>
+              <a:rPr lang="en-US" sz="1600" dirty="0" smtClean="0">
+                <a:solidFill>
+                  <a:schemeClr val="bg1"/>
+                </a:solidFill>
+              </a:rPr>
+              <a:t> {"</a:t>
+            </a:r>
+            <a:r>
+              <a:rPr lang="en-US" sz="1600" dirty="0">
+                <a:solidFill>
+                  <a:schemeClr val="bg1"/>
+                </a:solidFill>
+              </a:rPr>
+              <a:t>name": “identifier“,</a:t>
+            </a:r>
+          </a:p>
+          <a:p>
+            <a:r>
+              <a:rPr lang="en-US" sz="1600" dirty="0">
+                <a:solidFill>
+                  <a:schemeClr val="bg1"/>
+                </a:solidFill>
+              </a:rPr>
+              <a:t>     </a:t>
+            </a:r>
+            <a:r>
+              <a:rPr lang="en-US" sz="1600" dirty="0" smtClean="0">
+                <a:solidFill>
+                  <a:schemeClr val="bg1"/>
+                </a:solidFill>
+              </a:rPr>
+              <a:t> “</a:t>
+            </a:r>
+            <a:r>
+              <a:rPr lang="en-US" sz="1600" dirty="0">
+                <a:solidFill>
+                  <a:schemeClr val="bg1"/>
+                </a:solidFill>
+              </a:rPr>
+              <a:t>age: [“integer”,0</a:t>
+            </a:r>
+            <a:r>
+              <a:rPr lang="en-US" sz="1600" dirty="0" smtClean="0">
+                <a:solidFill>
+                  <a:schemeClr val="bg1"/>
+                </a:solidFill>
+              </a:rPr>
+              <a:t>]}</a:t>
+            </a:r>
+            <a:endParaRPr lang="en-US" sz="1600" dirty="0">
+              <a:solidFill>
+                <a:schemeClr val="bg1"/>
+              </a:solidFill>
+            </a:endParaRPr>
+          </a:p>
+          <a:p>
+            <a:r>
+              <a:rPr lang="en-US" sz="1600" dirty="0">
+                <a:solidFill>
+                  <a:schemeClr val="bg1"/>
+                </a:solidFill>
+              </a:rPr>
+              <a:t>  ]</a:t>
+            </a:r>
+          </a:p>
+          <a:p>
+            <a:r>
+              <a:rPr lang="en-US" sz="1600" dirty="0" smtClean="0">
+                <a:solidFill>
+                  <a:schemeClr val="bg1"/>
+                </a:solidFill>
+              </a:rPr>
+              <a:t>}</a:t>
+            </a:r>
+          </a:p>
+          <a:p>
+            <a:endParaRPr lang="en-US" sz="1600" dirty="0">
+              <a:solidFill>
+                <a:schemeClr val="bg1"/>
+              </a:solidFill>
+            </a:endParaRPr>
+          </a:p>
+        </p:txBody>
+      </p:sp>
+      <p:sp>
+        <p:nvSpPr>
+          <p:cNvPr id="6" name="Rectangle 5"/>
+          <p:cNvSpPr/>
+          <p:nvPr/>
+        </p:nvSpPr>
+        <p:spPr>
+          <a:xfrm>
+            <a:off x="7924803" y="1370368"/>
+            <a:ext cx="3115730" cy="3539430"/>
+          </a:xfrm>
+          <a:prstGeom prst="rect">
+            <a:avLst/>
+          </a:prstGeom>
+          <a:solidFill>
+            <a:schemeClr val="accent1"/>
+          </a:solidFill>
+          <a:ln w="28575">
+            <a:solidFill>
+              <a:schemeClr val="bg2"/>
+            </a:solidFill>
+          </a:ln>
+        </p:spPr>
+        <p:txBody>
+          <a:bodyPr wrap="square">
+            <a:spAutoFit/>
+          </a:bodyPr>
+          <a:lstStyle/>
+          <a:p>
+            <a:pPr marL="112713"/>
+            <a:r>
+              <a:rPr lang="en-US" sz="1600" dirty="0" smtClean="0">
+                <a:solidFill>
+                  <a:schemeClr val="bg2"/>
+                </a:solidFill>
+                <a:latin typeface="Lucida Console" panose="020B0609040504020204" pitchFamily="49" charset="0"/>
+              </a:rPr>
+              <a:t>Filtered Data ...</a:t>
+            </a:r>
+          </a:p>
+          <a:p>
+            <a:pPr marL="112713"/>
+            <a:endParaRPr lang="en-US" sz="1600" dirty="0" smtClean="0">
+              <a:solidFill>
+                <a:schemeClr val="bg2"/>
+              </a:solidFill>
+              <a:latin typeface="Lucida Console" panose="020B0609040504020204" pitchFamily="49" charset="0"/>
+            </a:endParaRPr>
+          </a:p>
+          <a:p>
+            <a:r>
+              <a:rPr lang="en-US" sz="1600" dirty="0">
+                <a:solidFill>
+                  <a:schemeClr val="bg1"/>
+                </a:solidFill>
+              </a:rPr>
+              <a:t>{</a:t>
+            </a:r>
+          </a:p>
+          <a:p>
+            <a:r>
+              <a:rPr lang="en-US" sz="1600" dirty="0">
+                <a:solidFill>
+                  <a:schemeClr val="bg1"/>
+                </a:solidFill>
+              </a:rPr>
+              <a:t>  "parents": [</a:t>
+            </a:r>
+          </a:p>
+          <a:p>
+            <a:r>
+              <a:rPr lang="en-US" sz="1600" dirty="0">
+                <a:solidFill>
+                  <a:schemeClr val="bg1"/>
+                </a:solidFill>
+              </a:rPr>
+              <a:t>    {"name": "</a:t>
+            </a:r>
+            <a:r>
+              <a:rPr lang="en-US" sz="1600" dirty="0" smtClean="0">
+                <a:solidFill>
+                  <a:schemeClr val="bg1"/>
+                </a:solidFill>
+              </a:rPr>
+              <a:t>Jane“, “age”: -1},</a:t>
+            </a:r>
+            <a:endParaRPr lang="en-US" sz="1600" dirty="0">
+              <a:solidFill>
+                <a:schemeClr val="bg1"/>
+              </a:solidFill>
+            </a:endParaRPr>
+          </a:p>
+          <a:p>
+            <a:r>
+              <a:rPr lang="en-US" sz="1600" dirty="0">
+                <a:solidFill>
+                  <a:schemeClr val="bg1"/>
+                </a:solidFill>
+              </a:rPr>
+              <a:t>    {"name": "</a:t>
+            </a:r>
+            <a:r>
+              <a:rPr lang="en-US" sz="1600" dirty="0" smtClean="0">
+                <a:solidFill>
+                  <a:schemeClr val="bg1"/>
+                </a:solidFill>
+              </a:rPr>
+              <a:t>John“, “age”: -1}</a:t>
+            </a:r>
+            <a:endParaRPr lang="en-US" sz="1600" dirty="0">
+              <a:solidFill>
+                <a:schemeClr val="bg1"/>
+              </a:solidFill>
+            </a:endParaRPr>
+          </a:p>
+          <a:p>
+            <a:r>
+              <a:rPr lang="en-US" sz="1600" dirty="0">
+                <a:solidFill>
+                  <a:schemeClr val="bg1"/>
+                </a:solidFill>
+              </a:rPr>
+              <a:t>  ],</a:t>
+            </a:r>
+          </a:p>
+          <a:p>
+            <a:r>
+              <a:rPr lang="en-US" sz="1600" dirty="0">
+                <a:solidFill>
+                  <a:schemeClr val="bg1"/>
+                </a:solidFill>
+              </a:rPr>
+              <a:t>  "children": [</a:t>
+            </a:r>
+          </a:p>
+          <a:p>
+            <a:r>
+              <a:rPr lang="en-US" sz="1600" dirty="0">
+                <a:solidFill>
+                  <a:schemeClr val="bg1"/>
+                </a:solidFill>
+              </a:rPr>
+              <a:t>    {"name": "Tommy", "age": 3},</a:t>
+            </a:r>
+          </a:p>
+          <a:p>
+            <a:r>
+              <a:rPr lang="en-US" sz="1600" dirty="0">
+                <a:solidFill>
+                  <a:schemeClr val="bg1"/>
+                </a:solidFill>
+              </a:rPr>
+              <a:t>    {"name": "Suzy", "age": 1}</a:t>
+            </a:r>
+          </a:p>
+          <a:p>
+            <a:r>
+              <a:rPr lang="en-US" sz="1600" dirty="0">
+                <a:solidFill>
+                  <a:schemeClr val="bg1"/>
+                </a:solidFill>
+              </a:rPr>
+              <a:t>    {"name": </a:t>
+            </a:r>
+            <a:r>
+              <a:rPr lang="en-US" sz="1600" dirty="0" smtClean="0">
+                <a:solidFill>
+                  <a:schemeClr val="bg1"/>
+                </a:solidFill>
+              </a:rPr>
+              <a:t>“", "</a:t>
+            </a:r>
+            <a:r>
+              <a:rPr lang="en-US" sz="1600" dirty="0">
+                <a:solidFill>
+                  <a:schemeClr val="bg1"/>
+                </a:solidFill>
+              </a:rPr>
+              <a:t>age</a:t>
+            </a:r>
+            <a:r>
+              <a:rPr lang="en-US" sz="1600" dirty="0" smtClean="0">
+                <a:solidFill>
+                  <a:schemeClr val="bg1"/>
+                </a:solidFill>
+              </a:rPr>
+              <a:t>": 0}</a:t>
+            </a:r>
+            <a:endParaRPr lang="en-US" sz="1600" dirty="0">
+              <a:solidFill>
+                <a:schemeClr val="bg1"/>
+              </a:solidFill>
+            </a:endParaRPr>
+          </a:p>
+          <a:p>
+            <a:r>
+              <a:rPr lang="en-US" sz="1600" dirty="0">
+                <a:solidFill>
+                  <a:schemeClr val="bg1"/>
+                </a:solidFill>
+              </a:rPr>
+              <a:t>  ]</a:t>
+            </a:r>
+          </a:p>
+          <a:p>
+            <a:r>
+              <a:rPr lang="en-US" sz="1600" dirty="0">
+                <a:solidFill>
+                  <a:schemeClr val="bg1"/>
+                </a:solidFill>
+              </a:rPr>
+              <a:t>}</a:t>
+            </a:r>
+          </a:p>
+          <a:p>
+            <a:endParaRPr lang="en-US" sz="1600" dirty="0">
+              <a:solidFill>
+                <a:schemeClr val="bg1"/>
+              </a:solidFill>
+            </a:endParaRPr>
+          </a:p>
+        </p:txBody>
+      </p:sp>
+      <p:sp>
+        <p:nvSpPr>
+          <p:cNvPr id="7" name="Content Placeholder 2"/>
+          <p:cNvSpPr txBox="1">
+            <a:spLocks/>
+          </p:cNvSpPr>
+          <p:nvPr/>
+        </p:nvSpPr>
+        <p:spPr>
+          <a:xfrm>
+            <a:off x="886000" y="5276323"/>
+            <a:ext cx="10154533" cy="1474433"/>
+          </a:xfrm>
+          <a:prstGeom prst="rect">
+            <a:avLst/>
+          </a:prstGeom>
+        </p:spPr>
+        <p:txBody>
+          <a:bodyPr>
+            <a:normAutofit fontScale="77500" lnSpcReduction="20000"/>
+          </a:bodyPr>
+          <a:lstStyle>
+            <a:lvl1pPr marL="342900" indent="-342900" algn="l" defTabSz="457200" rtl="0" eaLnBrk="1" latinLnBrk="0" hangingPunct="1">
+              <a:spcBef>
+                <a:spcPts val="1000"/>
+              </a:spcBef>
+              <a:spcAft>
+                <a:spcPts val="0"/>
+              </a:spcAft>
+              <a:buClr>
+                <a:schemeClr val="accent1"/>
+              </a:buClr>
+              <a:buSzPct val="80000"/>
+              <a:buFont typeface="Wingdings 3" charset="2"/>
+              <a:buChar char=""/>
+              <a:defRPr sz="1800" kern="1200">
+                <a:solidFill>
+                  <a:schemeClr val="tx1">
+                    <a:lumMod val="75000"/>
+                    <a:lumOff val="25000"/>
+                  </a:schemeClr>
+                </a:solidFill>
+                <a:latin typeface="+mn-lt"/>
+                <a:ea typeface="+mn-ea"/>
+                <a:cs typeface="+mn-cs"/>
+              </a:defRPr>
+            </a:lvl1pPr>
+            <a:lvl2pPr marL="742950" indent="-285750" algn="l" defTabSz="457200" rtl="0" eaLnBrk="1" latinLnBrk="0" hangingPunct="1">
+              <a:spcBef>
+                <a:spcPts val="1000"/>
+              </a:spcBef>
+              <a:spcAft>
+                <a:spcPts val="0"/>
+              </a:spcAft>
+              <a:buClr>
+                <a:schemeClr val="accent1"/>
+              </a:buClr>
+              <a:buSzPct val="80000"/>
+              <a:buFont typeface="Wingdings 3" charset="2"/>
+              <a:buChar char=""/>
+              <a:defRPr sz="1600" kern="1200">
+                <a:solidFill>
+                  <a:schemeClr val="tx1">
+                    <a:lumMod val="75000"/>
+                    <a:lumOff val="25000"/>
+                  </a:schemeClr>
+                </a:solidFill>
+                <a:latin typeface="+mn-lt"/>
+                <a:ea typeface="+mn-ea"/>
+                <a:cs typeface="+mn-cs"/>
+              </a:defRPr>
+            </a:lvl2pPr>
+            <a:lvl3pPr marL="1143000" indent="-228600" algn="l" defTabSz="457200" rtl="0" eaLnBrk="1" latinLnBrk="0" hangingPunct="1">
+              <a:spcBef>
+                <a:spcPts val="1000"/>
+              </a:spcBef>
+              <a:spcAft>
+                <a:spcPts val="0"/>
+              </a:spcAft>
+              <a:buClr>
+                <a:schemeClr val="accent1"/>
+              </a:buClr>
+              <a:buSzPct val="80000"/>
+              <a:buFont typeface="Wingdings 3" charset="2"/>
+              <a:buChar char=""/>
+              <a:defRPr sz="1400" kern="1200">
+                <a:solidFill>
+                  <a:schemeClr val="tx1">
+                    <a:lumMod val="75000"/>
+                    <a:lumOff val="25000"/>
+                  </a:schemeClr>
+                </a:solidFill>
+                <a:latin typeface="+mn-lt"/>
+                <a:ea typeface="+mn-ea"/>
+                <a:cs typeface="+mn-cs"/>
+              </a:defRPr>
+            </a:lvl3pPr>
+            <a:lvl4pPr marL="1600200" indent="-228600" algn="l" defTabSz="457200" rtl="0" eaLnBrk="1" latinLnBrk="0" hangingPunct="1">
+              <a:spcBef>
+                <a:spcPts val="1000"/>
+              </a:spcBef>
+              <a:spcAft>
+                <a:spcPts val="0"/>
+              </a:spcAft>
+              <a:buClr>
+                <a:schemeClr val="accent1"/>
+              </a:buClr>
+              <a:buSzPct val="80000"/>
+              <a:buFont typeface="Wingdings 3" charset="2"/>
+              <a:buChar char=""/>
+              <a:defRPr sz="1200" kern="1200">
+                <a:solidFill>
+                  <a:schemeClr val="tx1">
+                    <a:lumMod val="75000"/>
+                    <a:lumOff val="25000"/>
+                  </a:schemeClr>
+                </a:solidFill>
+                <a:latin typeface="+mn-lt"/>
+                <a:ea typeface="+mn-ea"/>
+                <a:cs typeface="+mn-cs"/>
+              </a:defRPr>
+            </a:lvl4pPr>
+            <a:lvl5pPr marL="2057400" indent="-228600" algn="l" defTabSz="457200" rtl="0" eaLnBrk="1" latinLnBrk="0" hangingPunct="1">
+              <a:spcBef>
+                <a:spcPts val="1000"/>
+              </a:spcBef>
+              <a:spcAft>
+                <a:spcPts val="0"/>
+              </a:spcAft>
+              <a:buClr>
+                <a:schemeClr val="accent1"/>
+              </a:buClr>
+              <a:buSzPct val="80000"/>
+              <a:buFont typeface="Wingdings 3" charset="2"/>
+              <a:buChar char=""/>
+              <a:defRPr sz="1200" kern="1200">
+                <a:solidFill>
+                  <a:schemeClr val="tx1">
+                    <a:lumMod val="75000"/>
+                    <a:lumOff val="25000"/>
+                  </a:schemeClr>
+                </a:solidFill>
+                <a:latin typeface="+mn-lt"/>
+                <a:ea typeface="+mn-ea"/>
+                <a:cs typeface="+mn-cs"/>
+              </a:defRPr>
+            </a:lvl5pPr>
+            <a:lvl6pPr marL="2514600" indent="-228600" algn="l" defTabSz="457200" rtl="0" eaLnBrk="1" latinLnBrk="0" hangingPunct="1">
+              <a:spcBef>
+                <a:spcPts val="1000"/>
+              </a:spcBef>
+              <a:spcAft>
+                <a:spcPts val="0"/>
+              </a:spcAft>
+              <a:buClr>
+                <a:schemeClr val="accent1"/>
+              </a:buClr>
+              <a:buSzPct val="80000"/>
+              <a:buFont typeface="Wingdings 3" charset="2"/>
+              <a:buChar char=""/>
+              <a:defRPr sz="1200" kern="1200">
+                <a:solidFill>
+                  <a:schemeClr val="tx1">
+                    <a:lumMod val="75000"/>
+                    <a:lumOff val="25000"/>
+                  </a:schemeClr>
+                </a:solidFill>
+                <a:latin typeface="+mn-lt"/>
+                <a:ea typeface="+mn-ea"/>
+                <a:cs typeface="+mn-cs"/>
+              </a:defRPr>
+            </a:lvl6pPr>
+            <a:lvl7pPr marL="2971800" indent="-228600" algn="l" defTabSz="457200" rtl="0" eaLnBrk="1" latinLnBrk="0" hangingPunct="1">
+              <a:spcBef>
+                <a:spcPts val="1000"/>
+              </a:spcBef>
+              <a:spcAft>
+                <a:spcPts val="0"/>
+              </a:spcAft>
+              <a:buClr>
+                <a:schemeClr val="accent1"/>
+              </a:buClr>
+              <a:buSzPct val="80000"/>
+              <a:buFont typeface="Wingdings 3" charset="2"/>
+              <a:buChar char=""/>
+              <a:defRPr sz="1200" kern="1200">
+                <a:solidFill>
+                  <a:schemeClr val="tx1">
+                    <a:lumMod val="75000"/>
+                    <a:lumOff val="25000"/>
+                  </a:schemeClr>
+                </a:solidFill>
+                <a:latin typeface="+mn-lt"/>
+                <a:ea typeface="+mn-ea"/>
+                <a:cs typeface="+mn-cs"/>
+              </a:defRPr>
+            </a:lvl7pPr>
+            <a:lvl8pPr marL="3429000" indent="-228600" algn="l" defTabSz="457200" rtl="0" eaLnBrk="1" latinLnBrk="0" hangingPunct="1">
+              <a:spcBef>
+                <a:spcPts val="1000"/>
+              </a:spcBef>
+              <a:spcAft>
+                <a:spcPts val="0"/>
+              </a:spcAft>
+              <a:buClr>
+                <a:schemeClr val="accent1"/>
+              </a:buClr>
+              <a:buSzPct val="80000"/>
+              <a:buFont typeface="Wingdings 3" charset="2"/>
+              <a:buChar char=""/>
+              <a:defRPr sz="1200" kern="1200">
+                <a:solidFill>
+                  <a:schemeClr val="tx1">
+                    <a:lumMod val="75000"/>
+                    <a:lumOff val="25000"/>
+                  </a:schemeClr>
+                </a:solidFill>
+                <a:latin typeface="+mn-lt"/>
+                <a:ea typeface="+mn-ea"/>
+                <a:cs typeface="+mn-cs"/>
+              </a:defRPr>
+            </a:lvl8pPr>
+            <a:lvl9pPr marL="3886200" indent="-228600" algn="l" defTabSz="457200" rtl="0" eaLnBrk="1" latinLnBrk="0" hangingPunct="1">
+              <a:spcBef>
+                <a:spcPts val="1000"/>
+              </a:spcBef>
+              <a:spcAft>
+                <a:spcPts val="0"/>
+              </a:spcAft>
+              <a:buClr>
+                <a:schemeClr val="accent1"/>
+              </a:buClr>
+              <a:buSzPct val="80000"/>
+              <a:buFont typeface="Wingdings 3" charset="2"/>
+              <a:buChar char=""/>
+              <a:defRPr sz="1200" kern="1200">
+                <a:solidFill>
+                  <a:schemeClr val="tx1">
+                    <a:lumMod val="75000"/>
+                    <a:lumOff val="25000"/>
+                  </a:schemeClr>
+                </a:solidFill>
+                <a:latin typeface="+mn-lt"/>
+                <a:ea typeface="+mn-ea"/>
+                <a:cs typeface="+mn-cs"/>
+              </a:defRPr>
+            </a:lvl9pPr>
+          </a:lstStyle>
+          <a:p>
+            <a:pPr marL="0" indent="0">
+              <a:buNone/>
+            </a:pPr>
+            <a:r>
+              <a:rPr lang="en-US" dirty="0" smtClean="0"/>
+              <a:t>Notes: </a:t>
+            </a:r>
+          </a:p>
+          <a:p>
+            <a:pPr>
+              <a:buFont typeface="+mj-lt"/>
+              <a:buAutoNum type="arabicPeriod"/>
+            </a:pPr>
+            <a:r>
+              <a:rPr lang="en-US" dirty="0" smtClean="0"/>
+              <a:t>Items not in filter, such as “hack” field do not pass.</a:t>
+            </a:r>
+          </a:p>
+          <a:p>
+            <a:pPr>
+              <a:buFont typeface="+mj-lt"/>
+              <a:buAutoNum type="arabicPeriod"/>
+            </a:pPr>
+            <a:r>
+              <a:rPr lang="en-US" dirty="0" smtClean="0"/>
+              <a:t>Items, such as the malformed third child, may pass, but data will comply with the filter.</a:t>
+            </a:r>
+          </a:p>
+          <a:p>
+            <a:pPr>
+              <a:buFont typeface="+mj-lt"/>
+              <a:buAutoNum type="arabicPeriod"/>
+            </a:pPr>
+            <a:r>
+              <a:rPr lang="en-US" dirty="0" smtClean="0"/>
+              <a:t>Missing data can be completed with defaults, as in the parent ages.</a:t>
+            </a:r>
+          </a:p>
+          <a:p>
+            <a:pPr>
+              <a:buFont typeface="+mj-lt"/>
+              <a:buAutoNum type="arabicPeriod"/>
+            </a:pPr>
+            <a:r>
+              <a:rPr lang="en-US" dirty="0" smtClean="0"/>
+              <a:t>Repetitive arrays can be defined by a single entry, such as the case for both parents and children.</a:t>
+            </a:r>
+            <a:endParaRPr lang="en-US" dirty="0"/>
+          </a:p>
+        </p:txBody>
+      </p:sp>
+    </p:spTree>
+    <p:extLst>
+      <p:ext uri="{BB962C8B-B14F-4D97-AF65-F5344CB8AC3E}">
+        <p14:creationId xmlns:p14="http://schemas.microsoft.com/office/powerpoint/2010/main" val="4175682748"/>
+      </p:ext>
+    </p:extLst>
+  </p:cSld>
+  <p:clrMapOvr>
+    <a:masterClrMapping/>
+  </p:clrMapOvr>
+</p:sld>
+</file>
+
+<file path=ppt/slides/slide31.xml><?xml version="1.0" encoding="utf-8"?>
+<p:sld xmlns:a="http://schemas.openxmlformats.org/drawingml/2006/main" xmlns:r="http://schemas.openxmlformats.org/officeDocument/2006/relationships" xmlns:p="http://schemas.openxmlformats.org/presentationml/2006/main">
+  <p:cSld>
+    <p:spTree>
+      <p:nvGrpSpPr>
+        <p:cNvPr id="1" name=""/>
+        <p:cNvGrpSpPr/>
+        <p:nvPr/>
+      </p:nvGrpSpPr>
+      <p:grpSpPr>
+        <a:xfrm>
+          <a:off x="0" y="0"/>
+          <a:ext cx="0" cy="0"/>
+          <a:chOff x="0" y="0"/>
+          <a:chExt cx="0" cy="0"/>
+        </a:xfrm>
+      </p:grpSpPr>
+      <p:sp>
+        <p:nvSpPr>
+          <p:cNvPr id="2" name="Title 1"/>
+          <p:cNvSpPr>
+            <a:spLocks noGrp="1"/>
+          </p:cNvSpPr>
+          <p:nvPr>
+            <p:ph type="title"/>
           </p:nvPr>
         </p:nvSpPr>
         <p:spPr/>
@@ -11303,6 +12595,29 @@
           <a:p>
             <a:r>
               <a:rPr lang="en-US" dirty="0" smtClean="0"/>
+              <a:t>@&lt;action&gt; Endpoints</a:t>
+            </a:r>
+            <a:endParaRPr lang="en-US" dirty="0"/>
+          </a:p>
+        </p:txBody>
+      </p:sp>
+      <p:sp>
+        <p:nvSpPr>
+          <p:cNvPr id="3" name="Content Placeholder 2"/>
+          <p:cNvSpPr>
+            <a:spLocks noGrp="1"/>
+          </p:cNvSpPr>
+          <p:nvPr>
+            <p:ph idx="1"/>
+          </p:nvPr>
+        </p:nvSpPr>
+        <p:spPr/>
+        <p:txBody>
+          <a:bodyPr/>
+          <a:lstStyle/>
+          <a:p>
+            <a:r>
+              <a:rPr lang="en-US" dirty="0" smtClean="0"/>
               <a:t>POST /@&lt;action&gt;</a:t>
             </a:r>
           </a:p>
@@ -11429,11 +12744,23 @@
               <a:t>comma delimited </a:t>
             </a:r>
             <a:r>
-              <a:rPr lang="en-US" dirty="0" smtClean="0"/>
-              <a:t>list or users temporary access for </a:t>
-            </a:r>
-            <a:r>
-              <a:rPr lang="en-US" dirty="0" err="1" smtClean="0"/>
+              <a:rPr lang="en-US" i="1" dirty="0" err="1" smtClean="0">
+                <a:solidFill>
+                  <a:schemeClr val="accent1"/>
+                </a:solidFill>
+              </a:rPr>
+              <a:t>user_list</a:t>
+            </a:r>
+            <a:r>
+              <a:rPr lang="en-US" dirty="0" smtClean="0"/>
+              <a:t> temporary access for </a:t>
+            </a:r>
+            <a:r>
+              <a:rPr lang="en-US" i="1" dirty="0" err="1" smtClean="0">
+                <a:solidFill>
+                  <a:schemeClr val="accent1"/>
+                </a:solidFill>
+              </a:rPr>
               <a:t>exp</a:t>
             </a:r>
             <a:r>
@@ -11499,7 +12826,7 @@
             </a:r>
             <a:r>
               <a:rPr lang="en-US" dirty="0" smtClean="0"/>
-              <a:t>: Sends an email or text to one or more recipients, as specified by the body or the request. Requires “contact” permissions.</a:t>
+              <a:t>: Sends an email or text, respectively, to one or more recipients, as specified by the body or the request. Requires “contact” permissions.</a:t>
             </a:r>
           </a:p>
           <a:p>
@@ -11675,7 +13002,7 @@
                   <a:srgbClr val="00B0F0"/>
                 </a:solidFill>
               </a:rPr>
-              <a:t> service.</a:t>
+              <a:t> mail service.</a:t>
             </a:r>
             <a:endParaRPr lang="en-US" dirty="0">
               <a:solidFill>
@@ -11695,165 +13022,13 @@
   <p:clrMapOvr>
     <a:masterClrMapping/>
   </p:clrMapOvr>
-</p:sld>
-</file>
-
-<file path=ppt/slides/slide31.xml><?xml version="1.0" encoding="utf-8"?>
-<p:sld xmlns:a="http://schemas.openxmlformats.org/drawingml/2006/main" xmlns:r="http://schemas.openxmlformats.org/officeDocument/2006/relationships" xmlns:p="http://schemas.openxmlformats.org/presentationml/2006/main">
-  <p:cSld>
-    <p:spTree>
-      <p:nvGrpSpPr>
-        <p:cNvPr id="1" name=""/>
-        <p:cNvGrpSpPr/>
-        <p:nvPr/>
-      </p:nvGrpSpPr>
-      <p:grpSpPr>
-        <a:xfrm>
-          <a:off x="0" y="0"/>
-          <a:ext cx="0" cy="0"/>
-          <a:chOff x="0" y="0"/>
-          <a:chExt cx="0" cy="0"/>
-        </a:xfrm>
-      </p:grpSpPr>
-      <p:sp>
-        <p:nvSpPr>
-          <p:cNvPr id="2" name="Title 1"/>
-          <p:cNvSpPr>
-            <a:spLocks noGrp="1"/>
-          </p:cNvSpPr>
-          <p:nvPr>
-            <p:ph type="title"/>
-          </p:nvPr>
-        </p:nvSpPr>
-        <p:spPr/>
-        <p:txBody>
-          <a:bodyPr/>
-          <a:lstStyle/>
-          <a:p>
-            <a:r>
-              <a:rPr lang="en-US" dirty="0" smtClean="0"/>
-              <a:t>Email and SMS Messages</a:t>
-            </a:r>
-            <a:endParaRPr lang="en-US" dirty="0"/>
-          </a:p>
-        </p:txBody>
-      </p:sp>
-      <p:sp>
-        <p:nvSpPr>
-          <p:cNvPr id="3" name="Content Placeholder 2"/>
-          <p:cNvSpPr>
-            <a:spLocks noGrp="1"/>
-          </p:cNvSpPr>
-          <p:nvPr>
-            <p:ph idx="1"/>
-          </p:nvPr>
-        </p:nvSpPr>
-        <p:spPr/>
-        <p:txBody>
-          <a:bodyPr/>
-          <a:lstStyle/>
-          <a:p>
-            <a:r>
-              <a:rPr lang="en-US" dirty="0" smtClean="0"/>
-              <a:t>Body to contain JSON object </a:t>
-            </a:r>
-            <a:r>
-              <a:rPr lang="en-US" dirty="0"/>
-              <a:t>with </a:t>
-            </a:r>
-            <a:r>
-              <a:rPr lang="en-US" dirty="0" smtClean="0"/>
-              <a:t>the following keys as appropriate:</a:t>
-            </a:r>
-          </a:p>
-          <a:p>
-            <a:pPr lvl="1"/>
-            <a:r>
-              <a:rPr lang="en-US" dirty="0" smtClean="0"/>
-              <a:t>id, time, subject, header, </a:t>
-            </a:r>
-            <a:r>
-              <a:rPr lang="en-US" dirty="0" err="1" smtClean="0"/>
-              <a:t>hdr</a:t>
-            </a:r>
-            <a:r>
-              <a:rPr lang="en-US" dirty="0" smtClean="0"/>
-              <a:t>, numbers, text, body, html, to, cc, bcc, from.</a:t>
-            </a:r>
-          </a:p>
-          <a:p>
-            <a:pPr lvl="2"/>
-            <a:r>
-              <a:rPr lang="en-US" dirty="0" smtClean="0">
-                <a:solidFill>
-                  <a:schemeClr val="accent1"/>
-                </a:solidFill>
-              </a:rPr>
-              <a:t>to</a:t>
-            </a:r>
-            <a:r>
-              <a:rPr lang="en-US" dirty="0" smtClean="0"/>
-              <a:t>, </a:t>
-            </a:r>
-            <a:r>
-              <a:rPr lang="en-US" dirty="0" smtClean="0">
-                <a:solidFill>
-                  <a:schemeClr val="accent1"/>
-                </a:solidFill>
-              </a:rPr>
-              <a:t>cc</a:t>
-            </a:r>
-            <a:r>
-              <a:rPr lang="en-US" dirty="0" smtClean="0"/>
-              <a:t>, and </a:t>
-            </a:r>
-            <a:r>
-              <a:rPr lang="en-US" dirty="0" smtClean="0">
-                <a:solidFill>
-                  <a:schemeClr val="accent1"/>
-                </a:solidFill>
-              </a:rPr>
-              <a:t>bcc</a:t>
-            </a:r>
-            <a:r>
-              <a:rPr lang="en-US" dirty="0" smtClean="0"/>
-              <a:t> may be comma delimited lists of usernames or email addresses (for mail) or phone numbers (text).</a:t>
-            </a:r>
-          </a:p>
-          <a:p>
-            <a:pPr lvl="2"/>
-            <a:r>
-              <a:rPr lang="en-US" dirty="0" smtClean="0">
-                <a:solidFill>
-                  <a:schemeClr val="accent1"/>
-                </a:solidFill>
-              </a:rPr>
-              <a:t>time</a:t>
-            </a:r>
-            <a:r>
-              <a:rPr lang="en-US" dirty="0" smtClean="0"/>
-              <a:t>: true or false to generate an ISO  timestamp; define as a preferred timestamp </a:t>
-            </a:r>
-          </a:p>
-          <a:p>
-            <a:pPr lvl="1"/>
-            <a:r>
-              <a:rPr lang="en-US" dirty="0" smtClean="0"/>
-              <a:t>Text messages do not support HTML.</a:t>
-            </a:r>
-          </a:p>
-        </p:txBody>
-      </p:sp>
-    </p:spTree>
-    <p:extLst>
-      <p:ext uri="{BB962C8B-B14F-4D97-AF65-F5344CB8AC3E}">
-        <p14:creationId xmlns:p14="http://schemas.microsoft.com/office/powerpoint/2010/main" val="674113356"/>
-      </p:ext>
-    </p:extLst>
-  </p:cSld>
-  <p:clrMapOvr>
-    <a:masterClrMapping/>
-  </p:clrMapOvr>
+  <p:timing>
+    <p:tnLst>
+      <p:par>
+        <p:cTn id="1" dur="indefinite" restart="never" nodeType="tmRoot"/>
+      </p:par>
+    </p:tnLst>
+  </p:timing>
 </p:sld>
 </file>
 
@@ -11891,7 +13066,7 @@
           <a:p>
             <a:r>
               <a:rPr lang="en-US" dirty="0" smtClean="0"/>
-              <a:t>!&lt;info&gt; Endpoints</a:t>
+              <a:t>Email and SMS Messages</a:t>
             </a:r>
             <a:endParaRPr lang="en-US" dirty="0"/>
           </a:p>
@@ -11914,6 +13089,165 @@
           <a:p>
             <a:r>
               <a:rPr lang="en-US" dirty="0" smtClean="0"/>
+              <a:t>Body to contain JSON object </a:t>
+            </a:r>
+            <a:r>
+              <a:rPr lang="en-US" dirty="0"/>
+              <a:t>with </a:t>
+            </a:r>
+            <a:r>
+              <a:rPr lang="en-US" dirty="0" smtClean="0"/>
+              <a:t>the following keys as appropriate:</a:t>
+            </a:r>
+          </a:p>
+          <a:p>
+            <a:pPr lvl="1"/>
+            <a:r>
+              <a:rPr lang="en-US" dirty="0" smtClean="0"/>
+              <a:t>id, time, subject, header, </a:t>
+            </a:r>
+            <a:r>
+              <a:rPr lang="en-US" dirty="0" err="1" smtClean="0"/>
+              <a:t>hdr</a:t>
+            </a:r>
+            <a:r>
+              <a:rPr lang="en-US" dirty="0" smtClean="0"/>
+              <a:t>, numbers, text, body, html, to, cc, bcc, from.</a:t>
+            </a:r>
+          </a:p>
+          <a:p>
+            <a:pPr lvl="2"/>
+            <a:r>
+              <a:rPr lang="en-US" dirty="0" smtClean="0">
+                <a:solidFill>
+                  <a:schemeClr val="accent1"/>
+                </a:solidFill>
+              </a:rPr>
+              <a:t>to</a:t>
+            </a:r>
+            <a:r>
+              <a:rPr lang="en-US" dirty="0" smtClean="0"/>
+              <a:t>, </a:t>
+            </a:r>
+            <a:r>
+              <a:rPr lang="en-US" dirty="0" smtClean="0">
+                <a:solidFill>
+                  <a:schemeClr val="accent1"/>
+                </a:solidFill>
+              </a:rPr>
+              <a:t>cc</a:t>
+            </a:r>
+            <a:r>
+              <a:rPr lang="en-US" dirty="0" smtClean="0"/>
+              <a:t>, and </a:t>
+            </a:r>
+            <a:r>
+              <a:rPr lang="en-US" dirty="0" smtClean="0">
+                <a:solidFill>
+                  <a:schemeClr val="accent1"/>
+                </a:solidFill>
+              </a:rPr>
+              <a:t>bcc</a:t>
+            </a:r>
+            <a:r>
+              <a:rPr lang="en-US" dirty="0" smtClean="0"/>
+              <a:t> may be comma delimited lists of usernames or email addresses (for mail) or phone numbers (text).</a:t>
+            </a:r>
+          </a:p>
+          <a:p>
+            <a:pPr lvl="2"/>
+            <a:r>
+              <a:rPr lang="en-US" dirty="0" smtClean="0">
+                <a:solidFill>
+                  <a:schemeClr val="accent1"/>
+                </a:solidFill>
+              </a:rPr>
+              <a:t>time</a:t>
+            </a:r>
+            <a:r>
+              <a:rPr lang="en-US" dirty="0" smtClean="0"/>
+              <a:t>: true or false to generate an ISO  timestamp; define as a preferred timestamp </a:t>
+            </a:r>
+          </a:p>
+          <a:p>
+            <a:pPr lvl="1"/>
+            <a:r>
+              <a:rPr lang="en-US" dirty="0" smtClean="0"/>
+              <a:t>Text messages do not support HTML.</a:t>
+            </a:r>
+          </a:p>
+        </p:txBody>
+      </p:sp>
+    </p:spTree>
+    <p:extLst>
+      <p:ext uri="{BB962C8B-B14F-4D97-AF65-F5344CB8AC3E}">
+        <p14:creationId xmlns:p14="http://schemas.microsoft.com/office/powerpoint/2010/main" val="674113356"/>
+      </p:ext>
+    </p:extLst>
+  </p:cSld>
+  <p:clrMapOvr>
+    <a:masterClrMapping/>
+  </p:clrMapOvr>
+</p:sld>
+</file>
+
+<file path=ppt/slides/slide33.xml><?xml version="1.0" encoding="utf-8"?>
+<p:sld xmlns:a="http://schemas.openxmlformats.org/drawingml/2006/main" xmlns:r="http://schemas.openxmlformats.org/officeDocument/2006/relationships" xmlns:p="http://schemas.openxmlformats.org/presentationml/2006/main">
+  <p:cSld>
+    <p:spTree>
+      <p:nvGrpSpPr>
+        <p:cNvPr id="1" name=""/>
+        <p:cNvGrpSpPr/>
+        <p:nvPr/>
+      </p:nvGrpSpPr>
+      <p:grpSpPr>
+        <a:xfrm>
+          <a:off x="0" y="0"/>
+          <a:ext cx="0" cy="0"/>
+          <a:chOff x="0" y="0"/>
+          <a:chExt cx="0" cy="0"/>
+        </a:xfrm>
+      </p:grpSpPr>
+      <p:sp>
+        <p:nvSpPr>
+          <p:cNvPr id="2" name="Title 1"/>
+          <p:cNvSpPr>
+            <a:spLocks noGrp="1"/>
+          </p:cNvSpPr>
+          <p:nvPr>
+            <p:ph type="title"/>
+          </p:nvPr>
+        </p:nvSpPr>
+        <p:spPr/>
+        <p:txBody>
+          <a:bodyPr/>
+          <a:lstStyle/>
+          <a:p>
+            <a:r>
+              <a:rPr lang="en-US" dirty="0" smtClean="0"/>
+              <a:t>!&lt;info&gt; Endpoints</a:t>
+            </a:r>
+            <a:endParaRPr lang="en-US" dirty="0"/>
+          </a:p>
+        </p:txBody>
+      </p:sp>
+      <p:sp>
+        <p:nvSpPr>
+          <p:cNvPr id="3" name="Content Placeholder 2"/>
+          <p:cNvSpPr>
+            <a:spLocks noGrp="1"/>
+          </p:cNvSpPr>
+          <p:nvPr>
+            <p:ph idx="1"/>
+          </p:nvPr>
+        </p:nvSpPr>
+        <p:spPr/>
+        <p:txBody>
+          <a:bodyPr/>
+          <a:lstStyle/>
+          <a:p>
+            <a:r>
+              <a:rPr lang="en-US" dirty="0" smtClean="0"/>
               <a:t>GET /!&lt;</a:t>
             </a:r>
             <a:r>
@@ -11928,8 +13262,16 @@
           <a:p>
             <a:pPr lvl="1"/>
             <a:r>
-              <a:rPr lang="en-US" dirty="0" smtClean="0"/>
-              <a:t>/!info: Provides IP and date info. Provide additional internal </a:t>
+              <a:rPr lang="en-US" dirty="0" smtClean="0">
+                <a:solidFill>
+                  <a:schemeClr val="accent1"/>
+                </a:solidFill>
+              </a:rPr>
+              <a:t>/!info</a:t>
+            </a:r>
+            <a:r>
+              <a:rPr lang="en-US" dirty="0" smtClean="0"/>
+              <a:t>: Provides IP, date, and user analytics and statistics info. Provide additional internal </a:t>
             </a:r>
             <a:r>
               <a:rPr lang="en-US" dirty="0"/>
@@ -11943,11 +13285,19 @@
           <a:p>
             <a:pPr lvl="1"/>
             <a:r>
-              <a:rPr lang="en-US" dirty="0" smtClean="0"/>
+              <a:rPr lang="en-US" dirty="0" smtClean="0">
+                <a:solidFill>
+                  <a:schemeClr val="accent1"/>
+                </a:solidFill>
+              </a:rPr>
               <a:t>/!</a:t>
             </a:r>
             <a:r>
-              <a:rPr lang="en-US" dirty="0" err="1" smtClean="0"/>
+              <a:rPr lang="en-US" dirty="0" err="1" smtClean="0">
+                <a:solidFill>
+                  <a:schemeClr val="accent1"/>
+                </a:solidFill>
+              </a:rPr>
               <a:t>iot</a:t>
             </a:r>
             <a:r>
@@ -11980,6 +13330,370 @@
   <p:clrMapOvr>
     <a:masterClrMapping/>
   </p:clrMapOvr>
+  <p:timing>
+    <p:tnLst>
+      <p:par>
+        <p:cTn id="1" dur="indefinite" restart="never" nodeType="tmRoot"/>
+      </p:par>
+    </p:tnLst>
+  </p:timing>
+</p:sld>
+</file>
+
+<file path=ppt/slides/slide34.xml><?xml version="1.0" encoding="utf-8"?>
+<p:sld xmlns:a="http://schemas.openxmlformats.org/drawingml/2006/main" xmlns:r="http://schemas.openxmlformats.org/officeDocument/2006/relationships" xmlns:p="http://schemas.openxmlformats.org/presentationml/2006/main">
+  <p:cSld>
+    <p:spTree>
+      <p:nvGrpSpPr>
+        <p:cNvPr id="1" name=""/>
+        <p:cNvGrpSpPr/>
+        <p:nvPr/>
+      </p:nvGrpSpPr>
+      <p:grpSpPr>
+        <a:xfrm>
+          <a:off x="0" y="0"/>
+          <a:ext cx="0" cy="0"/>
+          <a:chOff x="0" y="0"/>
+          <a:chExt cx="0" cy="0"/>
+        </a:xfrm>
+      </p:grpSpPr>
+      <p:sp>
+        <p:nvSpPr>
+          <p:cNvPr id="2" name="Title 1"/>
+          <p:cNvSpPr>
+            <a:spLocks noGrp="1"/>
+          </p:cNvSpPr>
+          <p:nvPr>
+            <p:ph type="title"/>
+          </p:nvPr>
+        </p:nvSpPr>
+        <p:spPr/>
+        <p:txBody>
+          <a:bodyPr/>
+          <a:lstStyle/>
+          <a:p>
+            <a:r>
+              <a:rPr lang="en-US" dirty="0" smtClean="0"/>
+              <a:t>Users Database</a:t>
+            </a:r>
+            <a:endParaRPr lang="en-US" dirty="0"/>
+          </a:p>
+        </p:txBody>
+      </p:sp>
+      <p:sp>
+        <p:nvSpPr>
+          <p:cNvPr id="3" name="Content Placeholder 2"/>
+          <p:cNvSpPr>
+            <a:spLocks noGrp="1"/>
+          </p:cNvSpPr>
+          <p:nvPr>
+            <p:ph idx="1"/>
+          </p:nvPr>
+        </p:nvSpPr>
+        <p:spPr/>
+        <p:txBody>
+          <a:bodyPr/>
+          <a:lstStyle/>
+          <a:p>
+            <a:r>
+              <a:rPr lang="en-US" dirty="0" smtClean="0"/>
+              <a:t>The </a:t>
+            </a:r>
+            <a:r>
+              <a:rPr lang="en-US" i="1" dirty="0" smtClean="0">
+                <a:solidFill>
+                  <a:schemeClr val="accent1"/>
+                </a:solidFill>
+              </a:rPr>
+              <a:t>recipes</a:t>
+            </a:r>
+            <a:r>
+              <a:rPr lang="en-US" dirty="0" smtClean="0"/>
+              <a:t> collection defines access recipes for the users database.</a:t>
+            </a:r>
+          </a:p>
+          <a:p>
+            <a:pPr lvl="1"/>
+            <a:r>
+              <a:rPr lang="en-US" dirty="0" smtClean="0">
+                <a:solidFill>
+                  <a:schemeClr val="accent5"/>
+                </a:solidFill>
+              </a:rPr>
+              <a:t>Changes not recommend other than to the filter for the user </a:t>
+            </a:r>
+            <a:r>
+              <a:rPr lang="en-US" i="1" dirty="0" smtClean="0">
+                <a:solidFill>
+                  <a:schemeClr val="accent1"/>
+                </a:solidFill>
+              </a:rPr>
+              <a:t>other</a:t>
+            </a:r>
+            <a:r>
+              <a:rPr lang="en-US" dirty="0" smtClean="0">
+                <a:solidFill>
+                  <a:schemeClr val="accent5"/>
+                </a:solidFill>
+              </a:rPr>
+              <a:t> field.</a:t>
+            </a:r>
+          </a:p>
+          <a:p>
+            <a:pPr lvl="1"/>
+            <a:r>
+              <a:rPr lang="en-US" dirty="0">
+                <a:solidFill>
+                  <a:schemeClr val="accent5"/>
+                </a:solidFill>
+              </a:rPr>
+              <a:t>Improper changes may lead to security breaches.</a:t>
+            </a:r>
+          </a:p>
+          <a:p>
+            <a:r>
+              <a:rPr lang="en-US" dirty="0" smtClean="0"/>
+              <a:t>Holds user info, as previously defined, in the </a:t>
+            </a:r>
+            <a:r>
+              <a:rPr lang="en-US" i="1" dirty="0" smtClean="0">
+                <a:solidFill>
+                  <a:schemeClr val="accent1"/>
+                </a:solidFill>
+              </a:rPr>
+              <a:t>users</a:t>
+            </a:r>
+            <a:r>
+              <a:rPr lang="en-US" dirty="0" smtClean="0"/>
+              <a:t> collection.</a:t>
+            </a:r>
+          </a:p>
+          <a:p>
+            <a:r>
+              <a:rPr lang="en-US" dirty="0" smtClean="0"/>
+              <a:t>Hold group definitions in the </a:t>
+            </a:r>
+            <a:r>
+              <a:rPr lang="en-US" i="1" dirty="0" smtClean="0">
+                <a:solidFill>
+                  <a:schemeClr val="accent1"/>
+                </a:solidFill>
+              </a:rPr>
+              <a:t>groups</a:t>
+            </a:r>
+            <a:r>
+              <a:rPr lang="en-US" dirty="0" smtClean="0"/>
+              <a:t> collection.</a:t>
+            </a:r>
+          </a:p>
+          <a:p>
+            <a:pPr lvl="1"/>
+            <a:r>
+              <a:rPr lang="en-US" dirty="0" smtClean="0"/>
+              <a:t>Each group object consists of a </a:t>
+            </a:r>
+            <a:r>
+              <a:rPr lang="en-US" i="1" dirty="0" smtClean="0">
+                <a:solidFill>
+                  <a:schemeClr val="accent1"/>
+                </a:solidFill>
+              </a:rPr>
+              <a:t>name</a:t>
+            </a:r>
+            <a:r>
+              <a:rPr lang="en-US" dirty="0" smtClean="0"/>
+              <a:t> and </a:t>
+            </a:r>
+            <a:r>
+              <a:rPr lang="en-US" i="1" dirty="0" err="1" smtClean="0">
+                <a:solidFill>
+                  <a:schemeClr val="accent1"/>
+                </a:solidFill>
+              </a:rPr>
+              <a:t>desc</a:t>
+            </a:r>
+            <a:r>
+              <a:rPr lang="en-US" dirty="0" smtClean="0"/>
+              <a:t> string.</a:t>
+            </a:r>
+          </a:p>
+          <a:p>
+            <a:pPr lvl="1"/>
+            <a:r>
+              <a:rPr lang="en-US" dirty="0" smtClean="0"/>
+              <a:t>Any number of groups may be defined for use with specific recipes.</a:t>
+            </a:r>
+          </a:p>
+          <a:p>
+            <a:pPr lvl="1"/>
+            <a:r>
+              <a:rPr lang="en-US" dirty="0" smtClean="0"/>
+              <a:t>Any user my be a member of any number of groups.</a:t>
+            </a:r>
+          </a:p>
+          <a:p>
+            <a:pPr lvl="1"/>
+            <a:r>
+              <a:rPr lang="en-US" dirty="0" smtClean="0"/>
+              <a:t>The database includes a number of predefined groups used by the server and API.</a:t>
+            </a:r>
+            <a:endParaRPr lang="en-US" dirty="0"/>
+          </a:p>
+        </p:txBody>
+      </p:sp>
+    </p:spTree>
+    <p:extLst>
+      <p:ext uri="{BB962C8B-B14F-4D97-AF65-F5344CB8AC3E}">
+        <p14:creationId xmlns:p14="http://schemas.microsoft.com/office/powerpoint/2010/main" val="2261639900"/>
+      </p:ext>
+    </p:extLst>
+  </p:cSld>
+  <p:clrMapOvr>
+    <a:masterClrMapping/>
+  </p:clrMapOvr>
+  <p:timing>
+    <p:tnLst>
+      <p:par>
+        <p:cTn id="1" dur="indefinite" restart="never" nodeType="tmRoot"/>
+      </p:par>
+    </p:tnLst>
+  </p:timing>
+</p:sld>
+</file>
+
+<file path=ppt/slides/slide35.xml><?xml version="1.0" encoding="utf-8"?>
+<p:sld xmlns:a="http://schemas.openxmlformats.org/drawingml/2006/main" xmlns:r="http://schemas.openxmlformats.org/officeDocument/2006/relationships" xmlns:p="http://schemas.openxmlformats.org/presentationml/2006/main">
+  <p:cSld>
+    <p:spTree>
+      <p:nvGrpSpPr>
+        <p:cNvPr id="1" name=""/>
+        <p:cNvGrpSpPr/>
+        <p:nvPr/>
+      </p:nvGrpSpPr>
+      <p:grpSpPr>
+        <a:xfrm>
+          <a:off x="0" y="0"/>
+          <a:ext cx="0" cy="0"/>
+          <a:chOff x="0" y="0"/>
+          <a:chExt cx="0" cy="0"/>
+        </a:xfrm>
+      </p:grpSpPr>
+      <p:sp>
+        <p:nvSpPr>
+          <p:cNvPr id="2" name="Title 1"/>
+          <p:cNvSpPr>
+            <a:spLocks noGrp="1"/>
+          </p:cNvSpPr>
+          <p:nvPr>
+            <p:ph type="title"/>
+          </p:nvPr>
+        </p:nvSpPr>
+        <p:spPr/>
+        <p:txBody>
+          <a:bodyPr/>
+          <a:lstStyle/>
+          <a:p>
+            <a:r>
+              <a:rPr lang="en-US" dirty="0" smtClean="0"/>
+              <a:t>Defined Groups</a:t>
+            </a:r>
+            <a:endParaRPr lang="en-US" dirty="0"/>
+          </a:p>
+        </p:txBody>
+      </p:sp>
+      <p:sp>
+        <p:nvSpPr>
+          <p:cNvPr id="3" name="Content Placeholder 2"/>
+          <p:cNvSpPr>
+            <a:spLocks noGrp="1"/>
+          </p:cNvSpPr>
+          <p:nvPr>
+            <p:ph idx="1"/>
+          </p:nvPr>
+        </p:nvSpPr>
+        <p:spPr/>
+        <p:txBody>
+          <a:bodyPr>
+            <a:normAutofit/>
+          </a:bodyPr>
+          <a:lstStyle/>
+          <a:p>
+            <a:r>
+              <a:rPr lang="en-US" dirty="0"/>
+              <a:t>'admin': Administrative </a:t>
+            </a:r>
+            <a:r>
+              <a:rPr lang="en-US" dirty="0" smtClean="0"/>
+              <a:t>super user </a:t>
+            </a:r>
+            <a:r>
+              <a:rPr lang="en-US" dirty="0"/>
+              <a:t>authorization</a:t>
+            </a:r>
+          </a:p>
+          <a:p>
+            <a:r>
+              <a:rPr lang="en-US" dirty="0"/>
+              <a:t>'manager': User management delegation</a:t>
+            </a:r>
+          </a:p>
+          <a:p>
+            <a:r>
+              <a:rPr lang="en-US" dirty="0"/>
+              <a:t>'users': All authenticated users</a:t>
+            </a:r>
+          </a:p>
+          <a:p>
+            <a:r>
+              <a:rPr lang="en-US" dirty="0"/>
+              <a:t>'grant': Authorized to grant temporary user access</a:t>
+            </a:r>
+          </a:p>
+          <a:p>
+            <a:r>
+              <a:rPr lang="en-US" dirty="0"/>
+              <a:t>'</a:t>
+            </a:r>
+            <a:r>
+              <a:rPr lang="en-US" dirty="0" err="1"/>
+              <a:t>cms</a:t>
+            </a:r>
+            <a:r>
+              <a:rPr lang="en-US" dirty="0"/>
+              <a:t>': Content Management System Editor</a:t>
+            </a:r>
+          </a:p>
+          <a:p>
+            <a:r>
+              <a:rPr lang="en-US" dirty="0"/>
+              <a:t>'server': Able to see or change internal server info</a:t>
+            </a:r>
+          </a:p>
+          <a:p>
+            <a:r>
+              <a:rPr lang="en-US" dirty="0"/>
+              <a:t>'contact': Allowed to email or text (SMS) users </a:t>
+            </a:r>
+          </a:p>
+        </p:txBody>
+      </p:sp>
+    </p:spTree>
+    <p:extLst>
+      <p:ext uri="{BB962C8B-B14F-4D97-AF65-F5344CB8AC3E}">
+        <p14:creationId xmlns:p14="http://schemas.microsoft.com/office/powerpoint/2010/main" val="1323773081"/>
+      </p:ext>
+    </p:extLst>
+  </p:cSld>
+  <p:clrMapOvr>
+    <a:masterClrMapping/>
+  </p:clrMapOvr>
+  <p:timing>
+    <p:tnLst>
+      <p:par>
+        <p:cTn id="1" dur="indefinite" restart="never" nodeType="tmRoot"/>
+      </p:par>
+    </p:tnLst>
+  </p:timing>
 </p:sld>
 </file>
 
@@ -12040,7 +13754,7 @@
         <p:spPr/>
         <p:txBody>
           <a:bodyPr>
-            <a:normAutofit lnSpcReduction="10000"/>
+            <a:normAutofit fontScale="92500"/>
           </a:bodyPr>
           <a:lstStyle/>
           <a:p>
@@ -12154,6 +13868,20 @@
             <a:r>
               <a:rPr lang="en-US" dirty="0" smtClean="0"/>
               <a:t>page rendering assumed but not required for page construction.</a:t>
+            </a:r>
+          </a:p>
+          <a:p>
+            <a:r>
+              <a:rPr lang="en-US" i="1" dirty="0" smtClean="0">
+                <a:solidFill>
+                  <a:schemeClr val="accent1"/>
+                </a:solidFill>
+              </a:rPr>
+              <a:t>JSON databases</a:t>
+            </a:r>
+            <a:r>
+              <a:rPr lang="en-US" dirty="0" smtClean="0"/>
+              <a:t>: True JSON database storage.</a:t>
             </a:r>
             <a:endParaRPr lang="en-US" dirty="0"/>
           </a:p>
@@ -12169,6 +13897,13 @@
   <p:clrMapOvr>
     <a:masterClrMapping/>
   </p:clrMapOvr>
+  <p:timing>
+    <p:tnLst>
+      <p:par>
+        <p:cTn id="1" dur="indefinite" restart="never" nodeType="tmRoot"/>
+      </p:par>
+    </p:tnLst>
+  </p:timing>
 </p:sld>
 </file>
 
@@ -12829,12 +14564,6 @@
               </a:rPr>
               <a:t>xml: application/xml</a:t>
             </a:r>
-            <a:endParaRPr lang="en-US" sz="1200" dirty="0">
-              <a:solidFill>
-                <a:schemeClr val="bg2"/>
-              </a:solidFill>
-              <a:latin typeface="Lucida Console" panose="020B0609040504020204" pitchFamily="49" charset="0"/>
-            </a:endParaRPr>
           </a:p>
         </p:txBody>
       </p:sp>
@@ -12848,6 +14577,13 @@
   <p:clrMapOvr>
     <a:masterClrMapping/>
   </p:clrMapOvr>
+  <p:timing>
+    <p:tnLst>
+      <p:par>
+        <p:cTn id="1" dur="indefinite" restart="never" nodeType="tmRoot"/>
+      </p:par>
+    </p:tnLst>
+  </p:timing>
 </p:sld>
 </file>
 
@@ -13750,6 +15486,13 @@
   <p:clrMapOvr>
     <a:masterClrMapping/>
   </p:clrMapOvr>
+  <p:timing>
+    <p:tnLst>
+      <p:par>
+        <p:cTn id="1" dur="indefinite" restart="never" nodeType="tmRoot"/>
+      </p:par>
+    </p:tnLst>
+  </p:timing>
 </p:sld>
 </file>
 

--- a/HomebrewAPI.pptx
+++ b/HomebrewAPI.pptx
@@ -870,7 +870,7 @@
           <a:p>
             <a:fld id="{9CFF22E6-19F5-4E3A-A99F-367E5927EEEF}" type="datetimeFigureOut">
               <a:rPr lang="en-US" smtClean="0"/>
-              <a:t>4/14/2022</a:t>
+              <a:t>4/24/2022</a:t>
             </a:fld>
             <a:endParaRPr lang="en-US"/>
           </a:p>
@@ -1121,7 +1121,7 @@
           <a:p>
             <a:fld id="{9CFF22E6-19F5-4E3A-A99F-367E5927EEEF}" type="datetimeFigureOut">
               <a:rPr lang="en-US" smtClean="0"/>
-              <a:t>4/14/2022</a:t>
+              <a:t>4/24/2022</a:t>
             </a:fld>
             <a:endParaRPr lang="en-US"/>
           </a:p>
@@ -1435,7 +1435,7 @@
           <a:p>
             <a:fld id="{9CFF22E6-19F5-4E3A-A99F-367E5927EEEF}" type="datetimeFigureOut">
               <a:rPr lang="en-US" smtClean="0"/>
-              <a:t>4/14/2022</a:t>
+              <a:t>4/24/2022</a:t>
             </a:fld>
             <a:endParaRPr lang="en-US"/>
           </a:p>
@@ -1762,7 +1762,7 @@
           <a:p>
             <a:fld id="{9CFF22E6-19F5-4E3A-A99F-367E5927EEEF}" type="datetimeFigureOut">
               <a:rPr lang="en-US" smtClean="0"/>
-              <a:t>4/14/2022</a:t>
+              <a:t>4/24/2022</a:t>
             </a:fld>
             <a:endParaRPr lang="en-US"/>
           </a:p>
@@ -2076,7 +2076,7 @@
           <a:p>
             <a:fld id="{9CFF22E6-19F5-4E3A-A99F-367E5927EEEF}" type="datetimeFigureOut">
               <a:rPr lang="en-US" smtClean="0"/>
-              <a:t>4/14/2022</a:t>
+              <a:t>4/24/2022</a:t>
             </a:fld>
             <a:endParaRPr lang="en-US"/>
           </a:p>
@@ -2463,7 +2463,7 @@
           <a:p>
             <a:fld id="{9CFF22E6-19F5-4E3A-A99F-367E5927EEEF}" type="datetimeFigureOut">
               <a:rPr lang="en-US" smtClean="0"/>
-              <a:t>4/14/2022</a:t>
+              <a:t>4/24/2022</a:t>
             </a:fld>
             <a:endParaRPr lang="en-US"/>
           </a:p>
@@ -2633,7 +2633,7 @@
           <a:p>
             <a:fld id="{9CFF22E6-19F5-4E3A-A99F-367E5927EEEF}" type="datetimeFigureOut">
               <a:rPr lang="en-US" smtClean="0"/>
-              <a:t>4/14/2022</a:t>
+              <a:t>4/24/2022</a:t>
             </a:fld>
             <a:endParaRPr lang="en-US"/>
           </a:p>
@@ -2813,7 +2813,7 @@
           <a:p>
             <a:fld id="{9CFF22E6-19F5-4E3A-A99F-367E5927EEEF}" type="datetimeFigureOut">
               <a:rPr lang="en-US" smtClean="0"/>
-              <a:t>4/14/2022</a:t>
+              <a:t>4/24/2022</a:t>
             </a:fld>
             <a:endParaRPr lang="en-US"/>
           </a:p>
@@ -2989,7 +2989,7 @@
           <a:p>
             <a:fld id="{9CFF22E6-19F5-4E3A-A99F-367E5927EEEF}" type="datetimeFigureOut">
               <a:rPr lang="en-US" smtClean="0"/>
-              <a:t>4/14/2022</a:t>
+              <a:t>4/24/2022</a:t>
             </a:fld>
             <a:endParaRPr lang="en-US"/>
           </a:p>
@@ -3236,7 +3236,7 @@
           <a:p>
             <a:fld id="{9CFF22E6-19F5-4E3A-A99F-367E5927EEEF}" type="datetimeFigureOut">
               <a:rPr lang="en-US" smtClean="0"/>
-              <a:t>4/14/2022</a:t>
+              <a:t>4/24/2022</a:t>
             </a:fld>
             <a:endParaRPr lang="en-US"/>
           </a:p>
@@ -3468,7 +3468,7 @@
           <a:p>
             <a:fld id="{9CFF22E6-19F5-4E3A-A99F-367E5927EEEF}" type="datetimeFigureOut">
               <a:rPr lang="en-US" smtClean="0"/>
-              <a:t>4/14/2022</a:t>
+              <a:t>4/24/2022</a:t>
             </a:fld>
             <a:endParaRPr lang="en-US"/>
           </a:p>
@@ -3842,7 +3842,7 @@
           <a:p>
             <a:fld id="{9CFF22E6-19F5-4E3A-A99F-367E5927EEEF}" type="datetimeFigureOut">
               <a:rPr lang="en-US" smtClean="0"/>
-              <a:t>4/14/2022</a:t>
+              <a:t>4/24/2022</a:t>
             </a:fld>
             <a:endParaRPr lang="en-US"/>
           </a:p>
@@ -3965,7 +3965,7 @@
           <a:p>
             <a:fld id="{9CFF22E6-19F5-4E3A-A99F-367E5927EEEF}" type="datetimeFigureOut">
               <a:rPr lang="en-US" smtClean="0"/>
-              <a:t>4/14/2022</a:t>
+              <a:t>4/24/2022</a:t>
             </a:fld>
             <a:endParaRPr lang="en-US"/>
           </a:p>
@@ -4060,7 +4060,7 @@
           <a:p>
             <a:fld id="{9CFF22E6-19F5-4E3A-A99F-367E5927EEEF}" type="datetimeFigureOut">
               <a:rPr lang="en-US" smtClean="0"/>
-              <a:t>4/14/2022</a:t>
+              <a:t>4/24/2022</a:t>
             </a:fld>
             <a:endParaRPr lang="en-US"/>
           </a:p>
@@ -4315,7 +4315,7 @@
           <a:p>
             <a:fld id="{9CFF22E6-19F5-4E3A-A99F-367E5927EEEF}" type="datetimeFigureOut">
               <a:rPr lang="en-US" smtClean="0"/>
-              <a:t>4/14/2022</a:t>
+              <a:t>4/24/2022</a:t>
             </a:fld>
             <a:endParaRPr lang="en-US"/>
           </a:p>
@@ -4578,7 +4578,7 @@
           <a:p>
             <a:fld id="{9CFF22E6-19F5-4E3A-A99F-367E5927EEEF}" type="datetimeFigureOut">
               <a:rPr lang="en-US" smtClean="0"/>
-              <a:t>4/14/2022</a:t>
+              <a:t>4/24/2022</a:t>
             </a:fld>
             <a:endParaRPr lang="en-US"/>
           </a:p>
@@ -5323,7 +5323,7 @@
           <a:p>
             <a:fld id="{9CFF22E6-19F5-4E3A-A99F-367E5927EEEF}" type="datetimeFigureOut">
               <a:rPr lang="en-US" smtClean="0"/>
-              <a:t>4/14/2022</a:t>
+              <a:t>4/24/2022</a:t>
             </a:fld>
             <a:endParaRPr lang="en-US"/>
           </a:p>
@@ -6645,7 +6645,6 @@
               <a:rPr lang="en-US" dirty="0"/>
               <a:t>Data Transport Definition</a:t>
             </a:r>
-            <a:endParaRPr lang="en-US" dirty="0"/>
           </a:p>
         </p:txBody>
       </p:sp>
@@ -9943,11 +9942,7 @@
           <a:p>
             <a:r>
               <a:rPr lang="en-US" dirty="0" smtClean="0"/>
-              <a:t>Individual recipes may also specify authorizations</a:t>
-            </a:r>
-            <a:r>
-              <a:rPr lang="en-US" dirty="0" smtClean="0"/>
-              <a:t>.</a:t>
+              <a:t>Individual recipes may also specify authorizations.</a:t>
             </a:r>
           </a:p>
           <a:p>
@@ -10047,15 +10042,7 @@
             </a:r>
             <a:r>
               <a:rPr lang="en-US" dirty="0" smtClean="0"/>
-              <a:t>, where the prefix character is $, :recipe represents the recipe name to be found in the respective </a:t>
-            </a:r>
-            <a:r>
-              <a:rPr lang="en-US" dirty="0" smtClean="0"/>
-              <a:t>database recipes collection, </a:t>
-            </a:r>
-            <a:r>
-              <a:rPr lang="en-US" dirty="0" smtClean="0"/>
-              <a:t>and :opt* represents an optional / delimited list of query bindings.</a:t>
+              <a:t>, where the prefix character is $, :recipe represents the recipe name to be found in the respective database recipes collection, and :opt* represents an optional / delimited list of query bindings.</a:t>
             </a:r>
           </a:p>
           <a:p>
